--- a/0050_parallel/rtl/schematic/word_align.pptx
+++ b/0050_parallel/rtl/schematic/word_align.pptx
@@ -3421,7 +3421,7 @@
         </p:nvSpPr>
         <p:spPr>
           <a:xfrm>
-            <a:off x="304800" y="914400"/>
+            <a:off x="304800" y="533400"/>
             <a:ext cx="1524000" cy="228600"/>
           </a:xfrm>
           <a:prstGeom prst="roundRect">
@@ -3486,7 +3486,7 @@
         </p:nvSpPr>
         <p:spPr>
           <a:xfrm>
-            <a:off x="304800" y="2667000"/>
+            <a:off x="304800" y="2971778"/>
             <a:ext cx="228600" cy="152400"/>
           </a:xfrm>
           <a:prstGeom prst="homePlate">
@@ -3537,8 +3537,8 @@
         </p:nvSpPr>
         <p:spPr>
           <a:xfrm>
-            <a:off x="1676400" y="2438404"/>
-            <a:ext cx="304800" cy="304793"/>
+            <a:off x="2133600" y="2743182"/>
+            <a:ext cx="304800" cy="457218"/>
           </a:xfrm>
           <a:prstGeom prst="rect">
             <a:avLst/>
@@ -3583,7 +3583,7 @@
         </p:nvCxnSpPr>
         <p:spPr>
           <a:xfrm flipV="1">
-            <a:off x="1752601" y="2666959"/>
+            <a:off x="2209801" y="3124200"/>
             <a:ext cx="76200" cy="76200"/>
           </a:xfrm>
           <a:prstGeom prst="line">
@@ -3618,7 +3618,7 @@
         </p:nvCxnSpPr>
         <p:spPr>
           <a:xfrm flipH="1" flipV="1">
-            <a:off x="1828801" y="2666959"/>
+            <a:off x="2286001" y="3124200"/>
             <a:ext cx="76200" cy="76200"/>
           </a:xfrm>
           <a:prstGeom prst="line">
@@ -3653,7 +3653,7 @@
         </p:nvSpPr>
         <p:spPr>
           <a:xfrm>
-            <a:off x="1752600" y="2438368"/>
+            <a:off x="2209800" y="2743146"/>
             <a:ext cx="152400" cy="152400"/>
           </a:xfrm>
           <a:prstGeom prst="rect">
@@ -3706,8 +3706,8 @@
         </p:nvCxnSpPr>
         <p:spPr>
           <a:xfrm>
-            <a:off x="762000" y="2514600"/>
-            <a:ext cx="914400" cy="0"/>
+            <a:off x="762000" y="2819378"/>
+            <a:ext cx="1371600" cy="0"/>
           </a:xfrm>
           <a:prstGeom prst="line">
             <a:avLst/>
@@ -3743,8 +3743,8 @@
         </p:nvCxnSpPr>
         <p:spPr>
           <a:xfrm>
-            <a:off x="1981200" y="2514600"/>
-            <a:ext cx="1524000" cy="0"/>
+            <a:off x="2438400" y="2819378"/>
+            <a:ext cx="1066800" cy="0"/>
           </a:xfrm>
           <a:prstGeom prst="line">
             <a:avLst/>
@@ -3780,8 +3780,8 @@
         </p:nvCxnSpPr>
         <p:spPr>
           <a:xfrm flipH="1">
-            <a:off x="762000" y="1981200"/>
-            <a:ext cx="1828800" cy="0"/>
+            <a:off x="762000" y="2285978"/>
+            <a:ext cx="2286000" cy="0"/>
           </a:xfrm>
           <a:prstGeom prst="line">
             <a:avLst/>
@@ -3817,7 +3817,7 @@
         </p:nvCxnSpPr>
         <p:spPr>
           <a:xfrm>
-            <a:off x="762000" y="1981200"/>
+            <a:off x="762000" y="2285978"/>
             <a:ext cx="0" cy="533400"/>
           </a:xfrm>
           <a:prstGeom prst="line">
@@ -3854,7 +3854,7 @@
         </p:nvCxnSpPr>
         <p:spPr>
           <a:xfrm flipH="1" flipV="1">
-            <a:off x="1371600" y="1905000"/>
+            <a:off x="1371600" y="2209778"/>
             <a:ext cx="76200" cy="76200"/>
           </a:xfrm>
           <a:prstGeom prst="line">
@@ -3891,7 +3891,7 @@
         </p:nvCxnSpPr>
         <p:spPr>
           <a:xfrm flipV="1">
-            <a:off x="1371600" y="1752600"/>
+            <a:off x="1371600" y="2057378"/>
             <a:ext cx="0" cy="152400"/>
           </a:xfrm>
           <a:prstGeom prst="line">
@@ -3928,7 +3928,7 @@
         </p:nvCxnSpPr>
         <p:spPr>
           <a:xfrm flipH="1">
-            <a:off x="914400" y="1752600"/>
+            <a:off x="914400" y="2057378"/>
             <a:ext cx="457200" cy="0"/>
           </a:xfrm>
           <a:prstGeom prst="line">
@@ -3965,7 +3965,7 @@
         </p:nvCxnSpPr>
         <p:spPr>
           <a:xfrm flipH="1">
-            <a:off x="838200" y="1676400"/>
+            <a:off x="838200" y="1981178"/>
             <a:ext cx="152400" cy="152400"/>
           </a:xfrm>
           <a:prstGeom prst="line">
@@ -4002,7 +4002,7 @@
         </p:nvCxnSpPr>
         <p:spPr>
           <a:xfrm flipH="1" flipV="1">
-            <a:off x="838200" y="1676400"/>
+            <a:off x="838200" y="1981178"/>
             <a:ext cx="152400" cy="152400"/>
           </a:xfrm>
           <a:prstGeom prst="line">
@@ -4039,7 +4039,7 @@
         </p:nvCxnSpPr>
         <p:spPr>
           <a:xfrm flipV="1">
-            <a:off x="1371600" y="2514600"/>
+            <a:off x="1371600" y="2819378"/>
             <a:ext cx="76200" cy="76200"/>
           </a:xfrm>
           <a:prstGeom prst="line">
@@ -4078,7 +4078,7 @@
         </p:nvCxnSpPr>
         <p:spPr>
           <a:xfrm>
-            <a:off x="533400" y="2743200"/>
+            <a:off x="533400" y="3047978"/>
             <a:ext cx="838200" cy="0"/>
           </a:xfrm>
           <a:prstGeom prst="line">
@@ -4115,7 +4115,7 @@
         </p:nvCxnSpPr>
         <p:spPr>
           <a:xfrm flipV="1">
-            <a:off x="1371600" y="2590800"/>
+            <a:off x="1371600" y="2895578"/>
             <a:ext cx="0" cy="152400"/>
           </a:xfrm>
           <a:prstGeom prst="line">
@@ -4152,7 +4152,7 @@
         </p:nvCxnSpPr>
         <p:spPr>
           <a:xfrm>
-            <a:off x="3505200" y="2514600"/>
+            <a:off x="3505200" y="2819378"/>
             <a:ext cx="0" cy="1066800"/>
           </a:xfrm>
           <a:prstGeom prst="line">
@@ -4189,7 +4189,7 @@
         </p:nvCxnSpPr>
         <p:spPr>
           <a:xfrm>
-            <a:off x="3505200" y="2667000"/>
+            <a:off x="3505200" y="2971778"/>
             <a:ext cx="76200" cy="76200"/>
           </a:xfrm>
           <a:prstGeom prst="line">
@@ -4228,7 +4228,7 @@
         </p:nvCxnSpPr>
         <p:spPr>
           <a:xfrm>
-            <a:off x="4419600" y="2971800"/>
+            <a:off x="4419600" y="3276578"/>
             <a:ext cx="152400" cy="0"/>
           </a:xfrm>
           <a:prstGeom prst="line">
@@ -4265,7 +4265,7 @@
         </p:nvSpPr>
         <p:spPr>
           <a:xfrm>
-            <a:off x="4572000" y="2895600"/>
+            <a:off x="4572000" y="3200378"/>
             <a:ext cx="152400" cy="152400"/>
           </a:xfrm>
           <a:prstGeom prst="rect">
@@ -4320,7 +4320,7 @@
         </p:nvCxnSpPr>
         <p:spPr>
           <a:xfrm>
-            <a:off x="3505200" y="3124200"/>
+            <a:off x="3505200" y="3428978"/>
             <a:ext cx="76200" cy="76200"/>
           </a:xfrm>
           <a:prstGeom prst="line">
@@ -4357,7 +4357,7 @@
         </p:nvSpPr>
         <p:spPr>
           <a:xfrm>
-            <a:off x="4572000" y="3352800"/>
+            <a:off x="4572000" y="3657578"/>
             <a:ext cx="152400" cy="152400"/>
           </a:xfrm>
           <a:prstGeom prst="rect">
@@ -4412,7 +4412,7 @@
         </p:nvCxnSpPr>
         <p:spPr>
           <a:xfrm>
-            <a:off x="4419600" y="2438400"/>
+            <a:off x="4419600" y="2743178"/>
             <a:ext cx="0" cy="1143000"/>
           </a:xfrm>
           <a:prstGeom prst="line">
@@ -4449,7 +4449,7 @@
         </p:nvCxnSpPr>
         <p:spPr>
           <a:xfrm>
-            <a:off x="3505200" y="4495800"/>
+            <a:off x="3505200" y="4800578"/>
             <a:ext cx="76200" cy="76200"/>
           </a:xfrm>
           <a:prstGeom prst="line">
@@ -4486,7 +4486,7 @@
         </p:nvSpPr>
         <p:spPr>
           <a:xfrm>
-            <a:off x="4572000" y="4724400"/>
+            <a:off x="4572000" y="5029178"/>
             <a:ext cx="152400" cy="152400"/>
           </a:xfrm>
           <a:prstGeom prst="rect">
@@ -4543,7 +4543,7 @@
         </p:nvCxnSpPr>
         <p:spPr>
           <a:xfrm>
-            <a:off x="4724400" y="2971800"/>
+            <a:off x="4724400" y="3276578"/>
             <a:ext cx="762000" cy="0"/>
           </a:xfrm>
           <a:prstGeom prst="line">
@@ -4580,7 +4580,7 @@
         </p:nvCxnSpPr>
         <p:spPr>
           <a:xfrm>
-            <a:off x="5486400" y="2971800"/>
+            <a:off x="5486400" y="3276578"/>
             <a:ext cx="76200" cy="76200"/>
           </a:xfrm>
           <a:prstGeom prst="line">
@@ -4617,7 +4617,7 @@
         </p:nvCxnSpPr>
         <p:spPr>
           <a:xfrm>
-            <a:off x="4724400" y="3429000"/>
+            <a:off x="4724400" y="3733778"/>
             <a:ext cx="762000" cy="0"/>
           </a:xfrm>
           <a:prstGeom prst="line">
@@ -4654,7 +4654,7 @@
         </p:nvCxnSpPr>
         <p:spPr>
           <a:xfrm>
-            <a:off x="5486400" y="3429000"/>
+            <a:off x="5486400" y="3733778"/>
             <a:ext cx="76200" cy="76200"/>
           </a:xfrm>
           <a:prstGeom prst="line">
@@ -4691,7 +4691,7 @@
         </p:nvCxnSpPr>
         <p:spPr>
           <a:xfrm>
-            <a:off x="4724400" y="4800600"/>
+            <a:off x="4724400" y="5105378"/>
             <a:ext cx="762000" cy="0"/>
           </a:xfrm>
           <a:prstGeom prst="line">
@@ -4728,7 +4728,7 @@
         </p:nvCxnSpPr>
         <p:spPr>
           <a:xfrm>
-            <a:off x="5486400" y="4800600"/>
+            <a:off x="5486400" y="5105378"/>
             <a:ext cx="76200" cy="76200"/>
           </a:xfrm>
           <a:prstGeom prst="line">
@@ -4765,7 +4765,7 @@
         </p:nvCxnSpPr>
         <p:spPr>
           <a:xfrm>
-            <a:off x="5562600" y="3048000"/>
+            <a:off x="5562600" y="3352778"/>
             <a:ext cx="0" cy="533400"/>
           </a:xfrm>
           <a:prstGeom prst="line">
@@ -4802,7 +4802,7 @@
         </p:nvCxnSpPr>
         <p:spPr>
           <a:xfrm>
-            <a:off x="5562600" y="6019800"/>
+            <a:off x="5562600" y="6324578"/>
             <a:ext cx="1371600" cy="0"/>
           </a:xfrm>
           <a:prstGeom prst="line">
@@ -4839,7 +4839,7 @@
         </p:nvSpPr>
         <p:spPr>
           <a:xfrm>
-            <a:off x="5715000" y="6553200"/>
+            <a:off x="5715000" y="6857978"/>
             <a:ext cx="152400" cy="152400"/>
           </a:xfrm>
           <a:prstGeom prst="rect">
@@ -4894,7 +4894,7 @@
         </p:nvSpPr>
         <p:spPr>
           <a:xfrm>
-            <a:off x="8915400" y="6096007"/>
+            <a:off x="8915400" y="6400785"/>
             <a:ext cx="304800" cy="304793"/>
           </a:xfrm>
           <a:prstGeom prst="rect">
@@ -4940,7 +4940,7 @@
         </p:nvCxnSpPr>
         <p:spPr>
           <a:xfrm flipV="1">
-            <a:off x="8991601" y="6324562"/>
+            <a:off x="8991601" y="6629340"/>
             <a:ext cx="76200" cy="76200"/>
           </a:xfrm>
           <a:prstGeom prst="line">
@@ -4975,7 +4975,7 @@
         </p:nvCxnSpPr>
         <p:spPr>
           <a:xfrm flipH="1" flipV="1">
-            <a:off x="9067801" y="6324562"/>
+            <a:off x="9067801" y="6629340"/>
             <a:ext cx="76200" cy="76200"/>
           </a:xfrm>
           <a:prstGeom prst="line">
@@ -5010,7 +5010,7 @@
         </p:nvSpPr>
         <p:spPr>
           <a:xfrm>
-            <a:off x="8991600" y="6095971"/>
+            <a:off x="8991600" y="6400749"/>
             <a:ext cx="152400" cy="152400"/>
           </a:xfrm>
           <a:prstGeom prst="rect">
@@ -5063,7 +5063,7 @@
         </p:nvSpPr>
         <p:spPr>
           <a:xfrm rot="5400000">
-            <a:off x="6781799" y="6096000"/>
+            <a:off x="6781799" y="6400778"/>
             <a:ext cx="457200" cy="152400"/>
           </a:xfrm>
           <a:prstGeom prst="trapezoid">
@@ -5111,7 +5111,7 @@
         </p:nvSpPr>
         <p:spPr>
           <a:xfrm>
-            <a:off x="6934199" y="6172200"/>
+            <a:off x="6934199" y="6476978"/>
             <a:ext cx="152400" cy="152400"/>
           </a:xfrm>
           <a:prstGeom prst="rect">
@@ -5163,7 +5163,7 @@
         </p:nvSpPr>
         <p:spPr>
           <a:xfrm>
-            <a:off x="6934199" y="6019800"/>
+            <a:off x="6934199" y="6324578"/>
             <a:ext cx="152400" cy="152400"/>
           </a:xfrm>
           <a:prstGeom prst="rect">
@@ -5215,7 +5215,7 @@
         </p:nvCxnSpPr>
         <p:spPr>
           <a:xfrm>
-            <a:off x="8610600" y="6172200"/>
+            <a:off x="8610600" y="6476978"/>
             <a:ext cx="304800" cy="0"/>
           </a:xfrm>
           <a:prstGeom prst="line">
@@ -5252,7 +5252,7 @@
         </p:nvCxnSpPr>
         <p:spPr>
           <a:xfrm>
-            <a:off x="6629399" y="6324600"/>
+            <a:off x="6629399" y="6629378"/>
             <a:ext cx="304800" cy="0"/>
           </a:xfrm>
           <a:prstGeom prst="line">
@@ -5291,7 +5291,7 @@
         </p:nvCxnSpPr>
         <p:spPr>
           <a:xfrm>
-            <a:off x="4648200" y="2743200"/>
+            <a:off x="4648200" y="3047978"/>
             <a:ext cx="0" cy="152400"/>
           </a:xfrm>
           <a:prstGeom prst="line">
@@ -5328,7 +5328,7 @@
         </p:nvCxnSpPr>
         <p:spPr>
           <a:xfrm flipV="1">
-            <a:off x="7010399" y="6324600"/>
+            <a:off x="7010399" y="6629378"/>
             <a:ext cx="0" cy="304800"/>
           </a:xfrm>
           <a:prstGeom prst="line">
@@ -5367,7 +5367,7 @@
         </p:nvCxnSpPr>
         <p:spPr>
           <a:xfrm>
-            <a:off x="5867400" y="6629400"/>
+            <a:off x="5867400" y="6934178"/>
             <a:ext cx="1143000" cy="0"/>
           </a:xfrm>
           <a:prstGeom prst="line">
@@ -5406,7 +5406,7 @@
         </p:nvCxnSpPr>
         <p:spPr>
           <a:xfrm>
-            <a:off x="5562600" y="6629400"/>
+            <a:off x="5562600" y="6934178"/>
             <a:ext cx="152400" cy="0"/>
           </a:xfrm>
           <a:prstGeom prst="line">
@@ -5443,7 +5443,1491 @@
         </p:nvSpPr>
         <p:spPr>
           <a:xfrm>
-            <a:off x="5105400" y="6553200"/>
+            <a:off x="5105400" y="6857978"/>
+            <a:ext cx="457200" cy="152400"/>
+          </a:xfrm>
+          <a:prstGeom prst="rect">
+            <a:avLst/>
+          </a:prstGeom>
+          <a:noFill/>
+          <a:ln>
+            <a:noFill/>
+          </a:ln>
+        </p:spPr>
+        <p:style>
+          <a:lnRef idx="2">
+            <a:schemeClr val="accent1">
+              <a:shade val="50000"/>
+            </a:schemeClr>
+          </a:lnRef>
+          <a:fillRef idx="1">
+            <a:schemeClr val="accent1"/>
+          </a:fillRef>
+          <a:effectRef idx="0">
+            <a:schemeClr val="accent1"/>
+          </a:effectRef>
+          <a:fontRef idx="minor">
+            <a:schemeClr val="lt1"/>
+          </a:fontRef>
+        </p:style>
+        <p:txBody>
+          <a:bodyPr wrap="none" lIns="45720" rIns="45720" rtlCol="0" anchor="ctr"/>
+          <a:lstStyle/>
+          <a:p>
+            <a:pPr algn="r"/>
+            <a:r>
+              <a:rPr lang="en-US" sz="900" dirty="0" smtClean="0">
+                <a:solidFill>
+                  <a:srgbClr val="000000"/>
+                </a:solidFill>
+                <a:latin typeface="Courier New" panose="02070309020205020404" pitchFamily="49" charset="0"/>
+                <a:cs typeface="Courier New" panose="02070309020205020404" pitchFamily="49" charset="0"/>
+              </a:rPr>
+              <a:t>31’d0</a:t>
+            </a:r>
+            <a:endParaRPr lang="en-US" sz="900" dirty="0">
+              <a:solidFill>
+                <a:srgbClr val="000000"/>
+              </a:solidFill>
+              <a:latin typeface="Courier New" panose="02070309020205020404" pitchFamily="49" charset="0"/>
+              <a:cs typeface="Courier New" panose="02070309020205020404" pitchFamily="49" charset="0"/>
+            </a:endParaRPr>
+          </a:p>
+        </p:txBody>
+      </p:sp>
+      <p:sp>
+        <p:nvSpPr>
+          <p:cNvPr id="279" name="Rectangle 278"/>
+          <p:cNvSpPr/>
+          <p:nvPr/>
+        </p:nvSpPr>
+        <p:spPr>
+          <a:xfrm>
+            <a:off x="4419600" y="2590778"/>
+            <a:ext cx="457200" cy="152400"/>
+          </a:xfrm>
+          <a:prstGeom prst="rect">
+            <a:avLst/>
+          </a:prstGeom>
+          <a:noFill/>
+          <a:ln>
+            <a:noFill/>
+          </a:ln>
+        </p:spPr>
+        <p:style>
+          <a:lnRef idx="2">
+            <a:schemeClr val="accent1">
+              <a:shade val="50000"/>
+            </a:schemeClr>
+          </a:lnRef>
+          <a:fillRef idx="1">
+            <a:schemeClr val="accent1"/>
+          </a:fillRef>
+          <a:effectRef idx="0">
+            <a:schemeClr val="accent1"/>
+          </a:effectRef>
+          <a:fontRef idx="minor">
+            <a:schemeClr val="lt1"/>
+          </a:fontRef>
+        </p:style>
+        <p:txBody>
+          <a:bodyPr wrap="none" lIns="45720" rIns="45720" rtlCol="0" anchor="ctr"/>
+          <a:lstStyle/>
+          <a:p>
+            <a:pPr algn="r"/>
+            <a:r>
+              <a:rPr lang="en-US" sz="900" smtClean="0">
+                <a:solidFill>
+                  <a:srgbClr val="000000"/>
+                </a:solidFill>
+                <a:latin typeface="Courier New" panose="02070309020205020404" pitchFamily="49" charset="0"/>
+                <a:cs typeface="Courier New" panose="02070309020205020404" pitchFamily="49" charset="0"/>
+              </a:rPr>
+              <a:t>32’hF731_8CEF</a:t>
+            </a:r>
+            <a:endParaRPr lang="en-US" sz="900" dirty="0">
+              <a:solidFill>
+                <a:srgbClr val="000000"/>
+              </a:solidFill>
+              <a:latin typeface="Courier New" panose="02070309020205020404" pitchFamily="49" charset="0"/>
+              <a:cs typeface="Courier New" panose="02070309020205020404" pitchFamily="49" charset="0"/>
+            </a:endParaRPr>
+          </a:p>
+        </p:txBody>
+      </p:sp>
+      <p:sp>
+        <p:nvSpPr>
+          <p:cNvPr id="281" name="Rectangle 280"/>
+          <p:cNvSpPr/>
+          <p:nvPr/>
+        </p:nvSpPr>
+        <p:spPr>
+          <a:xfrm>
+            <a:off x="4572000" y="2438378"/>
+            <a:ext cx="457200" cy="152400"/>
+          </a:xfrm>
+          <a:prstGeom prst="rect">
+            <a:avLst/>
+          </a:prstGeom>
+          <a:noFill/>
+          <a:ln>
+            <a:noFill/>
+          </a:ln>
+        </p:spPr>
+        <p:style>
+          <a:lnRef idx="2">
+            <a:schemeClr val="accent1">
+              <a:shade val="50000"/>
+            </a:schemeClr>
+          </a:lnRef>
+          <a:fillRef idx="1">
+            <a:schemeClr val="accent1"/>
+          </a:fillRef>
+          <a:effectRef idx="0">
+            <a:schemeClr val="accent1"/>
+          </a:effectRef>
+          <a:fontRef idx="minor">
+            <a:schemeClr val="lt1"/>
+          </a:fontRef>
+        </p:style>
+        <p:txBody>
+          <a:bodyPr wrap="none" lIns="45720" rIns="45720" rtlCol="0" anchor="ctr"/>
+          <a:lstStyle/>
+          <a:p>
+            <a:pPr algn="r"/>
+            <a:r>
+              <a:rPr lang="en-US" sz="900" dirty="0">
+                <a:solidFill>
+                  <a:srgbClr val="000000"/>
+                </a:solidFill>
+                <a:latin typeface="Courier New" panose="02070309020205020404" pitchFamily="49" charset="0"/>
+                <a:cs typeface="Courier New" panose="02070309020205020404" pitchFamily="49" charset="0"/>
+              </a:rPr>
+              <a:t>(sync word)</a:t>
+            </a:r>
+          </a:p>
+        </p:txBody>
+      </p:sp>
+      <p:sp>
+        <p:nvSpPr>
+          <p:cNvPr id="310" name="Rectangle 309"/>
+          <p:cNvSpPr/>
+          <p:nvPr/>
+        </p:nvSpPr>
+        <p:spPr>
+          <a:xfrm>
+            <a:off x="7848600" y="5714978"/>
+            <a:ext cx="152400" cy="152400"/>
+          </a:xfrm>
+          <a:prstGeom prst="rect">
+            <a:avLst/>
+          </a:prstGeom>
+          <a:noFill/>
+          <a:ln>
+            <a:solidFill>
+              <a:schemeClr val="tx1"/>
+            </a:solidFill>
+          </a:ln>
+        </p:spPr>
+        <p:style>
+          <a:lnRef idx="2">
+            <a:schemeClr val="accent1">
+              <a:shade val="50000"/>
+            </a:schemeClr>
+          </a:lnRef>
+          <a:fillRef idx="1">
+            <a:schemeClr val="accent1"/>
+          </a:fillRef>
+          <a:effectRef idx="0">
+            <a:schemeClr val="accent1"/>
+          </a:effectRef>
+          <a:fontRef idx="minor">
+            <a:schemeClr val="lt1"/>
+          </a:fontRef>
+        </p:style>
+        <p:txBody>
+          <a:bodyPr wrap="none" lIns="45720" rIns="45720" rtlCol="0" anchor="ctr"/>
+          <a:lstStyle/>
+          <a:p>
+            <a:pPr algn="ctr"/>
+            <a:r>
+              <a:rPr lang="en-US" sz="900" dirty="0">
+                <a:solidFill>
+                  <a:srgbClr val="000000"/>
+                </a:solidFill>
+                <a:latin typeface="Courier New" panose="02070309020205020404" pitchFamily="49" charset="0"/>
+                <a:cs typeface="Courier New" panose="02070309020205020404" pitchFamily="49" charset="0"/>
+              </a:rPr>
+              <a:t>=</a:t>
+            </a:r>
+          </a:p>
+        </p:txBody>
+      </p:sp>
+      <p:cxnSp>
+        <p:nvCxnSpPr>
+          <p:cNvPr id="313" name="Straight Connector 312"/>
+          <p:cNvCxnSpPr>
+            <a:endCxn id="310" idx="0"/>
+          </p:cNvCxnSpPr>
+          <p:nvPr/>
+        </p:nvCxnSpPr>
+        <p:spPr>
+          <a:xfrm>
+            <a:off x="7924800" y="5410178"/>
+            <a:ext cx="0" cy="304800"/>
+          </a:xfrm>
+          <a:prstGeom prst="line">
+            <a:avLst/>
+          </a:prstGeom>
+          <a:ln w="12700">
+            <a:solidFill>
+              <a:srgbClr val="000000"/>
+            </a:solidFill>
+            <a:headEnd type="oval" w="med" len="med"/>
+            <a:tailEnd type="triangle" w="med" len="med"/>
+          </a:ln>
+        </p:spPr>
+        <p:style>
+          <a:lnRef idx="1">
+            <a:schemeClr val="accent1"/>
+          </a:lnRef>
+          <a:fillRef idx="0">
+            <a:schemeClr val="accent1"/>
+          </a:fillRef>
+          <a:effectRef idx="0">
+            <a:schemeClr val="accent1"/>
+          </a:effectRef>
+          <a:fontRef idx="minor">
+            <a:schemeClr val="tx1"/>
+          </a:fontRef>
+        </p:style>
+      </p:cxnSp>
+      <p:cxnSp>
+        <p:nvCxnSpPr>
+          <p:cNvPr id="321" name="Straight Connector 320"/>
+          <p:cNvCxnSpPr/>
+          <p:nvPr/>
+        </p:nvCxnSpPr>
+        <p:spPr>
+          <a:xfrm>
+            <a:off x="9220200" y="6476977"/>
+            <a:ext cx="1600200" cy="0"/>
+          </a:xfrm>
+          <a:prstGeom prst="line">
+            <a:avLst/>
+          </a:prstGeom>
+          <a:ln w="12700">
+            <a:solidFill>
+              <a:srgbClr val="000000"/>
+            </a:solidFill>
+            <a:headEnd type="none" w="med" len="med"/>
+            <a:tailEnd type="none" w="med" len="med"/>
+          </a:ln>
+        </p:spPr>
+        <p:style>
+          <a:lnRef idx="1">
+            <a:schemeClr val="accent1"/>
+          </a:lnRef>
+          <a:fillRef idx="0">
+            <a:schemeClr val="accent1"/>
+          </a:fillRef>
+          <a:effectRef idx="0">
+            <a:schemeClr val="accent1"/>
+          </a:effectRef>
+          <a:fontRef idx="minor">
+            <a:schemeClr val="tx1"/>
+          </a:fontRef>
+        </p:style>
+      </p:cxnSp>
+      <p:cxnSp>
+        <p:nvCxnSpPr>
+          <p:cNvPr id="322" name="Straight Connector 321"/>
+          <p:cNvCxnSpPr/>
+          <p:nvPr/>
+        </p:nvCxnSpPr>
+        <p:spPr>
+          <a:xfrm flipH="1">
+            <a:off x="8001000" y="5791178"/>
+            <a:ext cx="152400" cy="0"/>
+          </a:xfrm>
+          <a:prstGeom prst="line">
+            <a:avLst/>
+          </a:prstGeom>
+          <a:ln w="12700">
+            <a:solidFill>
+              <a:srgbClr val="000000"/>
+            </a:solidFill>
+            <a:headEnd type="none" w="med" len="med"/>
+            <a:tailEnd type="triangle" w="med" len="med"/>
+          </a:ln>
+        </p:spPr>
+        <p:style>
+          <a:lnRef idx="1">
+            <a:schemeClr val="accent1"/>
+          </a:lnRef>
+          <a:fillRef idx="0">
+            <a:schemeClr val="accent1"/>
+          </a:fillRef>
+          <a:effectRef idx="0">
+            <a:schemeClr val="accent1"/>
+          </a:effectRef>
+          <a:fontRef idx="minor">
+            <a:schemeClr val="tx1"/>
+          </a:fontRef>
+        </p:style>
+      </p:cxnSp>
+      <p:sp>
+        <p:nvSpPr>
+          <p:cNvPr id="323" name="Rectangle 322"/>
+          <p:cNvSpPr/>
+          <p:nvPr/>
+        </p:nvSpPr>
+        <p:spPr>
+          <a:xfrm>
+            <a:off x="8077200" y="5638778"/>
+            <a:ext cx="457200" cy="152400"/>
+          </a:xfrm>
+          <a:prstGeom prst="rect">
+            <a:avLst/>
+          </a:prstGeom>
+          <a:noFill/>
+          <a:ln>
+            <a:noFill/>
+          </a:ln>
+        </p:spPr>
+        <p:style>
+          <a:lnRef idx="2">
+            <a:schemeClr val="accent1">
+              <a:shade val="50000"/>
+            </a:schemeClr>
+          </a:lnRef>
+          <a:fillRef idx="1">
+            <a:schemeClr val="accent1"/>
+          </a:fillRef>
+          <a:effectRef idx="0">
+            <a:schemeClr val="accent1"/>
+          </a:effectRef>
+          <a:fontRef idx="minor">
+            <a:schemeClr val="lt1"/>
+          </a:fontRef>
+        </p:style>
+        <p:txBody>
+          <a:bodyPr wrap="none" lIns="45720" rIns="45720" rtlCol="0" anchor="ctr"/>
+          <a:lstStyle/>
+          <a:p>
+            <a:r>
+              <a:rPr lang="en-US" sz="900" dirty="0" smtClean="0">
+                <a:solidFill>
+                  <a:srgbClr val="000000"/>
+                </a:solidFill>
+                <a:latin typeface="Courier New" panose="02070309020205020404" pitchFamily="49" charset="0"/>
+                <a:cs typeface="Courier New" panose="02070309020205020404" pitchFamily="49" charset="0"/>
+              </a:rPr>
+              <a:t>31’d0</a:t>
+            </a:r>
+            <a:endParaRPr lang="en-US" sz="900" dirty="0">
+              <a:solidFill>
+                <a:srgbClr val="000000"/>
+              </a:solidFill>
+              <a:latin typeface="Courier New" panose="02070309020205020404" pitchFamily="49" charset="0"/>
+              <a:cs typeface="Courier New" panose="02070309020205020404" pitchFamily="49" charset="0"/>
+            </a:endParaRPr>
+          </a:p>
+        </p:txBody>
+      </p:sp>
+      <p:sp>
+        <p:nvSpPr>
+          <p:cNvPr id="324" name="Trapezoid 323"/>
+          <p:cNvSpPr/>
+          <p:nvPr/>
+        </p:nvSpPr>
+        <p:spPr>
+          <a:xfrm rot="5400000">
+            <a:off x="7696200" y="6248378"/>
+            <a:ext cx="457200" cy="152400"/>
+          </a:xfrm>
+          <a:prstGeom prst="trapezoid">
+            <a:avLst>
+              <a:gd name="adj" fmla="val 110715"/>
+            </a:avLst>
+          </a:prstGeom>
+          <a:noFill/>
+          <a:ln w="12700">
+            <a:solidFill>
+              <a:srgbClr val="000000"/>
+            </a:solidFill>
+          </a:ln>
+        </p:spPr>
+        <p:style>
+          <a:lnRef idx="2">
+            <a:schemeClr val="accent1">
+              <a:shade val="50000"/>
+            </a:schemeClr>
+          </a:lnRef>
+          <a:fillRef idx="1">
+            <a:schemeClr val="accent1"/>
+          </a:fillRef>
+          <a:effectRef idx="0">
+            <a:schemeClr val="accent1"/>
+          </a:effectRef>
+          <a:fontRef idx="minor">
+            <a:schemeClr val="lt1"/>
+          </a:fontRef>
+        </p:style>
+        <p:txBody>
+          <a:bodyPr rtlCol="0" anchor="ctr"/>
+          <a:lstStyle/>
+          <a:p>
+            <a:pPr algn="ctr"/>
+            <a:endParaRPr lang="en-US" sz="3730"/>
+          </a:p>
+        </p:txBody>
+      </p:sp>
+      <p:sp>
+        <p:nvSpPr>
+          <p:cNvPr id="325" name="Rectangle 324"/>
+          <p:cNvSpPr/>
+          <p:nvPr/>
+        </p:nvSpPr>
+        <p:spPr>
+          <a:xfrm>
+            <a:off x="7848600" y="6172178"/>
+            <a:ext cx="152400" cy="152400"/>
+          </a:xfrm>
+          <a:prstGeom prst="rect">
+            <a:avLst/>
+          </a:prstGeom>
+          <a:noFill/>
+          <a:ln>
+            <a:noFill/>
+          </a:ln>
+        </p:spPr>
+        <p:style>
+          <a:lnRef idx="2">
+            <a:schemeClr val="accent1">
+              <a:shade val="50000"/>
+            </a:schemeClr>
+          </a:lnRef>
+          <a:fillRef idx="1">
+            <a:schemeClr val="accent1"/>
+          </a:fillRef>
+          <a:effectRef idx="0">
+            <a:schemeClr val="accent1"/>
+          </a:effectRef>
+          <a:fontRef idx="minor">
+            <a:schemeClr val="lt1"/>
+          </a:fontRef>
+        </p:style>
+        <p:txBody>
+          <a:bodyPr wrap="none" lIns="45720" rIns="45720" rtlCol="0" anchor="ctr"/>
+          <a:lstStyle/>
+          <a:p>
+            <a:r>
+              <a:rPr lang="en-US" sz="900" dirty="0">
+                <a:solidFill>
+                  <a:srgbClr val="000000"/>
+                </a:solidFill>
+                <a:latin typeface="Courier New" panose="02070309020205020404" pitchFamily="49" charset="0"/>
+                <a:cs typeface="Courier New" panose="02070309020205020404" pitchFamily="49" charset="0"/>
+              </a:rPr>
+              <a:t>0</a:t>
+            </a:r>
+          </a:p>
+        </p:txBody>
+      </p:sp>
+      <p:sp>
+        <p:nvSpPr>
+          <p:cNvPr id="326" name="Rectangle 325"/>
+          <p:cNvSpPr/>
+          <p:nvPr/>
+        </p:nvSpPr>
+        <p:spPr>
+          <a:xfrm>
+            <a:off x="7848600" y="6324578"/>
+            <a:ext cx="152400" cy="152400"/>
+          </a:xfrm>
+          <a:prstGeom prst="rect">
+            <a:avLst/>
+          </a:prstGeom>
+          <a:noFill/>
+          <a:ln>
+            <a:noFill/>
+          </a:ln>
+        </p:spPr>
+        <p:style>
+          <a:lnRef idx="2">
+            <a:schemeClr val="accent1">
+              <a:shade val="50000"/>
+            </a:schemeClr>
+          </a:lnRef>
+          <a:fillRef idx="1">
+            <a:schemeClr val="accent1"/>
+          </a:fillRef>
+          <a:effectRef idx="0">
+            <a:schemeClr val="accent1"/>
+          </a:effectRef>
+          <a:fontRef idx="minor">
+            <a:schemeClr val="lt1"/>
+          </a:fontRef>
+        </p:style>
+        <p:txBody>
+          <a:bodyPr wrap="none" lIns="45720" rIns="45720" rtlCol="0" anchor="ctr"/>
+          <a:lstStyle/>
+          <a:p>
+            <a:r>
+              <a:rPr lang="en-US" sz="900" dirty="0">
+                <a:solidFill>
+                  <a:srgbClr val="000000"/>
+                </a:solidFill>
+                <a:latin typeface="Courier New" panose="02070309020205020404" pitchFamily="49" charset="0"/>
+                <a:cs typeface="Courier New" panose="02070309020205020404" pitchFamily="49" charset="0"/>
+              </a:rPr>
+              <a:t>1</a:t>
+            </a:r>
+          </a:p>
+        </p:txBody>
+      </p:sp>
+      <p:cxnSp>
+        <p:nvCxnSpPr>
+          <p:cNvPr id="327" name="Straight Connector 326"/>
+          <p:cNvCxnSpPr/>
+          <p:nvPr/>
+        </p:nvCxnSpPr>
+        <p:spPr>
+          <a:xfrm>
+            <a:off x="7924800" y="5867378"/>
+            <a:ext cx="0" cy="304800"/>
+          </a:xfrm>
+          <a:prstGeom prst="line">
+            <a:avLst/>
+          </a:prstGeom>
+          <a:ln w="12700">
+            <a:solidFill>
+              <a:srgbClr val="000000"/>
+            </a:solidFill>
+            <a:headEnd type="none" w="med" len="med"/>
+            <a:tailEnd type="none" w="med" len="med"/>
+          </a:ln>
+        </p:spPr>
+        <p:style>
+          <a:lnRef idx="1">
+            <a:schemeClr val="accent1"/>
+          </a:lnRef>
+          <a:fillRef idx="0">
+            <a:schemeClr val="accent1"/>
+          </a:fillRef>
+          <a:effectRef idx="0">
+            <a:schemeClr val="accent1"/>
+          </a:effectRef>
+          <a:fontRef idx="minor">
+            <a:schemeClr val="tx1"/>
+          </a:fontRef>
+        </p:style>
+      </p:cxnSp>
+      <p:cxnSp>
+        <p:nvCxnSpPr>
+          <p:cNvPr id="328" name="Straight Connector 327"/>
+          <p:cNvCxnSpPr/>
+          <p:nvPr/>
+        </p:nvCxnSpPr>
+        <p:spPr>
+          <a:xfrm>
+            <a:off x="7543800" y="6172178"/>
+            <a:ext cx="304800" cy="0"/>
+          </a:xfrm>
+          <a:prstGeom prst="line">
+            <a:avLst/>
+          </a:prstGeom>
+          <a:ln w="12700">
+            <a:solidFill>
+              <a:srgbClr val="000000"/>
+            </a:solidFill>
+            <a:headEnd type="none" w="med" len="med"/>
+            <a:tailEnd type="none" w="med" len="med"/>
+          </a:ln>
+        </p:spPr>
+        <p:style>
+          <a:lnRef idx="1">
+            <a:schemeClr val="accent1"/>
+          </a:lnRef>
+          <a:fillRef idx="0">
+            <a:schemeClr val="accent1"/>
+          </a:fillRef>
+          <a:effectRef idx="0">
+            <a:schemeClr val="accent1"/>
+          </a:effectRef>
+          <a:fontRef idx="minor">
+            <a:schemeClr val="tx1"/>
+          </a:fontRef>
+        </p:style>
+      </p:cxnSp>
+      <p:cxnSp>
+        <p:nvCxnSpPr>
+          <p:cNvPr id="331" name="Straight Connector 330"/>
+          <p:cNvCxnSpPr/>
+          <p:nvPr/>
+        </p:nvCxnSpPr>
+        <p:spPr>
+          <a:xfrm flipH="1">
+            <a:off x="7543800" y="5410178"/>
+            <a:ext cx="1981200" cy="0"/>
+          </a:xfrm>
+          <a:prstGeom prst="line">
+            <a:avLst/>
+          </a:prstGeom>
+          <a:ln w="12700">
+            <a:solidFill>
+              <a:srgbClr val="000000"/>
+            </a:solidFill>
+            <a:headEnd type="none" w="med" len="med"/>
+            <a:tailEnd type="none" w="med" len="med"/>
+          </a:ln>
+        </p:spPr>
+        <p:style>
+          <a:lnRef idx="1">
+            <a:schemeClr val="accent1"/>
+          </a:lnRef>
+          <a:fillRef idx="0">
+            <a:schemeClr val="accent1"/>
+          </a:fillRef>
+          <a:effectRef idx="0">
+            <a:schemeClr val="accent1"/>
+          </a:effectRef>
+          <a:fontRef idx="minor">
+            <a:schemeClr val="tx1"/>
+          </a:fontRef>
+        </p:style>
+      </p:cxnSp>
+      <p:cxnSp>
+        <p:nvCxnSpPr>
+          <p:cNvPr id="332" name="Straight Connector 331"/>
+          <p:cNvCxnSpPr/>
+          <p:nvPr/>
+        </p:nvCxnSpPr>
+        <p:spPr>
+          <a:xfrm>
+            <a:off x="7543800" y="5410178"/>
+            <a:ext cx="0" cy="762000"/>
+          </a:xfrm>
+          <a:prstGeom prst="line">
+            <a:avLst/>
+          </a:prstGeom>
+          <a:ln w="12700">
+            <a:solidFill>
+              <a:srgbClr val="000000"/>
+            </a:solidFill>
+            <a:headEnd type="none" w="med" len="med"/>
+            <a:tailEnd type="none" w="med" len="med"/>
+          </a:ln>
+        </p:spPr>
+        <p:style>
+          <a:lnRef idx="1">
+            <a:schemeClr val="accent1"/>
+          </a:lnRef>
+          <a:fillRef idx="0">
+            <a:schemeClr val="accent1"/>
+          </a:fillRef>
+          <a:effectRef idx="0">
+            <a:schemeClr val="accent1"/>
+          </a:effectRef>
+          <a:fontRef idx="minor">
+            <a:schemeClr val="tx1"/>
+          </a:fontRef>
+        </p:style>
+      </p:cxnSp>
+      <p:sp>
+        <p:nvSpPr>
+          <p:cNvPr id="334" name="Rectangle 333"/>
+          <p:cNvSpPr/>
+          <p:nvPr/>
+        </p:nvSpPr>
+        <p:spPr>
+          <a:xfrm>
+            <a:off x="6476999" y="6476978"/>
+            <a:ext cx="457200" cy="152400"/>
+          </a:xfrm>
+          <a:prstGeom prst="rect">
+            <a:avLst/>
+          </a:prstGeom>
+          <a:noFill/>
+          <a:ln>
+            <a:noFill/>
+          </a:ln>
+        </p:spPr>
+        <p:style>
+          <a:lnRef idx="2">
+            <a:schemeClr val="accent1">
+              <a:shade val="50000"/>
+            </a:schemeClr>
+          </a:lnRef>
+          <a:fillRef idx="1">
+            <a:schemeClr val="accent1"/>
+          </a:fillRef>
+          <a:effectRef idx="0">
+            <a:schemeClr val="accent1"/>
+          </a:effectRef>
+          <a:fontRef idx="minor">
+            <a:schemeClr val="lt1"/>
+          </a:fontRef>
+        </p:style>
+        <p:txBody>
+          <a:bodyPr wrap="none" lIns="45720" rIns="45720" rtlCol="0" anchor="ctr"/>
+          <a:lstStyle/>
+          <a:p>
+            <a:r>
+              <a:rPr lang="en-US" sz="900" dirty="0" smtClean="0">
+                <a:solidFill>
+                  <a:srgbClr val="000000"/>
+                </a:solidFill>
+                <a:latin typeface="Courier New" panose="02070309020205020404" pitchFamily="49" charset="0"/>
+                <a:cs typeface="Courier New" panose="02070309020205020404" pitchFamily="49" charset="0"/>
+              </a:rPr>
+              <a:t>31’d0</a:t>
+            </a:r>
+            <a:endParaRPr lang="en-US" sz="900" dirty="0">
+              <a:solidFill>
+                <a:srgbClr val="000000"/>
+              </a:solidFill>
+              <a:latin typeface="Courier New" panose="02070309020205020404" pitchFamily="49" charset="0"/>
+              <a:cs typeface="Courier New" panose="02070309020205020404" pitchFamily="49" charset="0"/>
+            </a:endParaRPr>
+          </a:p>
+        </p:txBody>
+      </p:sp>
+      <p:cxnSp>
+        <p:nvCxnSpPr>
+          <p:cNvPr id="335" name="Straight Connector 334"/>
+          <p:cNvCxnSpPr>
+            <a:stCxn id="239" idx="0"/>
+          </p:cNvCxnSpPr>
+          <p:nvPr/>
+        </p:nvCxnSpPr>
+        <p:spPr>
+          <a:xfrm>
+            <a:off x="7086599" y="6476978"/>
+            <a:ext cx="762001" cy="0"/>
+          </a:xfrm>
+          <a:prstGeom prst="line">
+            <a:avLst/>
+          </a:prstGeom>
+          <a:ln w="12700">
+            <a:solidFill>
+              <a:srgbClr val="000000"/>
+            </a:solidFill>
+            <a:headEnd type="none" w="med" len="med"/>
+            <a:tailEnd type="none" w="med" len="med"/>
+          </a:ln>
+        </p:spPr>
+        <p:style>
+          <a:lnRef idx="1">
+            <a:schemeClr val="accent1"/>
+          </a:lnRef>
+          <a:fillRef idx="0">
+            <a:schemeClr val="accent1"/>
+          </a:fillRef>
+          <a:effectRef idx="0">
+            <a:schemeClr val="accent1"/>
+          </a:effectRef>
+          <a:fontRef idx="minor">
+            <a:schemeClr val="tx1"/>
+          </a:fontRef>
+        </p:style>
+      </p:cxnSp>
+      <p:cxnSp>
+        <p:nvCxnSpPr>
+          <p:cNvPr id="336" name="Straight Connector 335"/>
+          <p:cNvCxnSpPr/>
+          <p:nvPr/>
+        </p:nvCxnSpPr>
+        <p:spPr>
+          <a:xfrm flipV="1">
+            <a:off x="9525000" y="5410178"/>
+            <a:ext cx="0" cy="1066800"/>
+          </a:xfrm>
+          <a:prstGeom prst="line">
+            <a:avLst/>
+          </a:prstGeom>
+          <a:ln w="12700">
+            <a:solidFill>
+              <a:srgbClr val="000000"/>
+            </a:solidFill>
+            <a:headEnd type="oval" w="med" len="med"/>
+            <a:tailEnd type="none" w="med" len="med"/>
+          </a:ln>
+        </p:spPr>
+        <p:style>
+          <a:lnRef idx="1">
+            <a:schemeClr val="accent1"/>
+          </a:lnRef>
+          <a:fillRef idx="0">
+            <a:schemeClr val="accent1"/>
+          </a:fillRef>
+          <a:effectRef idx="0">
+            <a:schemeClr val="accent1"/>
+          </a:effectRef>
+          <a:fontRef idx="minor">
+            <a:schemeClr val="tx1"/>
+          </a:fontRef>
+        </p:style>
+      </p:cxnSp>
+      <p:cxnSp>
+        <p:nvCxnSpPr>
+          <p:cNvPr id="179" name="Straight Connector 178"/>
+          <p:cNvCxnSpPr/>
+          <p:nvPr/>
+        </p:nvCxnSpPr>
+        <p:spPr>
+          <a:xfrm>
+            <a:off x="4419600" y="3733778"/>
+            <a:ext cx="152400" cy="0"/>
+          </a:xfrm>
+          <a:prstGeom prst="line">
+            <a:avLst/>
+          </a:prstGeom>
+          <a:ln w="12700">
+            <a:solidFill>
+              <a:srgbClr val="000000"/>
+            </a:solidFill>
+            <a:headEnd type="oval" w="med" len="med"/>
+            <a:tailEnd type="triangle" w="med" len="med"/>
+          </a:ln>
+        </p:spPr>
+        <p:style>
+          <a:lnRef idx="1">
+            <a:schemeClr val="accent1"/>
+          </a:lnRef>
+          <a:fillRef idx="0">
+            <a:schemeClr val="accent1"/>
+          </a:fillRef>
+          <a:effectRef idx="0">
+            <a:schemeClr val="accent1"/>
+          </a:effectRef>
+          <a:fontRef idx="minor">
+            <a:schemeClr val="tx1"/>
+          </a:fontRef>
+        </p:style>
+      </p:cxnSp>
+      <p:cxnSp>
+        <p:nvCxnSpPr>
+          <p:cNvPr id="206" name="Straight Connector 205"/>
+          <p:cNvCxnSpPr/>
+          <p:nvPr/>
+        </p:nvCxnSpPr>
+        <p:spPr>
+          <a:xfrm>
+            <a:off x="4419600" y="5105378"/>
+            <a:ext cx="152400" cy="0"/>
+          </a:xfrm>
+          <a:prstGeom prst="line">
+            <a:avLst/>
+          </a:prstGeom>
+          <a:ln w="12700">
+            <a:solidFill>
+              <a:srgbClr val="000000"/>
+            </a:solidFill>
+            <a:headEnd type="none" w="med" len="med"/>
+            <a:tailEnd type="triangle" w="med" len="med"/>
+          </a:ln>
+        </p:spPr>
+        <p:style>
+          <a:lnRef idx="1">
+            <a:schemeClr val="accent1"/>
+          </a:lnRef>
+          <a:fillRef idx="0">
+            <a:schemeClr val="accent1"/>
+          </a:fillRef>
+          <a:effectRef idx="0">
+            <a:schemeClr val="accent1"/>
+          </a:effectRef>
+          <a:fontRef idx="minor">
+            <a:schemeClr val="tx1"/>
+          </a:fontRef>
+        </p:style>
+      </p:cxnSp>
+      <p:cxnSp>
+        <p:nvCxnSpPr>
+          <p:cNvPr id="212" name="Straight Connector 211"/>
+          <p:cNvCxnSpPr/>
+          <p:nvPr/>
+        </p:nvCxnSpPr>
+        <p:spPr>
+          <a:xfrm>
+            <a:off x="3581400" y="3047978"/>
+            <a:ext cx="6248400" cy="0"/>
+          </a:xfrm>
+          <a:prstGeom prst="line">
+            <a:avLst/>
+          </a:prstGeom>
+          <a:ln w="12700">
+            <a:solidFill>
+              <a:srgbClr val="000000"/>
+            </a:solidFill>
+            <a:headEnd type="none" w="med" len="med"/>
+            <a:tailEnd type="none" w="med" len="med"/>
+          </a:ln>
+        </p:spPr>
+        <p:style>
+          <a:lnRef idx="1">
+            <a:schemeClr val="accent1"/>
+          </a:lnRef>
+          <a:fillRef idx="0">
+            <a:schemeClr val="accent1"/>
+          </a:fillRef>
+          <a:effectRef idx="0">
+            <a:schemeClr val="accent1"/>
+          </a:effectRef>
+          <a:fontRef idx="minor">
+            <a:schemeClr val="tx1"/>
+          </a:fontRef>
+        </p:style>
+      </p:cxnSp>
+      <p:cxnSp>
+        <p:nvCxnSpPr>
+          <p:cNvPr id="213" name="Straight Connector 212"/>
+          <p:cNvCxnSpPr/>
+          <p:nvPr/>
+        </p:nvCxnSpPr>
+        <p:spPr>
+          <a:xfrm>
+            <a:off x="4648200" y="3505178"/>
+            <a:ext cx="0" cy="152400"/>
+          </a:xfrm>
+          <a:prstGeom prst="line">
+            <a:avLst/>
+          </a:prstGeom>
+          <a:ln w="12700">
+            <a:solidFill>
+              <a:srgbClr val="000000"/>
+            </a:solidFill>
+            <a:headEnd type="oval" w="med" len="med"/>
+            <a:tailEnd type="triangle" w="med" len="med"/>
+          </a:ln>
+        </p:spPr>
+        <p:style>
+          <a:lnRef idx="1">
+            <a:schemeClr val="accent1"/>
+          </a:lnRef>
+          <a:fillRef idx="0">
+            <a:schemeClr val="accent1"/>
+          </a:fillRef>
+          <a:effectRef idx="0">
+            <a:schemeClr val="accent1"/>
+          </a:effectRef>
+          <a:fontRef idx="minor">
+            <a:schemeClr val="tx1"/>
+          </a:fontRef>
+        </p:style>
+      </p:cxnSp>
+      <p:cxnSp>
+        <p:nvCxnSpPr>
+          <p:cNvPr id="214" name="Straight Connector 213"/>
+          <p:cNvCxnSpPr/>
+          <p:nvPr/>
+        </p:nvCxnSpPr>
+        <p:spPr>
+          <a:xfrm>
+            <a:off x="4648200" y="4876778"/>
+            <a:ext cx="0" cy="152400"/>
+          </a:xfrm>
+          <a:prstGeom prst="line">
+            <a:avLst/>
+          </a:prstGeom>
+          <a:ln w="12700">
+            <a:solidFill>
+              <a:srgbClr val="000000"/>
+            </a:solidFill>
+            <a:headEnd type="oval" w="med" len="med"/>
+            <a:tailEnd type="triangle" w="med" len="med"/>
+          </a:ln>
+        </p:spPr>
+        <p:style>
+          <a:lnRef idx="1">
+            <a:schemeClr val="accent1"/>
+          </a:lnRef>
+          <a:fillRef idx="0">
+            <a:schemeClr val="accent1"/>
+          </a:fillRef>
+          <a:effectRef idx="0">
+            <a:schemeClr val="accent1"/>
+          </a:effectRef>
+          <a:fontRef idx="minor">
+            <a:schemeClr val="tx1"/>
+          </a:fontRef>
+        </p:style>
+      </p:cxnSp>
+      <p:cxnSp>
+        <p:nvCxnSpPr>
+          <p:cNvPr id="234" name="Straight Connector 233"/>
+          <p:cNvCxnSpPr/>
+          <p:nvPr/>
+        </p:nvCxnSpPr>
+        <p:spPr>
+          <a:xfrm>
+            <a:off x="3581400" y="3505178"/>
+            <a:ext cx="6248400" cy="0"/>
+          </a:xfrm>
+          <a:prstGeom prst="line">
+            <a:avLst/>
+          </a:prstGeom>
+          <a:ln w="12700">
+            <a:solidFill>
+              <a:srgbClr val="000000"/>
+            </a:solidFill>
+            <a:headEnd type="none" w="med" len="med"/>
+            <a:tailEnd type="none" w="med" len="med"/>
+          </a:ln>
+        </p:spPr>
+        <p:style>
+          <a:lnRef idx="1">
+            <a:schemeClr val="accent1"/>
+          </a:lnRef>
+          <a:fillRef idx="0">
+            <a:schemeClr val="accent1"/>
+          </a:fillRef>
+          <a:effectRef idx="0">
+            <a:schemeClr val="accent1"/>
+          </a:effectRef>
+          <a:fontRef idx="minor">
+            <a:schemeClr val="tx1"/>
+          </a:fontRef>
+        </p:style>
+      </p:cxnSp>
+      <p:cxnSp>
+        <p:nvCxnSpPr>
+          <p:cNvPr id="236" name="Straight Connector 235"/>
+          <p:cNvCxnSpPr/>
+          <p:nvPr/>
+        </p:nvCxnSpPr>
+        <p:spPr>
+          <a:xfrm>
+            <a:off x="3581400" y="4876778"/>
+            <a:ext cx="6248400" cy="0"/>
+          </a:xfrm>
+          <a:prstGeom prst="line">
+            <a:avLst/>
+          </a:prstGeom>
+          <a:ln w="12700">
+            <a:solidFill>
+              <a:srgbClr val="000000"/>
+            </a:solidFill>
+            <a:headEnd type="none" w="med" len="med"/>
+            <a:tailEnd type="none" w="med" len="med"/>
+          </a:ln>
+        </p:spPr>
+        <p:style>
+          <a:lnRef idx="1">
+            <a:schemeClr val="accent1"/>
+          </a:lnRef>
+          <a:fillRef idx="0">
+            <a:schemeClr val="accent1"/>
+          </a:fillRef>
+          <a:effectRef idx="0">
+            <a:schemeClr val="accent1"/>
+          </a:effectRef>
+          <a:fontRef idx="minor">
+            <a:schemeClr val="tx1"/>
+          </a:fontRef>
+        </p:style>
+      </p:cxnSp>
+      <p:sp>
+        <p:nvSpPr>
+          <p:cNvPr id="238" name="Trapezoid 237"/>
+          <p:cNvSpPr/>
+          <p:nvPr/>
+        </p:nvSpPr>
+        <p:spPr>
+          <a:xfrm rot="5400000">
+            <a:off x="8877300" y="3695678"/>
+            <a:ext cx="2743200" cy="838200"/>
+          </a:xfrm>
+          <a:prstGeom prst="trapezoid">
+            <a:avLst>
+              <a:gd name="adj" fmla="val 14166"/>
+            </a:avLst>
+          </a:prstGeom>
+          <a:noFill/>
+          <a:ln w="12700">
+            <a:solidFill>
+              <a:srgbClr val="000000"/>
+            </a:solidFill>
+          </a:ln>
+        </p:spPr>
+        <p:style>
+          <a:lnRef idx="2">
+            <a:schemeClr val="accent1">
+              <a:shade val="50000"/>
+            </a:schemeClr>
+          </a:lnRef>
+          <a:fillRef idx="1">
+            <a:schemeClr val="accent1"/>
+          </a:fillRef>
+          <a:effectRef idx="0">
+            <a:schemeClr val="accent1"/>
+          </a:effectRef>
+          <a:fontRef idx="minor">
+            <a:schemeClr val="lt1"/>
+          </a:fontRef>
+        </p:style>
+        <p:txBody>
+          <a:bodyPr rtlCol="0" anchor="ctr"/>
+          <a:lstStyle/>
+          <a:p>
+            <a:pPr algn="ctr"/>
+            <a:endParaRPr lang="en-US" sz="3730"/>
+          </a:p>
+        </p:txBody>
+      </p:sp>
+      <p:sp>
+        <p:nvSpPr>
+          <p:cNvPr id="246" name="Rectangle 245"/>
+          <p:cNvSpPr/>
+          <p:nvPr/>
+        </p:nvSpPr>
+        <p:spPr>
+          <a:xfrm>
+            <a:off x="9829800" y="2971778"/>
+            <a:ext cx="457200" cy="152400"/>
+          </a:xfrm>
+          <a:prstGeom prst="rect">
+            <a:avLst/>
+          </a:prstGeom>
+          <a:noFill/>
+          <a:ln>
+            <a:noFill/>
+          </a:ln>
+        </p:spPr>
+        <p:style>
+          <a:lnRef idx="2">
+            <a:schemeClr val="accent1">
+              <a:shade val="50000"/>
+            </a:schemeClr>
+          </a:lnRef>
+          <a:fillRef idx="1">
+            <a:schemeClr val="accent1"/>
+          </a:fillRef>
+          <a:effectRef idx="0">
+            <a:schemeClr val="accent1"/>
+          </a:effectRef>
+          <a:fontRef idx="minor">
+            <a:schemeClr val="lt1"/>
+          </a:fontRef>
+        </p:style>
+        <p:txBody>
+          <a:bodyPr wrap="none" lIns="45720" rIns="45720" rtlCol="0" anchor="ctr"/>
+          <a:lstStyle/>
+          <a:p>
+            <a:r>
+              <a:rPr lang="en-US" sz="900" dirty="0" smtClean="0">
+                <a:solidFill>
+                  <a:srgbClr val="000000"/>
+                </a:solidFill>
+                <a:latin typeface="Courier New" panose="02070309020205020404" pitchFamily="49" charset="0"/>
+                <a:cs typeface="Courier New" panose="02070309020205020404" pitchFamily="49" charset="0"/>
+              </a:rPr>
+              <a:t>31’b10</a:t>
+            </a:r>
+            <a:r>
+              <a:rPr lang="en-US" sz="900" dirty="0" smtClean="0">
+                <a:solidFill>
+                  <a:srgbClr val="000000"/>
+                </a:solidFill>
+                <a:latin typeface="Courier New" panose="02070309020205020404" pitchFamily="49" charset="0"/>
+                <a:cs typeface="Courier New" panose="02070309020205020404" pitchFamily="49" charset="0"/>
+              </a:rPr>
+              <a:t>..00</a:t>
+            </a:r>
+            <a:endParaRPr lang="en-US" sz="900" dirty="0">
+              <a:solidFill>
+                <a:srgbClr val="000000"/>
+              </a:solidFill>
+              <a:latin typeface="Courier New" panose="02070309020205020404" pitchFamily="49" charset="0"/>
+              <a:cs typeface="Courier New" panose="02070309020205020404" pitchFamily="49" charset="0"/>
+            </a:endParaRPr>
+          </a:p>
+        </p:txBody>
+      </p:sp>
+      <p:sp>
+        <p:nvSpPr>
+          <p:cNvPr id="248" name="Rectangle 247"/>
+          <p:cNvSpPr/>
+          <p:nvPr/>
+        </p:nvSpPr>
+        <p:spPr>
+          <a:xfrm>
+            <a:off x="9829800" y="3428978"/>
+            <a:ext cx="457200" cy="152400"/>
+          </a:xfrm>
+          <a:prstGeom prst="rect">
+            <a:avLst/>
+          </a:prstGeom>
+          <a:noFill/>
+          <a:ln>
+            <a:noFill/>
+          </a:ln>
+        </p:spPr>
+        <p:style>
+          <a:lnRef idx="2">
+            <a:schemeClr val="accent1">
+              <a:shade val="50000"/>
+            </a:schemeClr>
+          </a:lnRef>
+          <a:fillRef idx="1">
+            <a:schemeClr val="accent1"/>
+          </a:fillRef>
+          <a:effectRef idx="0">
+            <a:schemeClr val="accent1"/>
+          </a:effectRef>
+          <a:fontRef idx="minor">
+            <a:schemeClr val="lt1"/>
+          </a:fontRef>
+        </p:style>
+        <p:txBody>
+          <a:bodyPr wrap="none" lIns="45720" rIns="45720" rtlCol="0" anchor="ctr"/>
+          <a:lstStyle/>
+          <a:p>
+            <a:r>
+              <a:rPr lang="en-US" sz="900" dirty="0" smtClean="0">
+                <a:solidFill>
+                  <a:srgbClr val="000000"/>
+                </a:solidFill>
+                <a:latin typeface="Courier New" panose="02070309020205020404" pitchFamily="49" charset="0"/>
+                <a:cs typeface="Courier New" panose="02070309020205020404" pitchFamily="49" charset="0"/>
+              </a:rPr>
+              <a:t>31’b?1</a:t>
+            </a:r>
+            <a:r>
+              <a:rPr lang="en-US" sz="900" dirty="0" smtClean="0">
+                <a:solidFill>
+                  <a:srgbClr val="000000"/>
+                </a:solidFill>
+                <a:latin typeface="Courier New" panose="02070309020205020404" pitchFamily="49" charset="0"/>
+                <a:cs typeface="Courier New" panose="02070309020205020404" pitchFamily="49" charset="0"/>
+              </a:rPr>
+              <a:t>..00</a:t>
+            </a:r>
+            <a:endParaRPr lang="en-US" sz="900" dirty="0">
+              <a:solidFill>
+                <a:srgbClr val="000000"/>
+              </a:solidFill>
+              <a:latin typeface="Courier New" panose="02070309020205020404" pitchFamily="49" charset="0"/>
+              <a:cs typeface="Courier New" panose="02070309020205020404" pitchFamily="49" charset="0"/>
+            </a:endParaRPr>
+          </a:p>
+        </p:txBody>
+      </p:sp>
+      <p:sp>
+        <p:nvSpPr>
+          <p:cNvPr id="250" name="Rectangle 249"/>
+          <p:cNvSpPr/>
+          <p:nvPr/>
+        </p:nvSpPr>
+        <p:spPr>
+          <a:xfrm>
+            <a:off x="9829800" y="4800578"/>
+            <a:ext cx="457200" cy="152400"/>
+          </a:xfrm>
+          <a:prstGeom prst="rect">
+            <a:avLst/>
+          </a:prstGeom>
+          <a:noFill/>
+          <a:ln>
+            <a:noFill/>
+          </a:ln>
+        </p:spPr>
+        <p:style>
+          <a:lnRef idx="2">
+            <a:schemeClr val="accent1">
+              <a:shade val="50000"/>
+            </a:schemeClr>
+          </a:lnRef>
+          <a:fillRef idx="1">
+            <a:schemeClr val="accent1"/>
+          </a:fillRef>
+          <a:effectRef idx="0">
+            <a:schemeClr val="accent1"/>
+          </a:effectRef>
+          <a:fontRef idx="minor">
+            <a:schemeClr val="lt1"/>
+          </a:fontRef>
+        </p:style>
+        <p:txBody>
+          <a:bodyPr wrap="none" lIns="45720" rIns="45720" rtlCol="0" anchor="ctr"/>
+          <a:lstStyle/>
+          <a:p>
+            <a:r>
+              <a:rPr lang="en-US" sz="900" dirty="0" smtClean="0">
+                <a:solidFill>
+                  <a:srgbClr val="000000"/>
+                </a:solidFill>
+                <a:latin typeface="Courier New" panose="02070309020205020404" pitchFamily="49" charset="0"/>
+                <a:cs typeface="Courier New" panose="02070309020205020404" pitchFamily="49" charset="0"/>
+              </a:rPr>
+              <a:t>31’b</a:t>
+            </a:r>
+            <a:r>
+              <a:rPr lang="en-US" sz="900" dirty="0" smtClean="0">
+                <a:solidFill>
+                  <a:srgbClr val="000000"/>
+                </a:solidFill>
+                <a:latin typeface="Courier New" panose="02070309020205020404" pitchFamily="49" charset="0"/>
+                <a:cs typeface="Courier New" panose="02070309020205020404" pitchFamily="49" charset="0"/>
+              </a:rPr>
+              <a:t>??..?1</a:t>
+            </a:r>
+            <a:endParaRPr lang="en-US" sz="900" dirty="0">
+              <a:solidFill>
+                <a:srgbClr val="000000"/>
+              </a:solidFill>
+              <a:latin typeface="Courier New" panose="02070309020205020404" pitchFamily="49" charset="0"/>
+              <a:cs typeface="Courier New" panose="02070309020205020404" pitchFamily="49" charset="0"/>
+            </a:endParaRPr>
+          </a:p>
+        </p:txBody>
+      </p:sp>
+      <p:cxnSp>
+        <p:nvCxnSpPr>
+          <p:cNvPr id="264" name="Straight Connector 263"/>
+          <p:cNvCxnSpPr>
+            <a:endCxn id="211" idx="0"/>
+          </p:cNvCxnSpPr>
+          <p:nvPr/>
+        </p:nvCxnSpPr>
+        <p:spPr>
+          <a:xfrm>
+            <a:off x="5791200" y="6324578"/>
+            <a:ext cx="0" cy="533400"/>
+          </a:xfrm>
+          <a:prstGeom prst="line">
+            <a:avLst/>
+          </a:prstGeom>
+          <a:ln w="12700">
+            <a:solidFill>
+              <a:srgbClr val="000000"/>
+            </a:solidFill>
+            <a:headEnd type="oval" w="med" len="med"/>
+            <a:tailEnd type="triangle" w="med" len="med"/>
+          </a:ln>
+        </p:spPr>
+        <p:style>
+          <a:lnRef idx="1">
+            <a:schemeClr val="accent1"/>
+          </a:lnRef>
+          <a:fillRef idx="0">
+            <a:schemeClr val="accent1"/>
+          </a:fillRef>
+          <a:effectRef idx="0">
+            <a:schemeClr val="accent1"/>
+          </a:effectRef>
+          <a:fontRef idx="minor">
+            <a:schemeClr val="tx1"/>
+          </a:fontRef>
+        </p:style>
+      </p:cxnSp>
+      <p:sp>
+        <p:nvSpPr>
+          <p:cNvPr id="266" name="Rectangle 265"/>
+          <p:cNvSpPr/>
+          <p:nvPr/>
+        </p:nvSpPr>
+        <p:spPr>
+          <a:xfrm>
+            <a:off x="9829800" y="5105378"/>
+            <a:ext cx="457200" cy="152400"/>
+          </a:xfrm>
+          <a:prstGeom prst="rect">
+            <a:avLst/>
+          </a:prstGeom>
+          <a:noFill/>
+          <a:ln>
+            <a:noFill/>
+          </a:ln>
+        </p:spPr>
+        <p:style>
+          <a:lnRef idx="2">
+            <a:schemeClr val="accent1">
+              <a:shade val="50000"/>
+            </a:schemeClr>
+          </a:lnRef>
+          <a:fillRef idx="1">
+            <a:schemeClr val="accent1"/>
+          </a:fillRef>
+          <a:effectRef idx="0">
+            <a:schemeClr val="accent1"/>
+          </a:effectRef>
+          <a:fontRef idx="minor">
+            <a:schemeClr val="lt1"/>
+          </a:fontRef>
+        </p:style>
+        <p:txBody>
+          <a:bodyPr wrap="none" lIns="45720" rIns="45720" rtlCol="0" anchor="ctr"/>
+          <a:lstStyle/>
+          <a:p>
+            <a:r>
+              <a:rPr lang="en-US" sz="900" dirty="0" smtClean="0">
+                <a:solidFill>
+                  <a:srgbClr val="000000"/>
+                </a:solidFill>
+                <a:latin typeface="Courier New" panose="02070309020205020404" pitchFamily="49" charset="0"/>
+                <a:cs typeface="Courier New" panose="02070309020205020404" pitchFamily="49" charset="0"/>
+              </a:rPr>
+              <a:t>else</a:t>
+            </a:r>
+            <a:endParaRPr lang="en-US" sz="900" dirty="0">
+              <a:solidFill>
+                <a:srgbClr val="000000"/>
+              </a:solidFill>
+              <a:latin typeface="Courier New" panose="02070309020205020404" pitchFamily="49" charset="0"/>
+              <a:cs typeface="Courier New" panose="02070309020205020404" pitchFamily="49" charset="0"/>
+            </a:endParaRPr>
+          </a:p>
+        </p:txBody>
+      </p:sp>
+      <p:cxnSp>
+        <p:nvCxnSpPr>
+          <p:cNvPr id="271" name="Straight Connector 270"/>
+          <p:cNvCxnSpPr/>
+          <p:nvPr/>
+        </p:nvCxnSpPr>
+        <p:spPr>
+          <a:xfrm>
+            <a:off x="9372600" y="5181578"/>
+            <a:ext cx="457200" cy="0"/>
+          </a:xfrm>
+          <a:prstGeom prst="line">
+            <a:avLst/>
+          </a:prstGeom>
+          <a:ln w="12700">
+            <a:solidFill>
+              <a:srgbClr val="000000"/>
+            </a:solidFill>
+            <a:headEnd type="none" w="med" len="med"/>
+            <a:tailEnd type="none" w="med" len="med"/>
+          </a:ln>
+        </p:spPr>
+        <p:style>
+          <a:lnRef idx="1">
+            <a:schemeClr val="accent1"/>
+          </a:lnRef>
+          <a:fillRef idx="0">
+            <a:schemeClr val="accent1"/>
+          </a:fillRef>
+          <a:effectRef idx="0">
+            <a:schemeClr val="accent1"/>
+          </a:effectRef>
+          <a:fontRef idx="minor">
+            <a:schemeClr val="tx1"/>
+          </a:fontRef>
+        </p:style>
+      </p:cxnSp>
+      <p:sp>
+        <p:nvSpPr>
+          <p:cNvPr id="273" name="Rectangle 272"/>
+          <p:cNvSpPr/>
+          <p:nvPr/>
+        </p:nvSpPr>
+        <p:spPr>
+          <a:xfrm>
+            <a:off x="9220200" y="5029178"/>
             <a:ext cx="457200" cy="152400"/>
           </a:xfrm>
           <a:prstGeom prst="rect">
@@ -5495,23 +6979,62 @@
           </a:p>
         </p:txBody>
       </p:sp>
-      <p:sp>
-        <p:nvSpPr>
-          <p:cNvPr id="279" name="Rectangle 278"/>
+      <p:cxnSp>
+        <p:nvCxnSpPr>
+          <p:cNvPr id="282" name="Straight Connector 281"/>
+          <p:cNvCxnSpPr/>
+          <p:nvPr/>
+        </p:nvCxnSpPr>
+        <p:spPr>
+          <a:xfrm flipV="1">
+            <a:off x="3048000" y="2285978"/>
+            <a:ext cx="0" cy="533400"/>
+          </a:xfrm>
+          <a:prstGeom prst="line">
+            <a:avLst/>
+          </a:prstGeom>
+          <a:ln w="12700">
+            <a:solidFill>
+              <a:srgbClr val="000000"/>
+            </a:solidFill>
+            <a:headEnd type="oval" w="med" len="med"/>
+            <a:tailEnd type="none" w="med" len="med"/>
+          </a:ln>
+        </p:spPr>
+        <p:style>
+          <a:lnRef idx="1">
+            <a:schemeClr val="accent1"/>
+          </a:lnRef>
+          <a:fillRef idx="0">
+            <a:schemeClr val="accent1"/>
+          </a:fillRef>
+          <a:effectRef idx="0">
+            <a:schemeClr val="accent1"/>
+          </a:effectRef>
+          <a:fontRef idx="minor">
+            <a:schemeClr val="tx1"/>
+          </a:fontRef>
+        </p:style>
+      </p:cxnSp>
+      <p:sp>
+        <p:nvSpPr>
+          <p:cNvPr id="291" name="Pentagon 290"/>
           <p:cNvSpPr/>
           <p:nvPr/>
         </p:nvSpPr>
         <p:spPr>
           <a:xfrm>
-            <a:off x="4419600" y="2286000"/>
-            <a:ext cx="457200" cy="152400"/>
-          </a:xfrm>
-          <a:prstGeom prst="rect">
+            <a:off x="12192000" y="4038578"/>
+            <a:ext cx="228600" cy="152400"/>
+          </a:xfrm>
+          <a:prstGeom prst="homePlate">
             <a:avLst/>
           </a:prstGeom>
           <a:noFill/>
-          <a:ln>
-            <a:noFill/>
+          <a:ln w="12700">
+            <a:solidFill>
+              <a:schemeClr val="tx1"/>
+            </a:solidFill>
           </a:ln>
         </p:spPr>
         <p:style>
@@ -5531,10 +7054,313 @@
           </a:fontRef>
         </p:style>
         <p:txBody>
+          <a:bodyPr rot="0" spcFirstLastPara="0" vertOverflow="overflow" horzOverflow="overflow" vert="horz" wrap="square" lIns="91440" tIns="45720" rIns="91440" bIns="45720" numCol="1" spcCol="0" rtlCol="0" fromWordArt="0" anchor="ctr" anchorCtr="0" forceAA="0" compatLnSpc="1">
+            <a:prstTxWarp prst="textNoShape">
+              <a:avLst/>
+            </a:prstTxWarp>
+            <a:noAutofit/>
+          </a:bodyPr>
+          <a:lstStyle/>
+          <a:p>
+            <a:pPr algn="ctr"/>
+            <a:endParaRPr lang="en-US" sz="3730"/>
+          </a:p>
+        </p:txBody>
+      </p:sp>
+      <p:cxnSp>
+        <p:nvCxnSpPr>
+          <p:cNvPr id="293" name="Straight Connector 292"/>
+          <p:cNvCxnSpPr>
+            <a:stCxn id="238" idx="0"/>
+            <a:endCxn id="291" idx="1"/>
+          </p:cNvCxnSpPr>
+          <p:nvPr/>
+        </p:nvCxnSpPr>
+        <p:spPr>
+          <a:xfrm>
+            <a:off x="10668000" y="4114778"/>
+            <a:ext cx="1524000" cy="0"/>
+          </a:xfrm>
+          <a:prstGeom prst="line">
+            <a:avLst/>
+          </a:prstGeom>
+          <a:ln w="12700">
+            <a:solidFill>
+              <a:srgbClr val="000000"/>
+            </a:solidFill>
+            <a:headEnd type="none" w="med" len="med"/>
+            <a:tailEnd type="none" w="med" len="med"/>
+          </a:ln>
+        </p:spPr>
+        <p:style>
+          <a:lnRef idx="1">
+            <a:schemeClr val="accent1"/>
+          </a:lnRef>
+          <a:fillRef idx="0">
+            <a:schemeClr val="accent1"/>
+          </a:fillRef>
+          <a:effectRef idx="0">
+            <a:schemeClr val="accent1"/>
+          </a:effectRef>
+          <a:fontRef idx="minor">
+            <a:schemeClr val="tx1"/>
+          </a:fontRef>
+        </p:style>
+      </p:cxnSp>
+      <p:sp>
+        <p:nvSpPr>
+          <p:cNvPr id="296" name="Moon 295"/>
+          <p:cNvSpPr/>
+          <p:nvPr/>
+        </p:nvSpPr>
+        <p:spPr>
+          <a:xfrm rot="10800000">
+            <a:off x="10744200" y="6324577"/>
+            <a:ext cx="304800" cy="304800"/>
+          </a:xfrm>
+          <a:prstGeom prst="moon">
+            <a:avLst>
+              <a:gd name="adj" fmla="val 74720"/>
+            </a:avLst>
+          </a:prstGeom>
+          <a:solidFill>
+            <a:schemeClr val="bg1"/>
+          </a:solidFill>
+          <a:ln w="12700">
+            <a:solidFill>
+              <a:srgbClr val="000000"/>
+            </a:solidFill>
+          </a:ln>
+        </p:spPr>
+        <p:style>
+          <a:lnRef idx="2">
+            <a:schemeClr val="accent1">
+              <a:shade val="50000"/>
+            </a:schemeClr>
+          </a:lnRef>
+          <a:fillRef idx="1">
+            <a:schemeClr val="accent1"/>
+          </a:fillRef>
+          <a:effectRef idx="0">
+            <a:schemeClr val="accent1"/>
+          </a:effectRef>
+          <a:fontRef idx="minor">
+            <a:schemeClr val="lt1"/>
+          </a:fontRef>
+        </p:style>
+        <p:txBody>
+          <a:bodyPr rtlCol="0" anchor="ctr"/>
+          <a:lstStyle/>
+          <a:p>
+            <a:pPr algn="ctr"/>
+            <a:endParaRPr lang="en-US" sz="3730"/>
+          </a:p>
+        </p:txBody>
+      </p:sp>
+      <p:cxnSp>
+        <p:nvCxnSpPr>
+          <p:cNvPr id="297" name="Straight Connector 296"/>
+          <p:cNvCxnSpPr/>
+          <p:nvPr/>
+        </p:nvCxnSpPr>
+        <p:spPr>
+          <a:xfrm flipV="1">
+            <a:off x="10287000" y="5410178"/>
+            <a:ext cx="0" cy="1066800"/>
+          </a:xfrm>
+          <a:prstGeom prst="line">
+            <a:avLst/>
+          </a:prstGeom>
+          <a:ln w="12700">
+            <a:solidFill>
+              <a:srgbClr val="000000"/>
+            </a:solidFill>
+            <a:headEnd type="oval" w="med" len="med"/>
+            <a:tailEnd type="none" w="med" len="med"/>
+          </a:ln>
+        </p:spPr>
+        <p:style>
+          <a:lnRef idx="1">
+            <a:schemeClr val="accent1"/>
+          </a:lnRef>
+          <a:fillRef idx="0">
+            <a:schemeClr val="accent1"/>
+          </a:fillRef>
+          <a:effectRef idx="0">
+            <a:schemeClr val="accent1"/>
+          </a:effectRef>
+          <a:fontRef idx="minor">
+            <a:schemeClr val="tx1"/>
+          </a:fontRef>
+        </p:style>
+      </p:cxnSp>
+      <p:sp>
+        <p:nvSpPr>
+          <p:cNvPr id="299" name="Pentagon 298"/>
+          <p:cNvSpPr/>
+          <p:nvPr/>
+        </p:nvSpPr>
+        <p:spPr>
+          <a:xfrm>
+            <a:off x="12192000" y="6400777"/>
+            <a:ext cx="228600" cy="152400"/>
+          </a:xfrm>
+          <a:prstGeom prst="homePlate">
+            <a:avLst/>
+          </a:prstGeom>
+          <a:noFill/>
+          <a:ln w="12700">
+            <a:solidFill>
+              <a:schemeClr val="tx1"/>
+            </a:solidFill>
+          </a:ln>
+        </p:spPr>
+        <p:style>
+          <a:lnRef idx="2">
+            <a:schemeClr val="accent1">
+              <a:shade val="50000"/>
+            </a:schemeClr>
+          </a:lnRef>
+          <a:fillRef idx="1">
+            <a:schemeClr val="accent1"/>
+          </a:fillRef>
+          <a:effectRef idx="0">
+            <a:schemeClr val="accent1"/>
+          </a:effectRef>
+          <a:fontRef idx="minor">
+            <a:schemeClr val="lt1"/>
+          </a:fontRef>
+        </p:style>
+        <p:txBody>
+          <a:bodyPr rot="0" spcFirstLastPara="0" vertOverflow="overflow" horzOverflow="overflow" vert="horz" wrap="square" lIns="91440" tIns="45720" rIns="91440" bIns="45720" numCol="1" spcCol="0" rtlCol="0" fromWordArt="0" anchor="ctr" anchorCtr="0" forceAA="0" compatLnSpc="1">
+            <a:prstTxWarp prst="textNoShape">
+              <a:avLst/>
+            </a:prstTxWarp>
+            <a:noAutofit/>
+          </a:bodyPr>
+          <a:lstStyle/>
+          <a:p>
+            <a:pPr algn="ctr"/>
+            <a:endParaRPr lang="en-US" sz="3730"/>
+          </a:p>
+        </p:txBody>
+      </p:sp>
+      <p:cxnSp>
+        <p:nvCxnSpPr>
+          <p:cNvPr id="300" name="Straight Connector 299"/>
+          <p:cNvCxnSpPr>
+            <a:stCxn id="296" idx="1"/>
+            <a:endCxn id="299" idx="1"/>
+          </p:cNvCxnSpPr>
+          <p:nvPr/>
+        </p:nvCxnSpPr>
+        <p:spPr>
+          <a:xfrm>
+            <a:off x="11049000" y="6476977"/>
+            <a:ext cx="1143000" cy="0"/>
+          </a:xfrm>
+          <a:prstGeom prst="line">
+            <a:avLst/>
+          </a:prstGeom>
+          <a:ln w="12700">
+            <a:solidFill>
+              <a:srgbClr val="000000"/>
+            </a:solidFill>
+            <a:headEnd type="none" w="med" len="med"/>
+            <a:tailEnd type="none" w="med" len="med"/>
+          </a:ln>
+        </p:spPr>
+        <p:style>
+          <a:lnRef idx="1">
+            <a:schemeClr val="accent1"/>
+          </a:lnRef>
+          <a:fillRef idx="0">
+            <a:schemeClr val="accent1"/>
+          </a:fillRef>
+          <a:effectRef idx="0">
+            <a:schemeClr val="accent1"/>
+          </a:effectRef>
+          <a:fontRef idx="minor">
+            <a:schemeClr val="tx1"/>
+          </a:fontRef>
+        </p:style>
+      </p:cxnSp>
+      <p:cxnSp>
+        <p:nvCxnSpPr>
+          <p:cNvPr id="93" name="Straight Connector 92"/>
+          <p:cNvCxnSpPr/>
+          <p:nvPr/>
+        </p:nvCxnSpPr>
+        <p:spPr>
+          <a:xfrm flipV="1">
+            <a:off x="609600" y="2971778"/>
+            <a:ext cx="152400" cy="152404"/>
+          </a:xfrm>
+          <a:prstGeom prst="line">
+            <a:avLst/>
+          </a:prstGeom>
+          <a:ln w="12700">
+            <a:solidFill>
+              <a:srgbClr val="000000"/>
+            </a:solidFill>
+            <a:headEnd type="none" w="med" len="med"/>
+            <a:tailEnd type="none" w="med" len="med"/>
+          </a:ln>
+        </p:spPr>
+        <p:style>
+          <a:lnRef idx="1">
+            <a:schemeClr val="accent1"/>
+          </a:lnRef>
+          <a:fillRef idx="0">
+            <a:schemeClr val="accent1"/>
+          </a:fillRef>
+          <a:effectRef idx="0">
+            <a:schemeClr val="accent1"/>
+          </a:effectRef>
+          <a:fontRef idx="minor">
+            <a:schemeClr val="tx1"/>
+          </a:fontRef>
+        </p:style>
+      </p:cxnSp>
+      <p:sp>
+        <p:nvSpPr>
+          <p:cNvPr id="94" name="Rectangle 93"/>
+          <p:cNvSpPr/>
+          <p:nvPr/>
+        </p:nvSpPr>
+        <p:spPr>
+          <a:xfrm>
+            <a:off x="838200" y="2895578"/>
+            <a:ext cx="457200" cy="152400"/>
+          </a:xfrm>
+          <a:prstGeom prst="rect">
+            <a:avLst/>
+          </a:prstGeom>
+          <a:noFill/>
+          <a:ln>
+            <a:noFill/>
+          </a:ln>
+        </p:spPr>
+        <p:style>
+          <a:lnRef idx="2">
+            <a:schemeClr val="accent1">
+              <a:shade val="50000"/>
+            </a:schemeClr>
+          </a:lnRef>
+          <a:fillRef idx="1">
+            <a:schemeClr val="accent1"/>
+          </a:fillRef>
+          <a:effectRef idx="0">
+            <a:schemeClr val="accent1"/>
+          </a:effectRef>
+          <a:fontRef idx="minor">
+            <a:schemeClr val="lt1"/>
+          </a:fontRef>
+        </p:style>
+        <p:txBody>
           <a:bodyPr wrap="none" lIns="45720" rIns="45720" rtlCol="0" anchor="ctr"/>
           <a:lstStyle/>
           <a:p>
-            <a:pPr algn="r"/>
             <a:r>
               <a:rPr lang="en-US" sz="900" dirty="0" smtClean="0">
                 <a:solidFill>
@@ -5543,7 +7369,7 @@
                 <a:latin typeface="Courier New" panose="02070309020205020404" pitchFamily="49" charset="0"/>
                 <a:cs typeface="Courier New" panose="02070309020205020404" pitchFamily="49" charset="0"/>
               </a:rPr>
-              <a:t>32’hF731</a:t>
+              <a:t>DIN</a:t>
             </a:r>
             <a:endParaRPr lang="en-US" sz="900" dirty="0">
               <a:solidFill>
@@ -5557,14 +7383,14 @@
       </p:sp>
       <p:sp>
         <p:nvSpPr>
-          <p:cNvPr id="281" name="Rectangle 280"/>
+          <p:cNvPr id="95" name="Rectangle 94"/>
           <p:cNvSpPr/>
           <p:nvPr/>
         </p:nvSpPr>
         <p:spPr>
           <a:xfrm>
-            <a:off x="4572000" y="2133600"/>
-            <a:ext cx="457200" cy="152400"/>
+            <a:off x="609601" y="2895578"/>
+            <a:ext cx="152400" cy="76200"/>
           </a:xfrm>
           <a:prstGeom prst="rect">
             <a:avLst/>
@@ -5594,39 +7420,81 @@
           <a:bodyPr wrap="none" lIns="45720" rIns="45720" rtlCol="0" anchor="ctr"/>
           <a:lstStyle/>
           <a:p>
-            <a:pPr algn="r"/>
-            <a:r>
-              <a:rPr lang="en-US" sz="900" dirty="0">
+            <a:pPr algn="ctr"/>
+            <a:r>
+              <a:rPr lang="en-US" sz="900" dirty="0" smtClean="0">
                 <a:solidFill>
                   <a:srgbClr val="000000"/>
                 </a:solidFill>
                 <a:latin typeface="Courier New" panose="02070309020205020404" pitchFamily="49" charset="0"/>
                 <a:cs typeface="Courier New" panose="02070309020205020404" pitchFamily="49" charset="0"/>
               </a:rPr>
-              <a:t>(sync word)</a:t>
-            </a:r>
-          </a:p>
-        </p:txBody>
-      </p:sp>
-      <p:sp>
-        <p:nvSpPr>
-          <p:cNvPr id="310" name="Rectangle 309"/>
+              <a:t>32</a:t>
+            </a:r>
+            <a:endParaRPr lang="en-US" sz="900" dirty="0">
+              <a:solidFill>
+                <a:srgbClr val="000000"/>
+              </a:solidFill>
+              <a:latin typeface="Courier New" panose="02070309020205020404" pitchFamily="49" charset="0"/>
+              <a:cs typeface="Courier New" panose="02070309020205020404" pitchFamily="49" charset="0"/>
+            </a:endParaRPr>
+          </a:p>
+        </p:txBody>
+      </p:sp>
+      <p:cxnSp>
+        <p:nvCxnSpPr>
+          <p:cNvPr id="96" name="Straight Connector 95"/>
+          <p:cNvCxnSpPr/>
+          <p:nvPr/>
+        </p:nvCxnSpPr>
+        <p:spPr>
+          <a:xfrm flipV="1">
+            <a:off x="2514600" y="2743178"/>
+            <a:ext cx="152400" cy="152404"/>
+          </a:xfrm>
+          <a:prstGeom prst="line">
+            <a:avLst/>
+          </a:prstGeom>
+          <a:ln w="12700">
+            <a:solidFill>
+              <a:srgbClr val="000000"/>
+            </a:solidFill>
+            <a:headEnd type="none" w="med" len="med"/>
+            <a:tailEnd type="none" w="med" len="med"/>
+          </a:ln>
+        </p:spPr>
+        <p:style>
+          <a:lnRef idx="1">
+            <a:schemeClr val="accent1"/>
+          </a:lnRef>
+          <a:fillRef idx="0">
+            <a:schemeClr val="accent1"/>
+          </a:fillRef>
+          <a:effectRef idx="0">
+            <a:schemeClr val="accent1"/>
+          </a:effectRef>
+          <a:fontRef idx="minor">
+            <a:schemeClr val="tx1"/>
+          </a:fontRef>
+        </p:style>
+      </p:cxnSp>
+      <p:sp>
+        <p:nvSpPr>
+          <p:cNvPr id="97" name="Rectangle 96"/>
           <p:cNvSpPr/>
           <p:nvPr/>
         </p:nvSpPr>
         <p:spPr>
           <a:xfrm>
-            <a:off x="7848600" y="5410200"/>
-            <a:ext cx="152400" cy="152400"/>
+            <a:off x="2743200" y="2819378"/>
+            <a:ext cx="457200" cy="152400"/>
           </a:xfrm>
           <a:prstGeom prst="rect">
             <a:avLst/>
           </a:prstGeom>
           <a:noFill/>
           <a:ln>
-            <a:solidFill>
-              <a:schemeClr val="tx1"/>
-            </a:solidFill>
+            <a:noFill/>
           </a:ln>
         </p:spPr>
         <p:style>
@@ -5647,6 +7515,358 @@
         </p:style>
         <p:txBody>
           <a:bodyPr wrap="none" lIns="45720" rIns="45720" rtlCol="0" anchor="ctr"/>
+          <a:lstStyle/>
+          <a:p>
+            <a:r>
+              <a:rPr lang="en-US" sz="900" dirty="0" err="1" smtClean="0">
+                <a:solidFill>
+                  <a:srgbClr val="000000"/>
+                </a:solidFill>
+                <a:latin typeface="Courier New" panose="02070309020205020404" pitchFamily="49" charset="0"/>
+                <a:cs typeface="Courier New" panose="02070309020205020404" pitchFamily="49" charset="0"/>
+              </a:rPr>
+              <a:t>din_shift</a:t>
+            </a:r>
+            <a:endParaRPr lang="en-US" sz="900" dirty="0">
+              <a:solidFill>
+                <a:srgbClr val="000000"/>
+              </a:solidFill>
+              <a:latin typeface="Courier New" panose="02070309020205020404" pitchFamily="49" charset="0"/>
+              <a:cs typeface="Courier New" panose="02070309020205020404" pitchFamily="49" charset="0"/>
+            </a:endParaRPr>
+          </a:p>
+        </p:txBody>
+      </p:sp>
+      <p:sp>
+        <p:nvSpPr>
+          <p:cNvPr id="98" name="Rectangle 97"/>
+          <p:cNvSpPr/>
+          <p:nvPr/>
+        </p:nvSpPr>
+        <p:spPr>
+          <a:xfrm>
+            <a:off x="2514601" y="2666978"/>
+            <a:ext cx="152400" cy="76200"/>
+          </a:xfrm>
+          <a:prstGeom prst="rect">
+            <a:avLst/>
+          </a:prstGeom>
+          <a:noFill/>
+          <a:ln>
+            <a:noFill/>
+          </a:ln>
+        </p:spPr>
+        <p:style>
+          <a:lnRef idx="2">
+            <a:schemeClr val="accent1">
+              <a:shade val="50000"/>
+            </a:schemeClr>
+          </a:lnRef>
+          <a:fillRef idx="1">
+            <a:schemeClr val="accent1"/>
+          </a:fillRef>
+          <a:effectRef idx="0">
+            <a:schemeClr val="accent1"/>
+          </a:effectRef>
+          <a:fontRef idx="minor">
+            <a:schemeClr val="lt1"/>
+          </a:fontRef>
+        </p:style>
+        <p:txBody>
+          <a:bodyPr wrap="none" lIns="45720" rIns="45720" rtlCol="0" anchor="ctr"/>
+          <a:lstStyle/>
+          <a:p>
+            <a:pPr algn="ctr"/>
+            <a:r>
+              <a:rPr lang="en-US" sz="900" dirty="0" smtClean="0">
+                <a:solidFill>
+                  <a:srgbClr val="000000"/>
+                </a:solidFill>
+                <a:latin typeface="Courier New" panose="02070309020205020404" pitchFamily="49" charset="0"/>
+                <a:cs typeface="Courier New" panose="02070309020205020404" pitchFamily="49" charset="0"/>
+              </a:rPr>
+              <a:t>63</a:t>
+            </a:r>
+            <a:endParaRPr lang="en-US" sz="900" dirty="0">
+              <a:solidFill>
+                <a:srgbClr val="000000"/>
+              </a:solidFill>
+              <a:latin typeface="Courier New" panose="02070309020205020404" pitchFamily="49" charset="0"/>
+              <a:cs typeface="Courier New" panose="02070309020205020404" pitchFamily="49" charset="0"/>
+            </a:endParaRPr>
+          </a:p>
+        </p:txBody>
+      </p:sp>
+      <p:cxnSp>
+        <p:nvCxnSpPr>
+          <p:cNvPr id="99" name="Straight Connector 98"/>
+          <p:cNvCxnSpPr/>
+          <p:nvPr/>
+        </p:nvCxnSpPr>
+        <p:spPr>
+          <a:xfrm flipV="1">
+            <a:off x="1066799" y="1981178"/>
+            <a:ext cx="152400" cy="152404"/>
+          </a:xfrm>
+          <a:prstGeom prst="line">
+            <a:avLst/>
+          </a:prstGeom>
+          <a:ln w="12700">
+            <a:solidFill>
+              <a:srgbClr val="000000"/>
+            </a:solidFill>
+            <a:headEnd type="none" w="med" len="med"/>
+            <a:tailEnd type="none" w="med" len="med"/>
+          </a:ln>
+        </p:spPr>
+        <p:style>
+          <a:lnRef idx="1">
+            <a:schemeClr val="accent1"/>
+          </a:lnRef>
+          <a:fillRef idx="0">
+            <a:schemeClr val="accent1"/>
+          </a:fillRef>
+          <a:effectRef idx="0">
+            <a:schemeClr val="accent1"/>
+          </a:effectRef>
+          <a:fontRef idx="minor">
+            <a:schemeClr val="tx1"/>
+          </a:fontRef>
+        </p:style>
+      </p:cxnSp>
+      <p:sp>
+        <p:nvSpPr>
+          <p:cNvPr id="100" name="Rectangle 99"/>
+          <p:cNvSpPr/>
+          <p:nvPr/>
+        </p:nvSpPr>
+        <p:spPr>
+          <a:xfrm>
+            <a:off x="1066800" y="1904978"/>
+            <a:ext cx="152400" cy="76200"/>
+          </a:xfrm>
+          <a:prstGeom prst="rect">
+            <a:avLst/>
+          </a:prstGeom>
+          <a:noFill/>
+          <a:ln>
+            <a:noFill/>
+          </a:ln>
+        </p:spPr>
+        <p:style>
+          <a:lnRef idx="2">
+            <a:schemeClr val="accent1">
+              <a:shade val="50000"/>
+            </a:schemeClr>
+          </a:lnRef>
+          <a:fillRef idx="1">
+            <a:schemeClr val="accent1"/>
+          </a:fillRef>
+          <a:effectRef idx="0">
+            <a:schemeClr val="accent1"/>
+          </a:effectRef>
+          <a:fontRef idx="minor">
+            <a:schemeClr val="lt1"/>
+          </a:fontRef>
+        </p:style>
+        <p:txBody>
+          <a:bodyPr wrap="none" lIns="45720" rIns="45720" rtlCol="0" anchor="ctr"/>
+          <a:lstStyle/>
+          <a:p>
+            <a:pPr algn="ctr"/>
+            <a:r>
+              <a:rPr lang="en-US" sz="900" dirty="0" smtClean="0">
+                <a:solidFill>
+                  <a:srgbClr val="000000"/>
+                </a:solidFill>
+                <a:latin typeface="Courier New" panose="02070309020205020404" pitchFamily="49" charset="0"/>
+                <a:cs typeface="Courier New" panose="02070309020205020404" pitchFamily="49" charset="0"/>
+              </a:rPr>
+              <a:t>32</a:t>
+            </a:r>
+            <a:endParaRPr lang="en-US" sz="900" dirty="0">
+              <a:solidFill>
+                <a:srgbClr val="000000"/>
+              </a:solidFill>
+              <a:latin typeface="Courier New" panose="02070309020205020404" pitchFamily="49" charset="0"/>
+              <a:cs typeface="Courier New" panose="02070309020205020404" pitchFamily="49" charset="0"/>
+            </a:endParaRPr>
+          </a:p>
+        </p:txBody>
+      </p:sp>
+      <p:cxnSp>
+        <p:nvCxnSpPr>
+          <p:cNvPr id="106" name="Straight Connector 105"/>
+          <p:cNvCxnSpPr/>
+          <p:nvPr/>
+        </p:nvCxnSpPr>
+        <p:spPr>
+          <a:xfrm flipV="1">
+            <a:off x="1066800" y="2209774"/>
+            <a:ext cx="152400" cy="152404"/>
+          </a:xfrm>
+          <a:prstGeom prst="line">
+            <a:avLst/>
+          </a:prstGeom>
+          <a:ln w="12700">
+            <a:solidFill>
+              <a:srgbClr val="000000"/>
+            </a:solidFill>
+            <a:headEnd type="none" w="med" len="med"/>
+            <a:tailEnd type="none" w="med" len="med"/>
+          </a:ln>
+        </p:spPr>
+        <p:style>
+          <a:lnRef idx="1">
+            <a:schemeClr val="accent1"/>
+          </a:lnRef>
+          <a:fillRef idx="0">
+            <a:schemeClr val="accent1"/>
+          </a:fillRef>
+          <a:effectRef idx="0">
+            <a:schemeClr val="accent1"/>
+          </a:effectRef>
+          <a:fontRef idx="minor">
+            <a:schemeClr val="tx1"/>
+          </a:fontRef>
+        </p:style>
+      </p:cxnSp>
+      <p:sp>
+        <p:nvSpPr>
+          <p:cNvPr id="107" name="Rectangle 106"/>
+          <p:cNvSpPr/>
+          <p:nvPr/>
+        </p:nvSpPr>
+        <p:spPr>
+          <a:xfrm>
+            <a:off x="1066801" y="2133574"/>
+            <a:ext cx="152400" cy="76200"/>
+          </a:xfrm>
+          <a:prstGeom prst="rect">
+            <a:avLst/>
+          </a:prstGeom>
+          <a:noFill/>
+          <a:ln>
+            <a:noFill/>
+          </a:ln>
+        </p:spPr>
+        <p:style>
+          <a:lnRef idx="2">
+            <a:schemeClr val="accent1">
+              <a:shade val="50000"/>
+            </a:schemeClr>
+          </a:lnRef>
+          <a:fillRef idx="1">
+            <a:schemeClr val="accent1"/>
+          </a:fillRef>
+          <a:effectRef idx="0">
+            <a:schemeClr val="accent1"/>
+          </a:effectRef>
+          <a:fontRef idx="minor">
+            <a:schemeClr val="lt1"/>
+          </a:fontRef>
+        </p:style>
+        <p:txBody>
+          <a:bodyPr wrap="none" lIns="45720" rIns="45720" rtlCol="0" anchor="ctr"/>
+          <a:lstStyle/>
+          <a:p>
+            <a:pPr algn="ctr"/>
+            <a:r>
+              <a:rPr lang="en-US" sz="900" dirty="0" smtClean="0">
+                <a:solidFill>
+                  <a:srgbClr val="000000"/>
+                </a:solidFill>
+                <a:latin typeface="Courier New" panose="02070309020205020404" pitchFamily="49" charset="0"/>
+                <a:cs typeface="Courier New" panose="02070309020205020404" pitchFamily="49" charset="0"/>
+              </a:rPr>
+              <a:t>31</a:t>
+            </a:r>
+            <a:endParaRPr lang="en-US" sz="900" dirty="0">
+              <a:solidFill>
+                <a:srgbClr val="000000"/>
+              </a:solidFill>
+              <a:latin typeface="Courier New" panose="02070309020205020404" pitchFamily="49" charset="0"/>
+              <a:cs typeface="Courier New" panose="02070309020205020404" pitchFamily="49" charset="0"/>
+            </a:endParaRPr>
+          </a:p>
+        </p:txBody>
+      </p:sp>
+      <p:cxnSp>
+        <p:nvCxnSpPr>
+          <p:cNvPr id="108" name="Straight Connector 107"/>
+          <p:cNvCxnSpPr/>
+          <p:nvPr/>
+        </p:nvCxnSpPr>
+        <p:spPr>
+          <a:xfrm>
+            <a:off x="3505200" y="4343378"/>
+            <a:ext cx="76200" cy="76200"/>
+          </a:xfrm>
+          <a:prstGeom prst="line">
+            <a:avLst/>
+          </a:prstGeom>
+          <a:ln w="12700">
+            <a:solidFill>
+              <a:srgbClr val="000000"/>
+            </a:solidFill>
+            <a:headEnd type="none" w="med" len="med"/>
+            <a:tailEnd type="none" w="med" len="med"/>
+          </a:ln>
+        </p:spPr>
+        <p:style>
+          <a:lnRef idx="1">
+            <a:schemeClr val="accent1"/>
+          </a:lnRef>
+          <a:fillRef idx="0">
+            <a:schemeClr val="accent1"/>
+          </a:fillRef>
+          <a:effectRef idx="0">
+            <a:schemeClr val="accent1"/>
+          </a:effectRef>
+          <a:fontRef idx="minor">
+            <a:schemeClr val="tx1"/>
+          </a:fontRef>
+        </p:style>
+      </p:cxnSp>
+      <p:sp>
+        <p:nvSpPr>
+          <p:cNvPr id="109" name="Rectangle 108"/>
+          <p:cNvSpPr/>
+          <p:nvPr/>
+        </p:nvSpPr>
+        <p:spPr>
+          <a:xfrm>
+            <a:off x="4572000" y="4571978"/>
+            <a:ext cx="152400" cy="152400"/>
+          </a:xfrm>
+          <a:prstGeom prst="rect">
+            <a:avLst/>
+          </a:prstGeom>
+          <a:noFill/>
+          <a:ln>
+            <a:solidFill>
+              <a:schemeClr val="tx1"/>
+            </a:solidFill>
+          </a:ln>
+        </p:spPr>
+        <p:style>
+          <a:lnRef idx="2">
+            <a:schemeClr val="accent1">
+              <a:shade val="50000"/>
+            </a:schemeClr>
+          </a:lnRef>
+          <a:fillRef idx="1">
+            <a:schemeClr val="accent1"/>
+          </a:fillRef>
+          <a:effectRef idx="0">
+            <a:schemeClr val="accent1"/>
+          </a:effectRef>
+          <a:fontRef idx="minor">
+            <a:schemeClr val="lt1"/>
+          </a:fontRef>
+        </p:style>
+        <p:txBody>
+          <a:bodyPr wrap="square" lIns="45720" rIns="45720" rtlCol="0" anchor="ctr"/>
           <a:lstStyle/>
           <a:p>
             <a:pPr algn="ctr"/>
@@ -5665,16 +7885,14 @@
       </p:sp>
       <p:cxnSp>
         <p:nvCxnSpPr>
-          <p:cNvPr id="313" name="Straight Connector 312"/>
-          <p:cNvCxnSpPr>
-            <a:endCxn id="310" idx="0"/>
-          </p:cNvCxnSpPr>
+          <p:cNvPr id="111" name="Straight Connector 110"/>
+          <p:cNvCxnSpPr/>
           <p:nvPr/>
         </p:nvCxnSpPr>
         <p:spPr>
           <a:xfrm>
-            <a:off x="7924800" y="5105400"/>
-            <a:ext cx="0" cy="304800"/>
+            <a:off x="4724400" y="4648178"/>
+            <a:ext cx="762000" cy="0"/>
           </a:xfrm>
           <a:prstGeom prst="line">
             <a:avLst/>
@@ -5683,8 +7901,8 @@
             <a:solidFill>
               <a:srgbClr val="000000"/>
             </a:solidFill>
-            <a:headEnd type="oval" w="med" len="med"/>
-            <a:tailEnd type="triangle" w="med" len="med"/>
+            <a:headEnd type="none" w="med" len="med"/>
+            <a:tailEnd type="none" w="med" len="med"/>
           </a:ln>
         </p:spPr>
         <p:style>
@@ -5704,14 +7922,14 @@
       </p:cxnSp>
       <p:cxnSp>
         <p:nvCxnSpPr>
-          <p:cNvPr id="321" name="Straight Connector 320"/>
+          <p:cNvPr id="112" name="Straight Connector 111"/>
           <p:cNvCxnSpPr/>
           <p:nvPr/>
         </p:nvCxnSpPr>
         <p:spPr>
           <a:xfrm>
-            <a:off x="9220200" y="6172199"/>
-            <a:ext cx="1600200" cy="0"/>
+            <a:off x="5486400" y="4648178"/>
+            <a:ext cx="76200" cy="76200"/>
           </a:xfrm>
           <a:prstGeom prst="line">
             <a:avLst/>
@@ -5741,13 +7959,13 @@
       </p:cxnSp>
       <p:cxnSp>
         <p:nvCxnSpPr>
-          <p:cNvPr id="322" name="Straight Connector 321"/>
+          <p:cNvPr id="114" name="Straight Connector 113"/>
           <p:cNvCxnSpPr/>
           <p:nvPr/>
         </p:nvCxnSpPr>
         <p:spPr>
-          <a:xfrm flipH="1">
-            <a:off x="8001000" y="5486400"/>
+          <a:xfrm>
+            <a:off x="4419600" y="4648178"/>
             <a:ext cx="152400" cy="0"/>
           </a:xfrm>
           <a:prstGeom prst="line">
@@ -5757,8 +7975,82 @@
             <a:solidFill>
               <a:srgbClr val="000000"/>
             </a:solidFill>
+            <a:headEnd type="oval" w="med" len="med"/>
+            <a:tailEnd type="triangle" w="med" len="med"/>
+          </a:ln>
+        </p:spPr>
+        <p:style>
+          <a:lnRef idx="1">
+            <a:schemeClr val="accent1"/>
+          </a:lnRef>
+          <a:fillRef idx="0">
+            <a:schemeClr val="accent1"/>
+          </a:fillRef>
+          <a:effectRef idx="0">
+            <a:schemeClr val="accent1"/>
+          </a:effectRef>
+          <a:fontRef idx="minor">
+            <a:schemeClr val="tx1"/>
+          </a:fontRef>
+        </p:style>
+      </p:cxnSp>
+      <p:cxnSp>
+        <p:nvCxnSpPr>
+          <p:cNvPr id="115" name="Straight Connector 114"/>
+          <p:cNvCxnSpPr/>
+          <p:nvPr/>
+        </p:nvCxnSpPr>
+        <p:spPr>
+          <a:xfrm>
+            <a:off x="4648200" y="4419578"/>
+            <a:ext cx="0" cy="152400"/>
+          </a:xfrm>
+          <a:prstGeom prst="line">
+            <a:avLst/>
+          </a:prstGeom>
+          <a:ln w="12700">
+            <a:solidFill>
+              <a:srgbClr val="000000"/>
+            </a:solidFill>
+            <a:headEnd type="oval" w="med" len="med"/>
+            <a:tailEnd type="triangle" w="med" len="med"/>
+          </a:ln>
+        </p:spPr>
+        <p:style>
+          <a:lnRef idx="1">
+            <a:schemeClr val="accent1"/>
+          </a:lnRef>
+          <a:fillRef idx="0">
+            <a:schemeClr val="accent1"/>
+          </a:fillRef>
+          <a:effectRef idx="0">
+            <a:schemeClr val="accent1"/>
+          </a:effectRef>
+          <a:fontRef idx="minor">
+            <a:schemeClr val="tx1"/>
+          </a:fontRef>
+        </p:style>
+      </p:cxnSp>
+      <p:cxnSp>
+        <p:nvCxnSpPr>
+          <p:cNvPr id="116" name="Straight Connector 115"/>
+          <p:cNvCxnSpPr/>
+          <p:nvPr/>
+        </p:nvCxnSpPr>
+        <p:spPr>
+          <a:xfrm>
+            <a:off x="3581400" y="4419578"/>
+            <a:ext cx="6248400" cy="0"/>
+          </a:xfrm>
+          <a:prstGeom prst="line">
+            <a:avLst/>
+          </a:prstGeom>
+          <a:ln w="12700">
+            <a:solidFill>
+              <a:srgbClr val="000000"/>
+            </a:solidFill>
             <a:headEnd type="none" w="med" len="med"/>
-            <a:tailEnd type="triangle" w="med" len="med"/>
+            <a:tailEnd type="none" w="med" len="med"/>
           </a:ln>
         </p:spPr>
         <p:style>
@@ -5778,13 +8070,13 @@
       </p:cxnSp>
       <p:sp>
         <p:nvSpPr>
-          <p:cNvPr id="323" name="Rectangle 322"/>
+          <p:cNvPr id="117" name="Rectangle 116"/>
           <p:cNvSpPr/>
           <p:nvPr/>
         </p:nvSpPr>
         <p:spPr>
           <a:xfrm>
-            <a:off x="8077200" y="5334000"/>
+            <a:off x="9829800" y="4343378"/>
             <a:ext cx="457200" cy="152400"/>
           </a:xfrm>
           <a:prstGeom prst="rect">
@@ -5823,7 +8115,17 @@
                 <a:latin typeface="Courier New" panose="02070309020205020404" pitchFamily="49" charset="0"/>
                 <a:cs typeface="Courier New" panose="02070309020205020404" pitchFamily="49" charset="0"/>
               </a:rPr>
-              <a:t>32’d0</a:t>
+              <a:t>31’b</a:t>
+            </a:r>
+            <a:r>
+              <a:rPr lang="en-US" sz="900" dirty="0" smtClean="0">
+                <a:solidFill>
+                  <a:srgbClr val="000000"/>
+                </a:solidFill>
+                <a:latin typeface="Courier New" panose="02070309020205020404" pitchFamily="49" charset="0"/>
+                <a:cs typeface="Courier New" panose="02070309020205020404" pitchFamily="49" charset="0"/>
+              </a:rPr>
+              <a:t>??..10</a:t>
             </a:r>
             <a:endParaRPr lang="en-US" sz="900" dirty="0">
               <a:solidFill>
@@ -5835,15 +8137,1152 @@
           </a:p>
         </p:txBody>
       </p:sp>
-      <p:sp>
-        <p:nvSpPr>
-          <p:cNvPr id="324" name="Trapezoid 323"/>
+      <p:cxnSp>
+        <p:nvCxnSpPr>
+          <p:cNvPr id="119" name="Straight Connector 118"/>
+          <p:cNvCxnSpPr/>
+          <p:nvPr/>
+        </p:nvCxnSpPr>
+        <p:spPr>
+          <a:xfrm>
+            <a:off x="3505200" y="4190978"/>
+            <a:ext cx="0" cy="609600"/>
+          </a:xfrm>
+          <a:prstGeom prst="line">
+            <a:avLst/>
+          </a:prstGeom>
+          <a:ln w="12700">
+            <a:solidFill>
+              <a:srgbClr val="000000"/>
+            </a:solidFill>
+            <a:headEnd type="none" w="med" len="med"/>
+            <a:tailEnd type="none" w="med" len="med"/>
+          </a:ln>
+        </p:spPr>
+        <p:style>
+          <a:lnRef idx="1">
+            <a:schemeClr val="accent1"/>
+          </a:lnRef>
+          <a:fillRef idx="0">
+            <a:schemeClr val="accent1"/>
+          </a:fillRef>
+          <a:effectRef idx="0">
+            <a:schemeClr val="accent1"/>
+          </a:effectRef>
+          <a:fontRef idx="minor">
+            <a:schemeClr val="tx1"/>
+          </a:fontRef>
+        </p:style>
+      </p:cxnSp>
+      <p:cxnSp>
+        <p:nvCxnSpPr>
+          <p:cNvPr id="121" name="Straight Connector 120"/>
+          <p:cNvCxnSpPr/>
+          <p:nvPr/>
+        </p:nvCxnSpPr>
+        <p:spPr>
+          <a:xfrm>
+            <a:off x="4419600" y="4190978"/>
+            <a:ext cx="0" cy="914400"/>
+          </a:xfrm>
+          <a:prstGeom prst="line">
+            <a:avLst/>
+          </a:prstGeom>
+          <a:ln w="12700">
+            <a:solidFill>
+              <a:srgbClr val="000000"/>
+            </a:solidFill>
+            <a:headEnd type="none" w="med" len="med"/>
+            <a:tailEnd type="none" w="med" len="med"/>
+          </a:ln>
+        </p:spPr>
+        <p:style>
+          <a:lnRef idx="1">
+            <a:schemeClr val="accent1"/>
+          </a:lnRef>
+          <a:fillRef idx="0">
+            <a:schemeClr val="accent1"/>
+          </a:fillRef>
+          <a:effectRef idx="0">
+            <a:schemeClr val="accent1"/>
+          </a:effectRef>
+          <a:fontRef idx="minor">
+            <a:schemeClr val="tx1"/>
+          </a:fontRef>
+        </p:style>
+      </p:cxnSp>
+      <p:cxnSp>
+        <p:nvCxnSpPr>
+          <p:cNvPr id="123" name="Straight Connector 122"/>
+          <p:cNvCxnSpPr/>
+          <p:nvPr/>
+        </p:nvCxnSpPr>
+        <p:spPr>
+          <a:xfrm>
+            <a:off x="5562600" y="4190978"/>
+            <a:ext cx="0" cy="2133600"/>
+          </a:xfrm>
+          <a:prstGeom prst="line">
+            <a:avLst/>
+          </a:prstGeom>
+          <a:ln w="12700">
+            <a:solidFill>
+              <a:srgbClr val="000000"/>
+            </a:solidFill>
+            <a:headEnd type="none" w="med" len="med"/>
+            <a:tailEnd type="none" w="med" len="med"/>
+          </a:ln>
+        </p:spPr>
+        <p:style>
+          <a:lnRef idx="1">
+            <a:schemeClr val="accent1"/>
+          </a:lnRef>
+          <a:fillRef idx="0">
+            <a:schemeClr val="accent1"/>
+          </a:fillRef>
+          <a:effectRef idx="0">
+            <a:schemeClr val="accent1"/>
+          </a:effectRef>
+          <a:fontRef idx="minor">
+            <a:schemeClr val="tx1"/>
+          </a:fontRef>
+        </p:style>
+      </p:cxnSp>
+      <p:cxnSp>
+        <p:nvCxnSpPr>
+          <p:cNvPr id="125" name="Straight Connector 124"/>
+          <p:cNvCxnSpPr/>
+          <p:nvPr/>
+        </p:nvCxnSpPr>
+        <p:spPr>
+          <a:xfrm>
+            <a:off x="3505200" y="3886178"/>
+            <a:ext cx="0" cy="304800"/>
+          </a:xfrm>
+          <a:prstGeom prst="line">
+            <a:avLst/>
+          </a:prstGeom>
+          <a:ln w="12700">
+            <a:solidFill>
+              <a:srgbClr val="000000"/>
+            </a:solidFill>
+            <a:prstDash val="dash"/>
+            <a:headEnd type="none" w="med" len="med"/>
+            <a:tailEnd type="none" w="med" len="med"/>
+          </a:ln>
+        </p:spPr>
+        <p:style>
+          <a:lnRef idx="1">
+            <a:schemeClr val="accent1"/>
+          </a:lnRef>
+          <a:fillRef idx="0">
+            <a:schemeClr val="accent1"/>
+          </a:fillRef>
+          <a:effectRef idx="0">
+            <a:schemeClr val="accent1"/>
+          </a:effectRef>
+          <a:fontRef idx="minor">
+            <a:schemeClr val="tx1"/>
+          </a:fontRef>
+        </p:style>
+      </p:cxnSp>
+      <p:cxnSp>
+        <p:nvCxnSpPr>
+          <p:cNvPr id="128" name="Straight Connector 127"/>
+          <p:cNvCxnSpPr/>
+          <p:nvPr/>
+        </p:nvCxnSpPr>
+        <p:spPr>
+          <a:xfrm>
+            <a:off x="4419600" y="3886178"/>
+            <a:ext cx="0" cy="304800"/>
+          </a:xfrm>
+          <a:prstGeom prst="line">
+            <a:avLst/>
+          </a:prstGeom>
+          <a:ln w="12700">
+            <a:solidFill>
+              <a:srgbClr val="000000"/>
+            </a:solidFill>
+            <a:prstDash val="dash"/>
+            <a:headEnd type="none" w="med" len="med"/>
+            <a:tailEnd type="none" w="med" len="med"/>
+          </a:ln>
+        </p:spPr>
+        <p:style>
+          <a:lnRef idx="1">
+            <a:schemeClr val="accent1"/>
+          </a:lnRef>
+          <a:fillRef idx="0">
+            <a:schemeClr val="accent1"/>
+          </a:fillRef>
+          <a:effectRef idx="0">
+            <a:schemeClr val="accent1"/>
+          </a:effectRef>
+          <a:fontRef idx="minor">
+            <a:schemeClr val="tx1"/>
+          </a:fontRef>
+        </p:style>
+      </p:cxnSp>
+      <p:cxnSp>
+        <p:nvCxnSpPr>
+          <p:cNvPr id="130" name="Straight Connector 129"/>
+          <p:cNvCxnSpPr/>
+          <p:nvPr/>
+        </p:nvCxnSpPr>
+        <p:spPr>
+          <a:xfrm>
+            <a:off x="5562600" y="3886178"/>
+            <a:ext cx="0" cy="304800"/>
+          </a:xfrm>
+          <a:prstGeom prst="line">
+            <a:avLst/>
+          </a:prstGeom>
+          <a:ln w="12700">
+            <a:solidFill>
+              <a:srgbClr val="000000"/>
+            </a:solidFill>
+            <a:prstDash val="dash"/>
+            <a:headEnd type="none" w="med" len="med"/>
+            <a:tailEnd type="none" w="med" len="med"/>
+          </a:ln>
+        </p:spPr>
+        <p:style>
+          <a:lnRef idx="1">
+            <a:schemeClr val="accent1"/>
+          </a:lnRef>
+          <a:fillRef idx="0">
+            <a:schemeClr val="accent1"/>
+          </a:fillRef>
+          <a:effectRef idx="0">
+            <a:schemeClr val="accent1"/>
+          </a:effectRef>
+          <a:fontRef idx="minor">
+            <a:schemeClr val="tx1"/>
+          </a:fontRef>
+        </p:style>
+      </p:cxnSp>
+      <p:cxnSp>
+        <p:nvCxnSpPr>
+          <p:cNvPr id="132" name="Straight Connector 131"/>
+          <p:cNvCxnSpPr/>
+          <p:nvPr/>
+        </p:nvCxnSpPr>
+        <p:spPr>
+          <a:xfrm>
+            <a:off x="10210800" y="3886178"/>
+            <a:ext cx="0" cy="304800"/>
+          </a:xfrm>
+          <a:prstGeom prst="line">
+            <a:avLst/>
+          </a:prstGeom>
+          <a:ln w="12700">
+            <a:solidFill>
+              <a:srgbClr val="000000"/>
+            </a:solidFill>
+            <a:prstDash val="dash"/>
+            <a:headEnd type="none" w="med" len="med"/>
+            <a:tailEnd type="none" w="med" len="med"/>
+          </a:ln>
+        </p:spPr>
+        <p:style>
+          <a:lnRef idx="1">
+            <a:schemeClr val="accent1"/>
+          </a:lnRef>
+          <a:fillRef idx="0">
+            <a:schemeClr val="accent1"/>
+          </a:fillRef>
+          <a:effectRef idx="0">
+            <a:schemeClr val="accent1"/>
+          </a:effectRef>
+          <a:fontRef idx="minor">
+            <a:schemeClr val="tx1"/>
+          </a:fontRef>
+        </p:style>
+      </p:cxnSp>
+      <p:cxnSp>
+        <p:nvCxnSpPr>
+          <p:cNvPr id="135" name="Straight Connector 134"/>
+          <p:cNvCxnSpPr/>
+          <p:nvPr/>
+        </p:nvCxnSpPr>
+        <p:spPr>
+          <a:xfrm flipV="1">
+            <a:off x="11963400" y="4038574"/>
+            <a:ext cx="152400" cy="152404"/>
+          </a:xfrm>
+          <a:prstGeom prst="line">
+            <a:avLst/>
+          </a:prstGeom>
+          <a:ln w="12700">
+            <a:solidFill>
+              <a:srgbClr val="000000"/>
+            </a:solidFill>
+            <a:headEnd type="none" w="med" len="med"/>
+            <a:tailEnd type="none" w="med" len="med"/>
+          </a:ln>
+        </p:spPr>
+        <p:style>
+          <a:lnRef idx="1">
+            <a:schemeClr val="accent1"/>
+          </a:lnRef>
+          <a:fillRef idx="0">
+            <a:schemeClr val="accent1"/>
+          </a:fillRef>
+          <a:effectRef idx="0">
+            <a:schemeClr val="accent1"/>
+          </a:effectRef>
+          <a:fontRef idx="minor">
+            <a:schemeClr val="tx1"/>
+          </a:fontRef>
+        </p:style>
+      </p:cxnSp>
+      <p:sp>
+        <p:nvSpPr>
+          <p:cNvPr id="136" name="Rectangle 135"/>
           <p:cNvSpPr/>
           <p:nvPr/>
         </p:nvSpPr>
         <p:spPr>
+          <a:xfrm>
+            <a:off x="11201400" y="3962374"/>
+            <a:ext cx="457200" cy="152400"/>
+          </a:xfrm>
+          <a:prstGeom prst="rect">
+            <a:avLst/>
+          </a:prstGeom>
+          <a:noFill/>
+          <a:ln>
+            <a:noFill/>
+          </a:ln>
+        </p:spPr>
+        <p:style>
+          <a:lnRef idx="2">
+            <a:schemeClr val="accent1">
+              <a:shade val="50000"/>
+            </a:schemeClr>
+          </a:lnRef>
+          <a:fillRef idx="1">
+            <a:schemeClr val="accent1"/>
+          </a:fillRef>
+          <a:effectRef idx="0">
+            <a:schemeClr val="accent1"/>
+          </a:effectRef>
+          <a:fontRef idx="minor">
+            <a:schemeClr val="lt1"/>
+          </a:fontRef>
+        </p:style>
+        <p:txBody>
+          <a:bodyPr wrap="none" lIns="45720" rIns="45720" rtlCol="0" anchor="ctr"/>
+          <a:lstStyle/>
+          <a:p>
+            <a:r>
+              <a:rPr lang="en-US" sz="900" dirty="0" smtClean="0">
+                <a:solidFill>
+                  <a:srgbClr val="000000"/>
+                </a:solidFill>
+                <a:latin typeface="Courier New" panose="02070309020205020404" pitchFamily="49" charset="0"/>
+                <a:cs typeface="Courier New" panose="02070309020205020404" pitchFamily="49" charset="0"/>
+              </a:rPr>
+              <a:t>DOUT</a:t>
+            </a:r>
+            <a:endParaRPr lang="en-US" sz="900" dirty="0">
+              <a:solidFill>
+                <a:srgbClr val="000000"/>
+              </a:solidFill>
+              <a:latin typeface="Courier New" panose="02070309020205020404" pitchFamily="49" charset="0"/>
+              <a:cs typeface="Courier New" panose="02070309020205020404" pitchFamily="49" charset="0"/>
+            </a:endParaRPr>
+          </a:p>
+        </p:txBody>
+      </p:sp>
+      <p:sp>
+        <p:nvSpPr>
+          <p:cNvPr id="138" name="Rectangle 137"/>
+          <p:cNvSpPr/>
+          <p:nvPr/>
+        </p:nvSpPr>
+        <p:spPr>
+          <a:xfrm>
+            <a:off x="11963401" y="3962374"/>
+            <a:ext cx="152400" cy="76200"/>
+          </a:xfrm>
+          <a:prstGeom prst="rect">
+            <a:avLst/>
+          </a:prstGeom>
+          <a:noFill/>
+          <a:ln>
+            <a:noFill/>
+          </a:ln>
+        </p:spPr>
+        <p:style>
+          <a:lnRef idx="2">
+            <a:schemeClr val="accent1">
+              <a:shade val="50000"/>
+            </a:schemeClr>
+          </a:lnRef>
+          <a:fillRef idx="1">
+            <a:schemeClr val="accent1"/>
+          </a:fillRef>
+          <a:effectRef idx="0">
+            <a:schemeClr val="accent1"/>
+          </a:effectRef>
+          <a:fontRef idx="minor">
+            <a:schemeClr val="lt1"/>
+          </a:fontRef>
+        </p:style>
+        <p:txBody>
+          <a:bodyPr wrap="none" lIns="45720" rIns="45720" rtlCol="0" anchor="ctr"/>
+          <a:lstStyle/>
+          <a:p>
+            <a:pPr algn="ctr"/>
+            <a:r>
+              <a:rPr lang="en-US" sz="900" dirty="0" smtClean="0">
+                <a:solidFill>
+                  <a:srgbClr val="000000"/>
+                </a:solidFill>
+                <a:latin typeface="Courier New" panose="02070309020205020404" pitchFamily="49" charset="0"/>
+                <a:cs typeface="Courier New" panose="02070309020205020404" pitchFamily="49" charset="0"/>
+              </a:rPr>
+              <a:t>32</a:t>
+            </a:r>
+            <a:endParaRPr lang="en-US" sz="900" dirty="0">
+              <a:solidFill>
+                <a:srgbClr val="000000"/>
+              </a:solidFill>
+              <a:latin typeface="Courier New" panose="02070309020205020404" pitchFamily="49" charset="0"/>
+              <a:cs typeface="Courier New" panose="02070309020205020404" pitchFamily="49" charset="0"/>
+            </a:endParaRPr>
+          </a:p>
+        </p:txBody>
+      </p:sp>
+      <p:sp>
+        <p:nvSpPr>
+          <p:cNvPr id="139" name="Rectangle 138"/>
+          <p:cNvSpPr/>
+          <p:nvPr/>
+        </p:nvSpPr>
+        <p:spPr>
+          <a:xfrm>
+            <a:off x="3733800" y="3352778"/>
+            <a:ext cx="457200" cy="152400"/>
+          </a:xfrm>
+          <a:prstGeom prst="rect">
+            <a:avLst/>
+          </a:prstGeom>
+          <a:noFill/>
+          <a:ln>
+            <a:noFill/>
+          </a:ln>
+        </p:spPr>
+        <p:style>
+          <a:lnRef idx="2">
+            <a:schemeClr val="accent1">
+              <a:shade val="50000"/>
+            </a:schemeClr>
+          </a:lnRef>
+          <a:fillRef idx="1">
+            <a:schemeClr val="accent1"/>
+          </a:fillRef>
+          <a:effectRef idx="0">
+            <a:schemeClr val="accent1"/>
+          </a:effectRef>
+          <a:fontRef idx="minor">
+            <a:schemeClr val="lt1"/>
+          </a:fontRef>
+        </p:style>
+        <p:txBody>
+          <a:bodyPr wrap="none" lIns="45720" rIns="45720" rtlCol="0" anchor="ctr"/>
+          <a:lstStyle/>
+          <a:p>
+            <a:pPr algn="r"/>
+            <a:r>
+              <a:rPr lang="en-US" sz="900" dirty="0" smtClean="0">
+                <a:solidFill>
+                  <a:srgbClr val="000000"/>
+                </a:solidFill>
+                <a:latin typeface="Courier New" panose="02070309020205020404" pitchFamily="49" charset="0"/>
+                <a:cs typeface="Courier New" panose="02070309020205020404" pitchFamily="49" charset="0"/>
+              </a:rPr>
+              <a:t>[</a:t>
+            </a:r>
+            <a:r>
+              <a:rPr lang="en-US" sz="900" dirty="0" smtClean="0">
+                <a:solidFill>
+                  <a:srgbClr val="000000"/>
+                </a:solidFill>
+                <a:latin typeface="Courier New" panose="02070309020205020404" pitchFamily="49" charset="0"/>
+                <a:cs typeface="Courier New" panose="02070309020205020404" pitchFamily="49" charset="0"/>
+              </a:rPr>
+              <a:t>61:30]</a:t>
+            </a:r>
+            <a:endParaRPr lang="en-US" sz="900" dirty="0">
+              <a:solidFill>
+                <a:srgbClr val="000000"/>
+              </a:solidFill>
+              <a:latin typeface="Courier New" panose="02070309020205020404" pitchFamily="49" charset="0"/>
+              <a:cs typeface="Courier New" panose="02070309020205020404" pitchFamily="49" charset="0"/>
+            </a:endParaRPr>
+          </a:p>
+        </p:txBody>
+      </p:sp>
+      <p:sp>
+        <p:nvSpPr>
+          <p:cNvPr id="140" name="Rectangle 139"/>
+          <p:cNvSpPr/>
+          <p:nvPr/>
+        </p:nvSpPr>
+        <p:spPr>
+          <a:xfrm>
+            <a:off x="3733800" y="2895578"/>
+            <a:ext cx="457200" cy="152400"/>
+          </a:xfrm>
+          <a:prstGeom prst="rect">
+            <a:avLst/>
+          </a:prstGeom>
+          <a:noFill/>
+          <a:ln>
+            <a:noFill/>
+          </a:ln>
+        </p:spPr>
+        <p:style>
+          <a:lnRef idx="2">
+            <a:schemeClr val="accent1">
+              <a:shade val="50000"/>
+            </a:schemeClr>
+          </a:lnRef>
+          <a:fillRef idx="1">
+            <a:schemeClr val="accent1"/>
+          </a:fillRef>
+          <a:effectRef idx="0">
+            <a:schemeClr val="accent1"/>
+          </a:effectRef>
+          <a:fontRef idx="minor">
+            <a:schemeClr val="lt1"/>
+          </a:fontRef>
+        </p:style>
+        <p:txBody>
+          <a:bodyPr wrap="none" lIns="45720" rIns="45720" rtlCol="0" anchor="ctr"/>
+          <a:lstStyle/>
+          <a:p>
+            <a:pPr algn="r"/>
+            <a:r>
+              <a:rPr lang="en-US" sz="900" dirty="0" smtClean="0">
+                <a:solidFill>
+                  <a:srgbClr val="000000"/>
+                </a:solidFill>
+                <a:latin typeface="Courier New" panose="02070309020205020404" pitchFamily="49" charset="0"/>
+                <a:cs typeface="Courier New" panose="02070309020205020404" pitchFamily="49" charset="0"/>
+              </a:rPr>
+              <a:t>[62:31]</a:t>
+            </a:r>
+            <a:endParaRPr lang="en-US" sz="900" dirty="0">
+              <a:solidFill>
+                <a:srgbClr val="000000"/>
+              </a:solidFill>
+              <a:latin typeface="Courier New" panose="02070309020205020404" pitchFamily="49" charset="0"/>
+              <a:cs typeface="Courier New" panose="02070309020205020404" pitchFamily="49" charset="0"/>
+            </a:endParaRPr>
+          </a:p>
+        </p:txBody>
+      </p:sp>
+      <p:sp>
+        <p:nvSpPr>
+          <p:cNvPr id="141" name="Rectangle 140"/>
+          <p:cNvSpPr/>
+          <p:nvPr/>
+        </p:nvSpPr>
+        <p:spPr>
+          <a:xfrm>
+            <a:off x="3733800" y="4267178"/>
+            <a:ext cx="457200" cy="152400"/>
+          </a:xfrm>
+          <a:prstGeom prst="rect">
+            <a:avLst/>
+          </a:prstGeom>
+          <a:noFill/>
+          <a:ln>
+            <a:noFill/>
+          </a:ln>
+        </p:spPr>
+        <p:style>
+          <a:lnRef idx="2">
+            <a:schemeClr val="accent1">
+              <a:shade val="50000"/>
+            </a:schemeClr>
+          </a:lnRef>
+          <a:fillRef idx="1">
+            <a:schemeClr val="accent1"/>
+          </a:fillRef>
+          <a:effectRef idx="0">
+            <a:schemeClr val="accent1"/>
+          </a:effectRef>
+          <a:fontRef idx="minor">
+            <a:schemeClr val="lt1"/>
+          </a:fontRef>
+        </p:style>
+        <p:txBody>
+          <a:bodyPr wrap="none" lIns="45720" rIns="45720" rtlCol="0" anchor="ctr"/>
+          <a:lstStyle/>
+          <a:p>
+            <a:pPr algn="r"/>
+            <a:r>
+              <a:rPr lang="en-US" sz="900" dirty="0" smtClean="0">
+                <a:solidFill>
+                  <a:srgbClr val="000000"/>
+                </a:solidFill>
+                <a:latin typeface="Courier New" panose="02070309020205020404" pitchFamily="49" charset="0"/>
+                <a:cs typeface="Courier New" panose="02070309020205020404" pitchFamily="49" charset="0"/>
+              </a:rPr>
+              <a:t>[32:1]</a:t>
+            </a:r>
+            <a:endParaRPr lang="en-US" sz="900" dirty="0">
+              <a:solidFill>
+                <a:srgbClr val="000000"/>
+              </a:solidFill>
+              <a:latin typeface="Courier New" panose="02070309020205020404" pitchFamily="49" charset="0"/>
+              <a:cs typeface="Courier New" panose="02070309020205020404" pitchFamily="49" charset="0"/>
+            </a:endParaRPr>
+          </a:p>
+        </p:txBody>
+      </p:sp>
+      <p:sp>
+        <p:nvSpPr>
+          <p:cNvPr id="142" name="Rectangle 141"/>
+          <p:cNvSpPr/>
+          <p:nvPr/>
+        </p:nvSpPr>
+        <p:spPr>
+          <a:xfrm>
+            <a:off x="3733800" y="4724378"/>
+            <a:ext cx="457200" cy="152400"/>
+          </a:xfrm>
+          <a:prstGeom prst="rect">
+            <a:avLst/>
+          </a:prstGeom>
+          <a:noFill/>
+          <a:ln>
+            <a:noFill/>
+          </a:ln>
+        </p:spPr>
+        <p:style>
+          <a:lnRef idx="2">
+            <a:schemeClr val="accent1">
+              <a:shade val="50000"/>
+            </a:schemeClr>
+          </a:lnRef>
+          <a:fillRef idx="1">
+            <a:schemeClr val="accent1"/>
+          </a:fillRef>
+          <a:effectRef idx="0">
+            <a:schemeClr val="accent1"/>
+          </a:effectRef>
+          <a:fontRef idx="minor">
+            <a:schemeClr val="lt1"/>
+          </a:fontRef>
+        </p:style>
+        <p:txBody>
+          <a:bodyPr wrap="none" lIns="45720" rIns="45720" rtlCol="0" anchor="ctr"/>
+          <a:lstStyle/>
+          <a:p>
+            <a:pPr algn="r"/>
+            <a:r>
+              <a:rPr lang="en-US" sz="900" dirty="0" smtClean="0">
+                <a:solidFill>
+                  <a:srgbClr val="000000"/>
+                </a:solidFill>
+                <a:latin typeface="Courier New" panose="02070309020205020404" pitchFamily="49" charset="0"/>
+                <a:cs typeface="Courier New" panose="02070309020205020404" pitchFamily="49" charset="0"/>
+              </a:rPr>
+              <a:t>[31:0]</a:t>
+            </a:r>
+            <a:endParaRPr lang="en-US" sz="900" dirty="0">
+              <a:solidFill>
+                <a:srgbClr val="000000"/>
+              </a:solidFill>
+              <a:latin typeface="Courier New" panose="02070309020205020404" pitchFamily="49" charset="0"/>
+              <a:cs typeface="Courier New" panose="02070309020205020404" pitchFamily="49" charset="0"/>
+            </a:endParaRPr>
+          </a:p>
+        </p:txBody>
+      </p:sp>
+      <p:cxnSp>
+        <p:nvCxnSpPr>
+          <p:cNvPr id="143" name="Straight Connector 142"/>
+          <p:cNvCxnSpPr/>
+          <p:nvPr/>
+        </p:nvCxnSpPr>
+        <p:spPr>
+          <a:xfrm flipV="1">
+            <a:off x="5867400" y="6248378"/>
+            <a:ext cx="152400" cy="152404"/>
+          </a:xfrm>
+          <a:prstGeom prst="line">
+            <a:avLst/>
+          </a:prstGeom>
+          <a:ln w="12700">
+            <a:solidFill>
+              <a:srgbClr val="000000"/>
+            </a:solidFill>
+            <a:headEnd type="none" w="med" len="med"/>
+            <a:tailEnd type="none" w="med" len="med"/>
+          </a:ln>
+        </p:spPr>
+        <p:style>
+          <a:lnRef idx="1">
+            <a:schemeClr val="accent1"/>
+          </a:lnRef>
+          <a:fillRef idx="0">
+            <a:schemeClr val="accent1"/>
+          </a:fillRef>
+          <a:effectRef idx="0">
+            <a:schemeClr val="accent1"/>
+          </a:effectRef>
+          <a:fontRef idx="minor">
+            <a:schemeClr val="tx1"/>
+          </a:fontRef>
+        </p:style>
+      </p:cxnSp>
+      <p:sp>
+        <p:nvSpPr>
+          <p:cNvPr id="144" name="Rectangle 143"/>
+          <p:cNvSpPr/>
+          <p:nvPr/>
+        </p:nvSpPr>
+        <p:spPr>
+          <a:xfrm>
+            <a:off x="5867401" y="6172178"/>
+            <a:ext cx="152400" cy="76200"/>
+          </a:xfrm>
+          <a:prstGeom prst="rect">
+            <a:avLst/>
+          </a:prstGeom>
+          <a:noFill/>
+          <a:ln>
+            <a:noFill/>
+          </a:ln>
+        </p:spPr>
+        <p:style>
+          <a:lnRef idx="2">
+            <a:schemeClr val="accent1">
+              <a:shade val="50000"/>
+            </a:schemeClr>
+          </a:lnRef>
+          <a:fillRef idx="1">
+            <a:schemeClr val="accent1"/>
+          </a:fillRef>
+          <a:effectRef idx="0">
+            <a:schemeClr val="accent1"/>
+          </a:effectRef>
+          <a:fontRef idx="minor">
+            <a:schemeClr val="lt1"/>
+          </a:fontRef>
+        </p:style>
+        <p:txBody>
+          <a:bodyPr wrap="none" lIns="45720" rIns="45720" rtlCol="0" anchor="ctr"/>
+          <a:lstStyle/>
+          <a:p>
+            <a:pPr algn="ctr"/>
+            <a:r>
+              <a:rPr lang="en-US" sz="900" dirty="0" smtClean="0">
+                <a:solidFill>
+                  <a:srgbClr val="000000"/>
+                </a:solidFill>
+                <a:latin typeface="Courier New" panose="02070309020205020404" pitchFamily="49" charset="0"/>
+                <a:cs typeface="Courier New" panose="02070309020205020404" pitchFamily="49" charset="0"/>
+              </a:rPr>
+              <a:t>31</a:t>
+            </a:r>
+            <a:endParaRPr lang="en-US" sz="900" dirty="0">
+              <a:solidFill>
+                <a:srgbClr val="000000"/>
+              </a:solidFill>
+              <a:latin typeface="Courier New" panose="02070309020205020404" pitchFamily="49" charset="0"/>
+              <a:cs typeface="Courier New" panose="02070309020205020404" pitchFamily="49" charset="0"/>
+            </a:endParaRPr>
+          </a:p>
+        </p:txBody>
+      </p:sp>
+      <p:sp>
+        <p:nvSpPr>
+          <p:cNvPr id="145" name="Rectangle 144"/>
+          <p:cNvSpPr/>
+          <p:nvPr/>
+        </p:nvSpPr>
+        <p:spPr>
+          <a:xfrm>
+            <a:off x="6019800" y="6172178"/>
+            <a:ext cx="457200" cy="152400"/>
+          </a:xfrm>
+          <a:prstGeom prst="rect">
+            <a:avLst/>
+          </a:prstGeom>
+          <a:noFill/>
+          <a:ln>
+            <a:noFill/>
+          </a:ln>
+        </p:spPr>
+        <p:style>
+          <a:lnRef idx="2">
+            <a:schemeClr val="accent1">
+              <a:shade val="50000"/>
+            </a:schemeClr>
+          </a:lnRef>
+          <a:fillRef idx="1">
+            <a:schemeClr val="accent1"/>
+          </a:fillRef>
+          <a:effectRef idx="0">
+            <a:schemeClr val="accent1"/>
+          </a:effectRef>
+          <a:fontRef idx="minor">
+            <a:schemeClr val="lt1"/>
+          </a:fontRef>
+        </p:style>
+        <p:txBody>
+          <a:bodyPr wrap="none" lIns="45720" rIns="45720" rtlCol="0" anchor="ctr"/>
+          <a:lstStyle/>
+          <a:p>
+            <a:r>
+              <a:rPr lang="en-US" sz="900" dirty="0" err="1" smtClean="0">
+                <a:solidFill>
+                  <a:srgbClr val="000000"/>
+                </a:solidFill>
+                <a:latin typeface="Courier New" panose="02070309020205020404" pitchFamily="49" charset="0"/>
+                <a:cs typeface="Courier New" panose="02070309020205020404" pitchFamily="49" charset="0"/>
+              </a:rPr>
+              <a:t>sync_comp</a:t>
+            </a:r>
+            <a:endParaRPr lang="en-US" sz="900" dirty="0">
+              <a:solidFill>
+                <a:srgbClr val="000000"/>
+              </a:solidFill>
+              <a:latin typeface="Courier New" panose="02070309020205020404" pitchFamily="49" charset="0"/>
+              <a:cs typeface="Courier New" panose="02070309020205020404" pitchFamily="49" charset="0"/>
+            </a:endParaRPr>
+          </a:p>
+        </p:txBody>
+      </p:sp>
+      <p:cxnSp>
+        <p:nvCxnSpPr>
+          <p:cNvPr id="146" name="Straight Connector 145"/>
+          <p:cNvCxnSpPr/>
+          <p:nvPr/>
+        </p:nvCxnSpPr>
+        <p:spPr>
+          <a:xfrm flipV="1">
+            <a:off x="11963399" y="6400777"/>
+            <a:ext cx="152400" cy="152404"/>
+          </a:xfrm>
+          <a:prstGeom prst="line">
+            <a:avLst/>
+          </a:prstGeom>
+          <a:ln w="12700">
+            <a:solidFill>
+              <a:srgbClr val="000000"/>
+            </a:solidFill>
+            <a:headEnd type="none" w="med" len="med"/>
+            <a:tailEnd type="none" w="med" len="med"/>
+          </a:ln>
+        </p:spPr>
+        <p:style>
+          <a:lnRef idx="1">
+            <a:schemeClr val="accent1"/>
+          </a:lnRef>
+          <a:fillRef idx="0">
+            <a:schemeClr val="accent1"/>
+          </a:fillRef>
+          <a:effectRef idx="0">
+            <a:schemeClr val="accent1"/>
+          </a:effectRef>
+          <a:fontRef idx="minor">
+            <a:schemeClr val="tx1"/>
+          </a:fontRef>
+        </p:style>
+      </p:cxnSp>
+      <p:sp>
+        <p:nvSpPr>
+          <p:cNvPr id="147" name="Rectangle 146"/>
+          <p:cNvSpPr/>
+          <p:nvPr/>
+        </p:nvSpPr>
+        <p:spPr>
+          <a:xfrm>
+            <a:off x="11201400" y="6324577"/>
+            <a:ext cx="457200" cy="152400"/>
+          </a:xfrm>
+          <a:prstGeom prst="rect">
+            <a:avLst/>
+          </a:prstGeom>
+          <a:noFill/>
+          <a:ln>
+            <a:noFill/>
+          </a:ln>
+        </p:spPr>
+        <p:style>
+          <a:lnRef idx="2">
+            <a:schemeClr val="accent1">
+              <a:shade val="50000"/>
+            </a:schemeClr>
+          </a:lnRef>
+          <a:fillRef idx="1">
+            <a:schemeClr val="accent1"/>
+          </a:fillRef>
+          <a:effectRef idx="0">
+            <a:schemeClr val="accent1"/>
+          </a:effectRef>
+          <a:fontRef idx="minor">
+            <a:schemeClr val="lt1"/>
+          </a:fontRef>
+        </p:style>
+        <p:txBody>
+          <a:bodyPr wrap="none" lIns="45720" rIns="45720" rtlCol="0" anchor="ctr"/>
+          <a:lstStyle/>
+          <a:p>
+            <a:r>
+              <a:rPr lang="en-US" sz="900" dirty="0" smtClean="0">
+                <a:solidFill>
+                  <a:srgbClr val="000000"/>
+                </a:solidFill>
+                <a:latin typeface="Courier New" panose="02070309020205020404" pitchFamily="49" charset="0"/>
+                <a:cs typeface="Courier New" panose="02070309020205020404" pitchFamily="49" charset="0"/>
+              </a:rPr>
+              <a:t>ALIGNED</a:t>
+            </a:r>
+            <a:endParaRPr lang="en-US" sz="900" dirty="0">
+              <a:solidFill>
+                <a:srgbClr val="000000"/>
+              </a:solidFill>
+              <a:latin typeface="Courier New" panose="02070309020205020404" pitchFamily="49" charset="0"/>
+              <a:cs typeface="Courier New" panose="02070309020205020404" pitchFamily="49" charset="0"/>
+            </a:endParaRPr>
+          </a:p>
+        </p:txBody>
+      </p:sp>
+      <p:sp>
+        <p:nvSpPr>
+          <p:cNvPr id="148" name="Rectangle 147"/>
+          <p:cNvSpPr/>
+          <p:nvPr/>
+        </p:nvSpPr>
+        <p:spPr>
+          <a:xfrm>
+            <a:off x="11963400" y="6324577"/>
+            <a:ext cx="152400" cy="76200"/>
+          </a:xfrm>
+          <a:prstGeom prst="rect">
+            <a:avLst/>
+          </a:prstGeom>
+          <a:noFill/>
+          <a:ln>
+            <a:noFill/>
+          </a:ln>
+        </p:spPr>
+        <p:style>
+          <a:lnRef idx="2">
+            <a:schemeClr val="accent1">
+              <a:shade val="50000"/>
+            </a:schemeClr>
+          </a:lnRef>
+          <a:fillRef idx="1">
+            <a:schemeClr val="accent1"/>
+          </a:fillRef>
+          <a:effectRef idx="0">
+            <a:schemeClr val="accent1"/>
+          </a:effectRef>
+          <a:fontRef idx="minor">
+            <a:schemeClr val="lt1"/>
+          </a:fontRef>
+        </p:style>
+        <p:txBody>
+          <a:bodyPr wrap="none" lIns="45720" rIns="45720" rtlCol="0" anchor="ctr"/>
+          <a:lstStyle/>
+          <a:p>
+            <a:pPr algn="ctr"/>
+            <a:r>
+              <a:rPr lang="en-US" sz="900" dirty="0" smtClean="0">
+                <a:solidFill>
+                  <a:srgbClr val="000000"/>
+                </a:solidFill>
+                <a:latin typeface="Courier New" panose="02070309020205020404" pitchFamily="49" charset="0"/>
+                <a:cs typeface="Courier New" panose="02070309020205020404" pitchFamily="49" charset="0"/>
+              </a:rPr>
+              <a:t>1</a:t>
+            </a:r>
+            <a:endParaRPr lang="en-US" sz="900" dirty="0">
+              <a:solidFill>
+                <a:srgbClr val="000000"/>
+              </a:solidFill>
+              <a:latin typeface="Courier New" panose="02070309020205020404" pitchFamily="49" charset="0"/>
+              <a:cs typeface="Courier New" panose="02070309020205020404" pitchFamily="49" charset="0"/>
+            </a:endParaRPr>
+          </a:p>
+        </p:txBody>
+      </p:sp>
+      <p:cxnSp>
+        <p:nvCxnSpPr>
+          <p:cNvPr id="149" name="Straight Connector 148"/>
+          <p:cNvCxnSpPr/>
+          <p:nvPr/>
+        </p:nvCxnSpPr>
+        <p:spPr>
+          <a:xfrm flipV="1">
+            <a:off x="9296400" y="6400777"/>
+            <a:ext cx="152400" cy="152404"/>
+          </a:xfrm>
+          <a:prstGeom prst="line">
+            <a:avLst/>
+          </a:prstGeom>
+          <a:ln w="12700">
+            <a:solidFill>
+              <a:srgbClr val="000000"/>
+            </a:solidFill>
+            <a:headEnd type="none" w="med" len="med"/>
+            <a:tailEnd type="none" w="med" len="med"/>
+          </a:ln>
+        </p:spPr>
+        <p:style>
+          <a:lnRef idx="1">
+            <a:schemeClr val="accent1"/>
+          </a:lnRef>
+          <a:fillRef idx="0">
+            <a:schemeClr val="accent1"/>
+          </a:fillRef>
+          <a:effectRef idx="0">
+            <a:schemeClr val="accent1"/>
+          </a:effectRef>
+          <a:fontRef idx="minor">
+            <a:schemeClr val="tx1"/>
+          </a:fontRef>
+        </p:style>
+      </p:cxnSp>
+      <p:sp>
+        <p:nvSpPr>
+          <p:cNvPr id="150" name="Rectangle 149"/>
+          <p:cNvSpPr/>
+          <p:nvPr/>
+        </p:nvSpPr>
+        <p:spPr>
+          <a:xfrm>
+            <a:off x="9296401" y="6324577"/>
+            <a:ext cx="152400" cy="76200"/>
+          </a:xfrm>
+          <a:prstGeom prst="rect">
+            <a:avLst/>
+          </a:prstGeom>
+          <a:noFill/>
+          <a:ln>
+            <a:noFill/>
+          </a:ln>
+        </p:spPr>
+        <p:style>
+          <a:lnRef idx="2">
+            <a:schemeClr val="accent1">
+              <a:shade val="50000"/>
+            </a:schemeClr>
+          </a:lnRef>
+          <a:fillRef idx="1">
+            <a:schemeClr val="accent1"/>
+          </a:fillRef>
+          <a:effectRef idx="0">
+            <a:schemeClr val="accent1"/>
+          </a:effectRef>
+          <a:fontRef idx="minor">
+            <a:schemeClr val="lt1"/>
+          </a:fontRef>
+        </p:style>
+        <p:txBody>
+          <a:bodyPr wrap="none" lIns="45720" rIns="45720" rtlCol="0" anchor="ctr"/>
+          <a:lstStyle/>
+          <a:p>
+            <a:pPr algn="ctr"/>
+            <a:r>
+              <a:rPr lang="en-US" sz="900" dirty="0" smtClean="0">
+                <a:solidFill>
+                  <a:srgbClr val="000000"/>
+                </a:solidFill>
+                <a:latin typeface="Courier New" panose="02070309020205020404" pitchFamily="49" charset="0"/>
+                <a:cs typeface="Courier New" panose="02070309020205020404" pitchFamily="49" charset="0"/>
+              </a:rPr>
+              <a:t>31</a:t>
+            </a:r>
+            <a:endParaRPr lang="en-US" sz="900" dirty="0">
+              <a:solidFill>
+                <a:srgbClr val="000000"/>
+              </a:solidFill>
+              <a:latin typeface="Courier New" panose="02070309020205020404" pitchFamily="49" charset="0"/>
+              <a:cs typeface="Courier New" panose="02070309020205020404" pitchFamily="49" charset="0"/>
+            </a:endParaRPr>
+          </a:p>
+        </p:txBody>
+      </p:sp>
+      <p:sp>
+        <p:nvSpPr>
+          <p:cNvPr id="151" name="Rectangle 150"/>
+          <p:cNvSpPr/>
+          <p:nvPr/>
+        </p:nvSpPr>
+        <p:spPr>
+          <a:xfrm>
+            <a:off x="9448800" y="6476977"/>
+            <a:ext cx="457200" cy="152400"/>
+          </a:xfrm>
+          <a:prstGeom prst="rect">
+            <a:avLst/>
+          </a:prstGeom>
+          <a:noFill/>
+          <a:ln>
+            <a:noFill/>
+          </a:ln>
+        </p:spPr>
+        <p:style>
+          <a:lnRef idx="2">
+            <a:schemeClr val="accent1">
+              <a:shade val="50000"/>
+            </a:schemeClr>
+          </a:lnRef>
+          <a:fillRef idx="1">
+            <a:schemeClr val="accent1"/>
+          </a:fillRef>
+          <a:effectRef idx="0">
+            <a:schemeClr val="accent1"/>
+          </a:effectRef>
+          <a:fontRef idx="minor">
+            <a:schemeClr val="lt1"/>
+          </a:fontRef>
+        </p:style>
+        <p:txBody>
+          <a:bodyPr wrap="none" lIns="45720" rIns="45720" rtlCol="0" anchor="ctr"/>
+          <a:lstStyle/>
+          <a:p>
+            <a:r>
+              <a:rPr lang="en-US" sz="900" dirty="0" err="1" smtClean="0">
+                <a:solidFill>
+                  <a:srgbClr val="000000"/>
+                </a:solidFill>
+                <a:latin typeface="Courier New" panose="02070309020205020404" pitchFamily="49" charset="0"/>
+                <a:cs typeface="Courier New" panose="02070309020205020404" pitchFamily="49" charset="0"/>
+              </a:rPr>
+              <a:t>sync_found</a:t>
+            </a:r>
+            <a:endParaRPr lang="en-US" sz="900" dirty="0">
+              <a:solidFill>
+                <a:srgbClr val="000000"/>
+              </a:solidFill>
+              <a:latin typeface="Courier New" panose="02070309020205020404" pitchFamily="49" charset="0"/>
+              <a:cs typeface="Courier New" panose="02070309020205020404" pitchFamily="49" charset="0"/>
+            </a:endParaRPr>
+          </a:p>
+        </p:txBody>
+      </p:sp>
+      <p:sp>
+        <p:nvSpPr>
+          <p:cNvPr id="168" name="Trapezoid 167"/>
+          <p:cNvSpPr/>
+          <p:nvPr/>
+        </p:nvSpPr>
+        <p:spPr>
           <a:xfrm rot="5400000">
-            <a:off x="7696200" y="5943600"/>
+            <a:off x="8305800" y="6400778"/>
             <a:ext cx="457200" cy="152400"/>
           </a:xfrm>
           <a:prstGeom prst="trapezoid">
@@ -5885,13 +9324,13 @@
       </p:sp>
       <p:sp>
         <p:nvSpPr>
-          <p:cNvPr id="325" name="Rectangle 324"/>
+          <p:cNvPr id="169" name="Rectangle 168"/>
           <p:cNvSpPr/>
           <p:nvPr/>
         </p:nvSpPr>
         <p:spPr>
           <a:xfrm>
-            <a:off x="7848600" y="5867400"/>
+            <a:off x="8458200" y="6324578"/>
             <a:ext cx="152400" cy="152400"/>
           </a:xfrm>
           <a:prstGeom prst="rect">
@@ -5937,13 +9376,13 @@
       </p:sp>
       <p:sp>
         <p:nvSpPr>
-          <p:cNvPr id="326" name="Rectangle 325"/>
+          <p:cNvPr id="171" name="Rectangle 170"/>
           <p:cNvSpPr/>
           <p:nvPr/>
         </p:nvSpPr>
         <p:spPr>
           <a:xfrm>
-            <a:off x="7848600" y="6019800"/>
+            <a:off x="8458200" y="6476978"/>
             <a:ext cx="152400" cy="152400"/>
           </a:xfrm>
           <a:prstGeom prst="rect">
@@ -5989,14 +9428,16 @@
       </p:sp>
       <p:cxnSp>
         <p:nvCxnSpPr>
-          <p:cNvPr id="327" name="Straight Connector 326"/>
-          <p:cNvCxnSpPr/>
+          <p:cNvPr id="172" name="Straight Connector 171"/>
+          <p:cNvCxnSpPr>
+            <a:stCxn id="324" idx="0"/>
+          </p:cNvCxnSpPr>
           <p:nvPr/>
         </p:nvCxnSpPr>
         <p:spPr>
           <a:xfrm>
-            <a:off x="7924800" y="5562600"/>
-            <a:ext cx="0" cy="304800"/>
+            <a:off x="8001000" y="6324578"/>
+            <a:ext cx="457200" cy="0"/>
           </a:xfrm>
           <a:prstGeom prst="line">
             <a:avLst/>
@@ -6026,14 +9467,14 @@
       </p:cxnSp>
       <p:cxnSp>
         <p:nvCxnSpPr>
-          <p:cNvPr id="328" name="Straight Connector 327"/>
+          <p:cNvPr id="174" name="Straight Connector 173"/>
           <p:cNvCxnSpPr/>
           <p:nvPr/>
         </p:nvCxnSpPr>
         <p:spPr>
-          <a:xfrm>
-            <a:off x="7543800" y="5867400"/>
-            <a:ext cx="304800" cy="0"/>
+          <a:xfrm flipV="1">
+            <a:off x="8534400" y="6629378"/>
+            <a:ext cx="0" cy="609600"/>
           </a:xfrm>
           <a:prstGeom prst="line">
             <a:avLst/>
@@ -6061,16 +9502,67 @@
           </a:fontRef>
         </p:style>
       </p:cxnSp>
+      <p:sp>
+        <p:nvSpPr>
+          <p:cNvPr id="176" name="Pentagon 175"/>
+          <p:cNvSpPr/>
+          <p:nvPr/>
+        </p:nvSpPr>
+        <p:spPr>
+          <a:xfrm>
+            <a:off x="304800" y="7162778"/>
+            <a:ext cx="228600" cy="152400"/>
+          </a:xfrm>
+          <a:prstGeom prst="homePlate">
+            <a:avLst/>
+          </a:prstGeom>
+          <a:noFill/>
+          <a:ln w="12700">
+            <a:solidFill>
+              <a:schemeClr val="tx1"/>
+            </a:solidFill>
+          </a:ln>
+        </p:spPr>
+        <p:style>
+          <a:lnRef idx="2">
+            <a:schemeClr val="accent1">
+              <a:shade val="50000"/>
+            </a:schemeClr>
+          </a:lnRef>
+          <a:fillRef idx="1">
+            <a:schemeClr val="accent1"/>
+          </a:fillRef>
+          <a:effectRef idx="0">
+            <a:schemeClr val="accent1"/>
+          </a:effectRef>
+          <a:fontRef idx="minor">
+            <a:schemeClr val="lt1"/>
+          </a:fontRef>
+        </p:style>
+        <p:txBody>
+          <a:bodyPr rot="0" spcFirstLastPara="0" vertOverflow="overflow" horzOverflow="overflow" vert="horz" wrap="square" lIns="91440" tIns="45720" rIns="91440" bIns="45720" numCol="1" spcCol="0" rtlCol="0" fromWordArt="0" anchor="ctr" anchorCtr="0" forceAA="0" compatLnSpc="1">
+            <a:prstTxWarp prst="textNoShape">
+              <a:avLst/>
+            </a:prstTxWarp>
+            <a:noAutofit/>
+          </a:bodyPr>
+          <a:lstStyle/>
+          <a:p>
+            <a:pPr algn="ctr"/>
+            <a:endParaRPr lang="en-US" sz="3730"/>
+          </a:p>
+        </p:txBody>
+      </p:sp>
       <p:cxnSp>
         <p:nvCxnSpPr>
-          <p:cNvPr id="331" name="Straight Connector 330"/>
+          <p:cNvPr id="177" name="Straight Connector 176"/>
           <p:cNvCxnSpPr/>
           <p:nvPr/>
         </p:nvCxnSpPr>
         <p:spPr>
-          <a:xfrm flipH="1">
-            <a:off x="7543800" y="5105400"/>
-            <a:ext cx="1981200" cy="0"/>
+          <a:xfrm flipV="1">
+            <a:off x="609600" y="7162778"/>
+            <a:ext cx="152400" cy="152404"/>
           </a:xfrm>
           <a:prstGeom prst="line">
             <a:avLst/>
@@ -6098,52 +9590,15 @@
           </a:fontRef>
         </p:style>
       </p:cxnSp>
-      <p:cxnSp>
-        <p:nvCxnSpPr>
-          <p:cNvPr id="332" name="Straight Connector 331"/>
-          <p:cNvCxnSpPr/>
-          <p:nvPr/>
-        </p:nvCxnSpPr>
-        <p:spPr>
-          <a:xfrm>
-            <a:off x="7543800" y="5105400"/>
-            <a:ext cx="0" cy="762000"/>
-          </a:xfrm>
-          <a:prstGeom prst="line">
-            <a:avLst/>
-          </a:prstGeom>
-          <a:ln w="12700">
-            <a:solidFill>
-              <a:srgbClr val="000000"/>
-            </a:solidFill>
-            <a:headEnd type="none" w="med" len="med"/>
-            <a:tailEnd type="none" w="med" len="med"/>
-          </a:ln>
-        </p:spPr>
-        <p:style>
-          <a:lnRef idx="1">
-            <a:schemeClr val="accent1"/>
-          </a:lnRef>
-          <a:fillRef idx="0">
-            <a:schemeClr val="accent1"/>
-          </a:fillRef>
-          <a:effectRef idx="0">
-            <a:schemeClr val="accent1"/>
-          </a:effectRef>
-          <a:fontRef idx="minor">
-            <a:schemeClr val="tx1"/>
-          </a:fontRef>
-        </p:style>
-      </p:cxnSp>
-      <p:sp>
-        <p:nvSpPr>
-          <p:cNvPr id="334" name="Rectangle 333"/>
+      <p:sp>
+        <p:nvSpPr>
+          <p:cNvPr id="178" name="Rectangle 177"/>
           <p:cNvSpPr/>
           <p:nvPr/>
         </p:nvSpPr>
         <p:spPr>
           <a:xfrm>
-            <a:off x="6476999" y="6172200"/>
+            <a:off x="838200" y="7086578"/>
             <a:ext cx="457200" cy="152400"/>
           </a:xfrm>
           <a:prstGeom prst="rect">
@@ -6182,7 +9637,7 @@
                 <a:latin typeface="Courier New" panose="02070309020205020404" pitchFamily="49" charset="0"/>
                 <a:cs typeface="Courier New" panose="02070309020205020404" pitchFamily="49" charset="0"/>
               </a:rPr>
-              <a:t>32’d0</a:t>
+              <a:t>PHY_INIT</a:t>
             </a:r>
             <a:endParaRPr lang="en-US" sz="900" dirty="0">
               <a:solidFill>
@@ -6194,2869 +9649,15 @@
           </a:p>
         </p:txBody>
       </p:sp>
-      <p:cxnSp>
-        <p:nvCxnSpPr>
-          <p:cNvPr id="335" name="Straight Connector 334"/>
-          <p:cNvCxnSpPr>
-            <a:stCxn id="239" idx="0"/>
-          </p:cNvCxnSpPr>
-          <p:nvPr/>
-        </p:nvCxnSpPr>
-        <p:spPr>
-          <a:xfrm>
-            <a:off x="7086599" y="6172200"/>
-            <a:ext cx="762001" cy="0"/>
-          </a:xfrm>
-          <a:prstGeom prst="line">
-            <a:avLst/>
-          </a:prstGeom>
-          <a:ln w="12700">
-            <a:solidFill>
-              <a:srgbClr val="000000"/>
-            </a:solidFill>
-            <a:headEnd type="none" w="med" len="med"/>
-            <a:tailEnd type="none" w="med" len="med"/>
-          </a:ln>
-        </p:spPr>
-        <p:style>
-          <a:lnRef idx="1">
-            <a:schemeClr val="accent1"/>
-          </a:lnRef>
-          <a:fillRef idx="0">
-            <a:schemeClr val="accent1"/>
-          </a:fillRef>
-          <a:effectRef idx="0">
-            <a:schemeClr val="accent1"/>
-          </a:effectRef>
-          <a:fontRef idx="minor">
-            <a:schemeClr val="tx1"/>
-          </a:fontRef>
-        </p:style>
-      </p:cxnSp>
-      <p:cxnSp>
-        <p:nvCxnSpPr>
-          <p:cNvPr id="336" name="Straight Connector 335"/>
-          <p:cNvCxnSpPr/>
-          <p:nvPr/>
-        </p:nvCxnSpPr>
-        <p:spPr>
-          <a:xfrm flipV="1">
-            <a:off x="9525000" y="5105400"/>
-            <a:ext cx="0" cy="1066800"/>
-          </a:xfrm>
-          <a:prstGeom prst="line">
-            <a:avLst/>
-          </a:prstGeom>
-          <a:ln w="12700">
-            <a:solidFill>
-              <a:srgbClr val="000000"/>
-            </a:solidFill>
-            <a:headEnd type="oval" w="med" len="med"/>
-            <a:tailEnd type="none" w="med" len="med"/>
-          </a:ln>
-        </p:spPr>
-        <p:style>
-          <a:lnRef idx="1">
-            <a:schemeClr val="accent1"/>
-          </a:lnRef>
-          <a:fillRef idx="0">
-            <a:schemeClr val="accent1"/>
-          </a:fillRef>
-          <a:effectRef idx="0">
-            <a:schemeClr val="accent1"/>
-          </a:effectRef>
-          <a:fontRef idx="minor">
-            <a:schemeClr val="tx1"/>
-          </a:fontRef>
-        </p:style>
-      </p:cxnSp>
-      <p:cxnSp>
-        <p:nvCxnSpPr>
-          <p:cNvPr id="179" name="Straight Connector 178"/>
-          <p:cNvCxnSpPr/>
-          <p:nvPr/>
-        </p:nvCxnSpPr>
-        <p:spPr>
-          <a:xfrm>
-            <a:off x="4419600" y="3429000"/>
-            <a:ext cx="152400" cy="0"/>
-          </a:xfrm>
-          <a:prstGeom prst="line">
-            <a:avLst/>
-          </a:prstGeom>
-          <a:ln w="12700">
-            <a:solidFill>
-              <a:srgbClr val="000000"/>
-            </a:solidFill>
-            <a:headEnd type="oval" w="med" len="med"/>
-            <a:tailEnd type="triangle" w="med" len="med"/>
-          </a:ln>
-        </p:spPr>
-        <p:style>
-          <a:lnRef idx="1">
-            <a:schemeClr val="accent1"/>
-          </a:lnRef>
-          <a:fillRef idx="0">
-            <a:schemeClr val="accent1"/>
-          </a:fillRef>
-          <a:effectRef idx="0">
-            <a:schemeClr val="accent1"/>
-          </a:effectRef>
-          <a:fontRef idx="minor">
-            <a:schemeClr val="tx1"/>
-          </a:fontRef>
-        </p:style>
-      </p:cxnSp>
-      <p:cxnSp>
-        <p:nvCxnSpPr>
-          <p:cNvPr id="206" name="Straight Connector 205"/>
-          <p:cNvCxnSpPr/>
-          <p:nvPr/>
-        </p:nvCxnSpPr>
-        <p:spPr>
-          <a:xfrm>
-            <a:off x="4419600" y="4800600"/>
-            <a:ext cx="152400" cy="0"/>
-          </a:xfrm>
-          <a:prstGeom prst="line">
-            <a:avLst/>
-          </a:prstGeom>
-          <a:ln w="12700">
-            <a:solidFill>
-              <a:srgbClr val="000000"/>
-            </a:solidFill>
-            <a:headEnd type="none" w="med" len="med"/>
-            <a:tailEnd type="triangle" w="med" len="med"/>
-          </a:ln>
-        </p:spPr>
-        <p:style>
-          <a:lnRef idx="1">
-            <a:schemeClr val="accent1"/>
-          </a:lnRef>
-          <a:fillRef idx="0">
-            <a:schemeClr val="accent1"/>
-          </a:fillRef>
-          <a:effectRef idx="0">
-            <a:schemeClr val="accent1"/>
-          </a:effectRef>
-          <a:fontRef idx="minor">
-            <a:schemeClr val="tx1"/>
-          </a:fontRef>
-        </p:style>
-      </p:cxnSp>
-      <p:cxnSp>
-        <p:nvCxnSpPr>
-          <p:cNvPr id="212" name="Straight Connector 211"/>
-          <p:cNvCxnSpPr/>
-          <p:nvPr/>
-        </p:nvCxnSpPr>
-        <p:spPr>
-          <a:xfrm>
-            <a:off x="3581400" y="2743200"/>
-            <a:ext cx="6248400" cy="0"/>
-          </a:xfrm>
-          <a:prstGeom prst="line">
-            <a:avLst/>
-          </a:prstGeom>
-          <a:ln w="12700">
-            <a:solidFill>
-              <a:srgbClr val="000000"/>
-            </a:solidFill>
-            <a:headEnd type="none" w="med" len="med"/>
-            <a:tailEnd type="none" w="med" len="med"/>
-          </a:ln>
-        </p:spPr>
-        <p:style>
-          <a:lnRef idx="1">
-            <a:schemeClr val="accent1"/>
-          </a:lnRef>
-          <a:fillRef idx="0">
-            <a:schemeClr val="accent1"/>
-          </a:fillRef>
-          <a:effectRef idx="0">
-            <a:schemeClr val="accent1"/>
-          </a:effectRef>
-          <a:fontRef idx="minor">
-            <a:schemeClr val="tx1"/>
-          </a:fontRef>
-        </p:style>
-      </p:cxnSp>
-      <p:cxnSp>
-        <p:nvCxnSpPr>
-          <p:cNvPr id="213" name="Straight Connector 212"/>
-          <p:cNvCxnSpPr/>
-          <p:nvPr/>
-        </p:nvCxnSpPr>
-        <p:spPr>
-          <a:xfrm>
-            <a:off x="4648200" y="3200400"/>
-            <a:ext cx="0" cy="152400"/>
-          </a:xfrm>
-          <a:prstGeom prst="line">
-            <a:avLst/>
-          </a:prstGeom>
-          <a:ln w="12700">
-            <a:solidFill>
-              <a:srgbClr val="000000"/>
-            </a:solidFill>
-            <a:headEnd type="oval" w="med" len="med"/>
-            <a:tailEnd type="triangle" w="med" len="med"/>
-          </a:ln>
-        </p:spPr>
-        <p:style>
-          <a:lnRef idx="1">
-            <a:schemeClr val="accent1"/>
-          </a:lnRef>
-          <a:fillRef idx="0">
-            <a:schemeClr val="accent1"/>
-          </a:fillRef>
-          <a:effectRef idx="0">
-            <a:schemeClr val="accent1"/>
-          </a:effectRef>
-          <a:fontRef idx="minor">
-            <a:schemeClr val="tx1"/>
-          </a:fontRef>
-        </p:style>
-      </p:cxnSp>
-      <p:cxnSp>
-        <p:nvCxnSpPr>
-          <p:cNvPr id="214" name="Straight Connector 213"/>
-          <p:cNvCxnSpPr/>
-          <p:nvPr/>
-        </p:nvCxnSpPr>
-        <p:spPr>
-          <a:xfrm>
-            <a:off x="4648200" y="4572000"/>
-            <a:ext cx="0" cy="152400"/>
-          </a:xfrm>
-          <a:prstGeom prst="line">
-            <a:avLst/>
-          </a:prstGeom>
-          <a:ln w="12700">
-            <a:solidFill>
-              <a:srgbClr val="000000"/>
-            </a:solidFill>
-            <a:headEnd type="oval" w="med" len="med"/>
-            <a:tailEnd type="triangle" w="med" len="med"/>
-          </a:ln>
-        </p:spPr>
-        <p:style>
-          <a:lnRef idx="1">
-            <a:schemeClr val="accent1"/>
-          </a:lnRef>
-          <a:fillRef idx="0">
-            <a:schemeClr val="accent1"/>
-          </a:fillRef>
-          <a:effectRef idx="0">
-            <a:schemeClr val="accent1"/>
-          </a:effectRef>
-          <a:fontRef idx="minor">
-            <a:schemeClr val="tx1"/>
-          </a:fontRef>
-        </p:style>
-      </p:cxnSp>
-      <p:cxnSp>
-        <p:nvCxnSpPr>
-          <p:cNvPr id="234" name="Straight Connector 233"/>
-          <p:cNvCxnSpPr/>
-          <p:nvPr/>
-        </p:nvCxnSpPr>
-        <p:spPr>
-          <a:xfrm>
-            <a:off x="3581400" y="3200400"/>
-            <a:ext cx="6248400" cy="0"/>
-          </a:xfrm>
-          <a:prstGeom prst="line">
-            <a:avLst/>
-          </a:prstGeom>
-          <a:ln w="12700">
-            <a:solidFill>
-              <a:srgbClr val="000000"/>
-            </a:solidFill>
-            <a:headEnd type="none" w="med" len="med"/>
-            <a:tailEnd type="none" w="med" len="med"/>
-          </a:ln>
-        </p:spPr>
-        <p:style>
-          <a:lnRef idx="1">
-            <a:schemeClr val="accent1"/>
-          </a:lnRef>
-          <a:fillRef idx="0">
-            <a:schemeClr val="accent1"/>
-          </a:fillRef>
-          <a:effectRef idx="0">
-            <a:schemeClr val="accent1"/>
-          </a:effectRef>
-          <a:fontRef idx="minor">
-            <a:schemeClr val="tx1"/>
-          </a:fontRef>
-        </p:style>
-      </p:cxnSp>
-      <p:cxnSp>
-        <p:nvCxnSpPr>
-          <p:cNvPr id="236" name="Straight Connector 235"/>
-          <p:cNvCxnSpPr/>
-          <p:nvPr/>
-        </p:nvCxnSpPr>
-        <p:spPr>
-          <a:xfrm>
-            <a:off x="3581400" y="4572000"/>
-            <a:ext cx="6248400" cy="0"/>
-          </a:xfrm>
-          <a:prstGeom prst="line">
-            <a:avLst/>
-          </a:prstGeom>
-          <a:ln w="12700">
-            <a:solidFill>
-              <a:srgbClr val="000000"/>
-            </a:solidFill>
-            <a:headEnd type="none" w="med" len="med"/>
-            <a:tailEnd type="none" w="med" len="med"/>
-          </a:ln>
-        </p:spPr>
-        <p:style>
-          <a:lnRef idx="1">
-            <a:schemeClr val="accent1"/>
-          </a:lnRef>
-          <a:fillRef idx="0">
-            <a:schemeClr val="accent1"/>
-          </a:fillRef>
-          <a:effectRef idx="0">
-            <a:schemeClr val="accent1"/>
-          </a:effectRef>
-          <a:fontRef idx="minor">
-            <a:schemeClr val="tx1"/>
-          </a:fontRef>
-        </p:style>
-      </p:cxnSp>
-      <p:sp>
-        <p:nvSpPr>
-          <p:cNvPr id="238" name="Trapezoid 237"/>
+      <p:sp>
+        <p:nvSpPr>
+          <p:cNvPr id="180" name="Rectangle 179"/>
           <p:cNvSpPr/>
           <p:nvPr/>
         </p:nvSpPr>
         <p:spPr>
-          <a:xfrm rot="5400000">
-            <a:off x="8877300" y="3390900"/>
-            <a:ext cx="2743200" cy="838200"/>
-          </a:xfrm>
-          <a:prstGeom prst="trapezoid">
-            <a:avLst>
-              <a:gd name="adj" fmla="val 14166"/>
-            </a:avLst>
-          </a:prstGeom>
-          <a:noFill/>
-          <a:ln w="12700">
-            <a:solidFill>
-              <a:srgbClr val="000000"/>
-            </a:solidFill>
-          </a:ln>
-        </p:spPr>
-        <p:style>
-          <a:lnRef idx="2">
-            <a:schemeClr val="accent1">
-              <a:shade val="50000"/>
-            </a:schemeClr>
-          </a:lnRef>
-          <a:fillRef idx="1">
-            <a:schemeClr val="accent1"/>
-          </a:fillRef>
-          <a:effectRef idx="0">
-            <a:schemeClr val="accent1"/>
-          </a:effectRef>
-          <a:fontRef idx="minor">
-            <a:schemeClr val="lt1"/>
-          </a:fontRef>
-        </p:style>
-        <p:txBody>
-          <a:bodyPr rtlCol="0" anchor="ctr"/>
-          <a:lstStyle/>
-          <a:p>
-            <a:pPr algn="ctr"/>
-            <a:endParaRPr lang="en-US" sz="3730"/>
-          </a:p>
-        </p:txBody>
-      </p:sp>
-      <p:sp>
-        <p:nvSpPr>
-          <p:cNvPr id="246" name="Rectangle 245"/>
-          <p:cNvSpPr/>
-          <p:nvPr/>
-        </p:nvSpPr>
-        <p:spPr>
-          <a:xfrm>
-            <a:off x="9829800" y="2667000"/>
-            <a:ext cx="457200" cy="152400"/>
-          </a:xfrm>
-          <a:prstGeom prst="rect">
-            <a:avLst/>
-          </a:prstGeom>
-          <a:noFill/>
-          <a:ln>
-            <a:noFill/>
-          </a:ln>
-        </p:spPr>
-        <p:style>
-          <a:lnRef idx="2">
-            <a:schemeClr val="accent1">
-              <a:shade val="50000"/>
-            </a:schemeClr>
-          </a:lnRef>
-          <a:fillRef idx="1">
-            <a:schemeClr val="accent1"/>
-          </a:fillRef>
-          <a:effectRef idx="0">
-            <a:schemeClr val="accent1"/>
-          </a:effectRef>
-          <a:fontRef idx="minor">
-            <a:schemeClr val="lt1"/>
-          </a:fontRef>
-        </p:style>
-        <p:txBody>
-          <a:bodyPr wrap="none" lIns="45720" rIns="45720" rtlCol="0" anchor="ctr"/>
-          <a:lstStyle/>
-          <a:p>
-            <a:r>
-              <a:rPr lang="en-US" sz="900" dirty="0" smtClean="0">
-                <a:solidFill>
-                  <a:srgbClr val="000000"/>
-                </a:solidFill>
-                <a:latin typeface="Courier New" panose="02070309020205020404" pitchFamily="49" charset="0"/>
-                <a:cs typeface="Courier New" panose="02070309020205020404" pitchFamily="49" charset="0"/>
-              </a:rPr>
-              <a:t>32</a:t>
-            </a:r>
-            <a:r>
-              <a:rPr lang="en-US" sz="900" dirty="0" smtClean="0">
-                <a:solidFill>
-                  <a:srgbClr val="000000"/>
-                </a:solidFill>
-                <a:latin typeface="Courier New" panose="02070309020205020404" pitchFamily="49" charset="0"/>
-                <a:cs typeface="Courier New" panose="02070309020205020404" pitchFamily="49" charset="0"/>
-              </a:rPr>
-              <a:t>’b10..00</a:t>
-            </a:r>
-            <a:endParaRPr lang="en-US" sz="900" dirty="0">
-              <a:solidFill>
-                <a:srgbClr val="000000"/>
-              </a:solidFill>
-              <a:latin typeface="Courier New" panose="02070309020205020404" pitchFamily="49" charset="0"/>
-              <a:cs typeface="Courier New" panose="02070309020205020404" pitchFamily="49" charset="0"/>
-            </a:endParaRPr>
-          </a:p>
-        </p:txBody>
-      </p:sp>
-      <p:sp>
-        <p:nvSpPr>
-          <p:cNvPr id="248" name="Rectangle 247"/>
-          <p:cNvSpPr/>
-          <p:nvPr/>
-        </p:nvSpPr>
-        <p:spPr>
-          <a:xfrm>
-            <a:off x="9829800" y="3124200"/>
-            <a:ext cx="457200" cy="152400"/>
-          </a:xfrm>
-          <a:prstGeom prst="rect">
-            <a:avLst/>
-          </a:prstGeom>
-          <a:noFill/>
-          <a:ln>
-            <a:noFill/>
-          </a:ln>
-        </p:spPr>
-        <p:style>
-          <a:lnRef idx="2">
-            <a:schemeClr val="accent1">
-              <a:shade val="50000"/>
-            </a:schemeClr>
-          </a:lnRef>
-          <a:fillRef idx="1">
-            <a:schemeClr val="accent1"/>
-          </a:fillRef>
-          <a:effectRef idx="0">
-            <a:schemeClr val="accent1"/>
-          </a:effectRef>
-          <a:fontRef idx="minor">
-            <a:schemeClr val="lt1"/>
-          </a:fontRef>
-        </p:style>
-        <p:txBody>
-          <a:bodyPr wrap="none" lIns="45720" rIns="45720" rtlCol="0" anchor="ctr"/>
-          <a:lstStyle/>
-          <a:p>
-            <a:r>
-              <a:rPr lang="en-US" sz="900" dirty="0" smtClean="0">
-                <a:solidFill>
-                  <a:srgbClr val="000000"/>
-                </a:solidFill>
-                <a:latin typeface="Courier New" panose="02070309020205020404" pitchFamily="49" charset="0"/>
-                <a:cs typeface="Courier New" panose="02070309020205020404" pitchFamily="49" charset="0"/>
-              </a:rPr>
-              <a:t>32</a:t>
-            </a:r>
-            <a:r>
-              <a:rPr lang="en-US" sz="900" dirty="0" smtClean="0">
-                <a:solidFill>
-                  <a:srgbClr val="000000"/>
-                </a:solidFill>
-                <a:latin typeface="Courier New" panose="02070309020205020404" pitchFamily="49" charset="0"/>
-                <a:cs typeface="Courier New" panose="02070309020205020404" pitchFamily="49" charset="0"/>
-              </a:rPr>
-              <a:t>’b?1..00</a:t>
-            </a:r>
-            <a:endParaRPr lang="en-US" sz="900" dirty="0">
-              <a:solidFill>
-                <a:srgbClr val="000000"/>
-              </a:solidFill>
-              <a:latin typeface="Courier New" panose="02070309020205020404" pitchFamily="49" charset="0"/>
-              <a:cs typeface="Courier New" panose="02070309020205020404" pitchFamily="49" charset="0"/>
-            </a:endParaRPr>
-          </a:p>
-        </p:txBody>
-      </p:sp>
-      <p:sp>
-        <p:nvSpPr>
-          <p:cNvPr id="250" name="Rectangle 249"/>
-          <p:cNvSpPr/>
-          <p:nvPr/>
-        </p:nvSpPr>
-        <p:spPr>
-          <a:xfrm>
-            <a:off x="9829800" y="4495800"/>
-            <a:ext cx="457200" cy="152400"/>
-          </a:xfrm>
-          <a:prstGeom prst="rect">
-            <a:avLst/>
-          </a:prstGeom>
-          <a:noFill/>
-          <a:ln>
-            <a:noFill/>
-          </a:ln>
-        </p:spPr>
-        <p:style>
-          <a:lnRef idx="2">
-            <a:schemeClr val="accent1">
-              <a:shade val="50000"/>
-            </a:schemeClr>
-          </a:lnRef>
-          <a:fillRef idx="1">
-            <a:schemeClr val="accent1"/>
-          </a:fillRef>
-          <a:effectRef idx="0">
-            <a:schemeClr val="accent1"/>
-          </a:effectRef>
-          <a:fontRef idx="minor">
-            <a:schemeClr val="lt1"/>
-          </a:fontRef>
-        </p:style>
-        <p:txBody>
-          <a:bodyPr wrap="none" lIns="45720" rIns="45720" rtlCol="0" anchor="ctr"/>
-          <a:lstStyle/>
-          <a:p>
-            <a:r>
-              <a:rPr lang="en-US" sz="900" dirty="0" smtClean="0">
-                <a:solidFill>
-                  <a:srgbClr val="000000"/>
-                </a:solidFill>
-                <a:latin typeface="Courier New" panose="02070309020205020404" pitchFamily="49" charset="0"/>
-                <a:cs typeface="Courier New" panose="02070309020205020404" pitchFamily="49" charset="0"/>
-              </a:rPr>
-              <a:t>32</a:t>
-            </a:r>
-            <a:r>
-              <a:rPr lang="en-US" sz="900" dirty="0" smtClean="0">
-                <a:solidFill>
-                  <a:srgbClr val="000000"/>
-                </a:solidFill>
-                <a:latin typeface="Courier New" panose="02070309020205020404" pitchFamily="49" charset="0"/>
-                <a:cs typeface="Courier New" panose="02070309020205020404" pitchFamily="49" charset="0"/>
-              </a:rPr>
-              <a:t>’b??..?1</a:t>
-            </a:r>
-            <a:endParaRPr lang="en-US" sz="900" dirty="0">
-              <a:solidFill>
-                <a:srgbClr val="000000"/>
-              </a:solidFill>
-              <a:latin typeface="Courier New" panose="02070309020205020404" pitchFamily="49" charset="0"/>
-              <a:cs typeface="Courier New" panose="02070309020205020404" pitchFamily="49" charset="0"/>
-            </a:endParaRPr>
-          </a:p>
-        </p:txBody>
-      </p:sp>
-      <p:cxnSp>
-        <p:nvCxnSpPr>
-          <p:cNvPr id="264" name="Straight Connector 263"/>
-          <p:cNvCxnSpPr>
-            <a:endCxn id="211" idx="0"/>
-          </p:cNvCxnSpPr>
-          <p:nvPr/>
-        </p:nvCxnSpPr>
-        <p:spPr>
-          <a:xfrm>
-            <a:off x="5791200" y="6019800"/>
-            <a:ext cx="0" cy="533400"/>
-          </a:xfrm>
-          <a:prstGeom prst="line">
-            <a:avLst/>
-          </a:prstGeom>
-          <a:ln w="12700">
-            <a:solidFill>
-              <a:srgbClr val="000000"/>
-            </a:solidFill>
-            <a:headEnd type="oval" w="med" len="med"/>
-            <a:tailEnd type="triangle" w="med" len="med"/>
-          </a:ln>
-        </p:spPr>
-        <p:style>
-          <a:lnRef idx="1">
-            <a:schemeClr val="accent1"/>
-          </a:lnRef>
-          <a:fillRef idx="0">
-            <a:schemeClr val="accent1"/>
-          </a:fillRef>
-          <a:effectRef idx="0">
-            <a:schemeClr val="accent1"/>
-          </a:effectRef>
-          <a:fontRef idx="minor">
-            <a:schemeClr val="tx1"/>
-          </a:fontRef>
-        </p:style>
-      </p:cxnSp>
-      <p:sp>
-        <p:nvSpPr>
-          <p:cNvPr id="266" name="Rectangle 265"/>
-          <p:cNvSpPr/>
-          <p:nvPr/>
-        </p:nvSpPr>
-        <p:spPr>
-          <a:xfrm>
-            <a:off x="9829800" y="4800600"/>
-            <a:ext cx="457200" cy="152400"/>
-          </a:xfrm>
-          <a:prstGeom prst="rect">
-            <a:avLst/>
-          </a:prstGeom>
-          <a:noFill/>
-          <a:ln>
-            <a:noFill/>
-          </a:ln>
-        </p:spPr>
-        <p:style>
-          <a:lnRef idx="2">
-            <a:schemeClr val="accent1">
-              <a:shade val="50000"/>
-            </a:schemeClr>
-          </a:lnRef>
-          <a:fillRef idx="1">
-            <a:schemeClr val="accent1"/>
-          </a:fillRef>
-          <a:effectRef idx="0">
-            <a:schemeClr val="accent1"/>
-          </a:effectRef>
-          <a:fontRef idx="minor">
-            <a:schemeClr val="lt1"/>
-          </a:fontRef>
-        </p:style>
-        <p:txBody>
-          <a:bodyPr wrap="none" lIns="45720" rIns="45720" rtlCol="0" anchor="ctr"/>
-          <a:lstStyle/>
-          <a:p>
-            <a:r>
-              <a:rPr lang="en-US" sz="900" dirty="0" smtClean="0">
-                <a:solidFill>
-                  <a:srgbClr val="000000"/>
-                </a:solidFill>
-                <a:latin typeface="Courier New" panose="02070309020205020404" pitchFamily="49" charset="0"/>
-                <a:cs typeface="Courier New" panose="02070309020205020404" pitchFamily="49" charset="0"/>
-              </a:rPr>
-              <a:t>else</a:t>
-            </a:r>
-            <a:endParaRPr lang="en-US" sz="900" dirty="0">
-              <a:solidFill>
-                <a:srgbClr val="000000"/>
-              </a:solidFill>
-              <a:latin typeface="Courier New" panose="02070309020205020404" pitchFamily="49" charset="0"/>
-              <a:cs typeface="Courier New" panose="02070309020205020404" pitchFamily="49" charset="0"/>
-            </a:endParaRPr>
-          </a:p>
-        </p:txBody>
-      </p:sp>
-      <p:cxnSp>
-        <p:nvCxnSpPr>
-          <p:cNvPr id="271" name="Straight Connector 270"/>
-          <p:cNvCxnSpPr/>
-          <p:nvPr/>
-        </p:nvCxnSpPr>
-        <p:spPr>
-          <a:xfrm>
-            <a:off x="9372600" y="4876800"/>
-            <a:ext cx="457200" cy="0"/>
-          </a:xfrm>
-          <a:prstGeom prst="line">
-            <a:avLst/>
-          </a:prstGeom>
-          <a:ln w="12700">
-            <a:solidFill>
-              <a:srgbClr val="000000"/>
-            </a:solidFill>
-            <a:headEnd type="none" w="med" len="med"/>
-            <a:tailEnd type="none" w="med" len="med"/>
-          </a:ln>
-        </p:spPr>
-        <p:style>
-          <a:lnRef idx="1">
-            <a:schemeClr val="accent1"/>
-          </a:lnRef>
-          <a:fillRef idx="0">
-            <a:schemeClr val="accent1"/>
-          </a:fillRef>
-          <a:effectRef idx="0">
-            <a:schemeClr val="accent1"/>
-          </a:effectRef>
-          <a:fontRef idx="minor">
-            <a:schemeClr val="tx1"/>
-          </a:fontRef>
-        </p:style>
-      </p:cxnSp>
-      <p:sp>
-        <p:nvSpPr>
-          <p:cNvPr id="273" name="Rectangle 272"/>
-          <p:cNvSpPr/>
-          <p:nvPr/>
-        </p:nvSpPr>
-        <p:spPr>
-          <a:xfrm>
-            <a:off x="9220200" y="4724400"/>
-            <a:ext cx="457200" cy="152400"/>
-          </a:xfrm>
-          <a:prstGeom prst="rect">
-            <a:avLst/>
-          </a:prstGeom>
-          <a:noFill/>
-          <a:ln>
-            <a:noFill/>
-          </a:ln>
-        </p:spPr>
-        <p:style>
-          <a:lnRef idx="2">
-            <a:schemeClr val="accent1">
-              <a:shade val="50000"/>
-            </a:schemeClr>
-          </a:lnRef>
-          <a:fillRef idx="1">
-            <a:schemeClr val="accent1"/>
-          </a:fillRef>
-          <a:effectRef idx="0">
-            <a:schemeClr val="accent1"/>
-          </a:effectRef>
-          <a:fontRef idx="minor">
-            <a:schemeClr val="lt1"/>
-          </a:fontRef>
-        </p:style>
-        <p:txBody>
-          <a:bodyPr wrap="none" lIns="45720" rIns="45720" rtlCol="0" anchor="ctr"/>
-          <a:lstStyle/>
-          <a:p>
-            <a:pPr algn="r"/>
-            <a:r>
-              <a:rPr lang="en-US" sz="900" dirty="0" smtClean="0">
-                <a:solidFill>
-                  <a:srgbClr val="000000"/>
-                </a:solidFill>
-                <a:latin typeface="Courier New" panose="02070309020205020404" pitchFamily="49" charset="0"/>
-                <a:cs typeface="Courier New" panose="02070309020205020404" pitchFamily="49" charset="0"/>
-              </a:rPr>
-              <a:t>32’d0</a:t>
-            </a:r>
-            <a:endParaRPr lang="en-US" sz="900" dirty="0">
-              <a:solidFill>
-                <a:srgbClr val="000000"/>
-              </a:solidFill>
-              <a:latin typeface="Courier New" panose="02070309020205020404" pitchFamily="49" charset="0"/>
-              <a:cs typeface="Courier New" panose="02070309020205020404" pitchFamily="49" charset="0"/>
-            </a:endParaRPr>
-          </a:p>
-        </p:txBody>
-      </p:sp>
-      <p:cxnSp>
-        <p:nvCxnSpPr>
-          <p:cNvPr id="282" name="Straight Connector 281"/>
-          <p:cNvCxnSpPr/>
-          <p:nvPr/>
-        </p:nvCxnSpPr>
-        <p:spPr>
-          <a:xfrm flipV="1">
-            <a:off x="2590800" y="1981200"/>
-            <a:ext cx="0" cy="533400"/>
-          </a:xfrm>
-          <a:prstGeom prst="line">
-            <a:avLst/>
-          </a:prstGeom>
-          <a:ln w="12700">
-            <a:solidFill>
-              <a:srgbClr val="000000"/>
-            </a:solidFill>
-            <a:headEnd type="oval" w="med" len="med"/>
-            <a:tailEnd type="none" w="med" len="med"/>
-          </a:ln>
-        </p:spPr>
-        <p:style>
-          <a:lnRef idx="1">
-            <a:schemeClr val="accent1"/>
-          </a:lnRef>
-          <a:fillRef idx="0">
-            <a:schemeClr val="accent1"/>
-          </a:fillRef>
-          <a:effectRef idx="0">
-            <a:schemeClr val="accent1"/>
-          </a:effectRef>
-          <a:fontRef idx="minor">
-            <a:schemeClr val="tx1"/>
-          </a:fontRef>
-        </p:style>
-      </p:cxnSp>
-      <p:sp>
-        <p:nvSpPr>
-          <p:cNvPr id="291" name="Pentagon 290"/>
-          <p:cNvSpPr/>
-          <p:nvPr/>
-        </p:nvSpPr>
-        <p:spPr>
-          <a:xfrm>
-            <a:off x="12192000" y="3733800"/>
-            <a:ext cx="228600" cy="152400"/>
-          </a:xfrm>
-          <a:prstGeom prst="homePlate">
-            <a:avLst/>
-          </a:prstGeom>
-          <a:noFill/>
-          <a:ln w="12700">
-            <a:solidFill>
-              <a:schemeClr val="tx1"/>
-            </a:solidFill>
-          </a:ln>
-        </p:spPr>
-        <p:style>
-          <a:lnRef idx="2">
-            <a:schemeClr val="accent1">
-              <a:shade val="50000"/>
-            </a:schemeClr>
-          </a:lnRef>
-          <a:fillRef idx="1">
-            <a:schemeClr val="accent1"/>
-          </a:fillRef>
-          <a:effectRef idx="0">
-            <a:schemeClr val="accent1"/>
-          </a:effectRef>
-          <a:fontRef idx="minor">
-            <a:schemeClr val="lt1"/>
-          </a:fontRef>
-        </p:style>
-        <p:txBody>
-          <a:bodyPr rot="0" spcFirstLastPara="0" vertOverflow="overflow" horzOverflow="overflow" vert="horz" wrap="square" lIns="91440" tIns="45720" rIns="91440" bIns="45720" numCol="1" spcCol="0" rtlCol="0" fromWordArt="0" anchor="ctr" anchorCtr="0" forceAA="0" compatLnSpc="1">
-            <a:prstTxWarp prst="textNoShape">
-              <a:avLst/>
-            </a:prstTxWarp>
-            <a:noAutofit/>
-          </a:bodyPr>
-          <a:lstStyle/>
-          <a:p>
-            <a:pPr algn="ctr"/>
-            <a:endParaRPr lang="en-US" sz="3730"/>
-          </a:p>
-        </p:txBody>
-      </p:sp>
-      <p:cxnSp>
-        <p:nvCxnSpPr>
-          <p:cNvPr id="293" name="Straight Connector 292"/>
-          <p:cNvCxnSpPr>
-            <a:stCxn id="238" idx="0"/>
-            <a:endCxn id="291" idx="1"/>
-          </p:cNvCxnSpPr>
-          <p:nvPr/>
-        </p:nvCxnSpPr>
-        <p:spPr>
-          <a:xfrm>
-            <a:off x="10668000" y="3810000"/>
-            <a:ext cx="1524000" cy="0"/>
-          </a:xfrm>
-          <a:prstGeom prst="line">
-            <a:avLst/>
-          </a:prstGeom>
-          <a:ln w="12700">
-            <a:solidFill>
-              <a:srgbClr val="000000"/>
-            </a:solidFill>
-            <a:headEnd type="none" w="med" len="med"/>
-            <a:tailEnd type="none" w="med" len="med"/>
-          </a:ln>
-        </p:spPr>
-        <p:style>
-          <a:lnRef idx="1">
-            <a:schemeClr val="accent1"/>
-          </a:lnRef>
-          <a:fillRef idx="0">
-            <a:schemeClr val="accent1"/>
-          </a:fillRef>
-          <a:effectRef idx="0">
-            <a:schemeClr val="accent1"/>
-          </a:effectRef>
-          <a:fontRef idx="minor">
-            <a:schemeClr val="tx1"/>
-          </a:fontRef>
-        </p:style>
-      </p:cxnSp>
-      <p:sp>
-        <p:nvSpPr>
-          <p:cNvPr id="296" name="Moon 295"/>
-          <p:cNvSpPr/>
-          <p:nvPr/>
-        </p:nvSpPr>
-        <p:spPr>
-          <a:xfrm rot="10800000">
-            <a:off x="10744200" y="6019799"/>
-            <a:ext cx="304800" cy="304800"/>
-          </a:xfrm>
-          <a:prstGeom prst="moon">
-            <a:avLst>
-              <a:gd name="adj" fmla="val 74720"/>
-            </a:avLst>
-          </a:prstGeom>
-          <a:solidFill>
-            <a:schemeClr val="bg1"/>
-          </a:solidFill>
-          <a:ln w="12700">
-            <a:solidFill>
-              <a:srgbClr val="000000"/>
-            </a:solidFill>
-          </a:ln>
-        </p:spPr>
-        <p:style>
-          <a:lnRef idx="2">
-            <a:schemeClr val="accent1">
-              <a:shade val="50000"/>
-            </a:schemeClr>
-          </a:lnRef>
-          <a:fillRef idx="1">
-            <a:schemeClr val="accent1"/>
-          </a:fillRef>
-          <a:effectRef idx="0">
-            <a:schemeClr val="accent1"/>
-          </a:effectRef>
-          <a:fontRef idx="minor">
-            <a:schemeClr val="lt1"/>
-          </a:fontRef>
-        </p:style>
-        <p:txBody>
-          <a:bodyPr rtlCol="0" anchor="ctr"/>
-          <a:lstStyle/>
-          <a:p>
-            <a:pPr algn="ctr"/>
-            <a:endParaRPr lang="en-US" sz="3730"/>
-          </a:p>
-        </p:txBody>
-      </p:sp>
-      <p:cxnSp>
-        <p:nvCxnSpPr>
-          <p:cNvPr id="297" name="Straight Connector 296"/>
-          <p:cNvCxnSpPr/>
-          <p:nvPr/>
-        </p:nvCxnSpPr>
-        <p:spPr>
-          <a:xfrm flipV="1">
-            <a:off x="10287000" y="5105400"/>
-            <a:ext cx="0" cy="1066800"/>
-          </a:xfrm>
-          <a:prstGeom prst="line">
-            <a:avLst/>
-          </a:prstGeom>
-          <a:ln w="12700">
-            <a:solidFill>
-              <a:srgbClr val="000000"/>
-            </a:solidFill>
-            <a:headEnd type="oval" w="med" len="med"/>
-            <a:tailEnd type="none" w="med" len="med"/>
-          </a:ln>
-        </p:spPr>
-        <p:style>
-          <a:lnRef idx="1">
-            <a:schemeClr val="accent1"/>
-          </a:lnRef>
-          <a:fillRef idx="0">
-            <a:schemeClr val="accent1"/>
-          </a:fillRef>
-          <a:effectRef idx="0">
-            <a:schemeClr val="accent1"/>
-          </a:effectRef>
-          <a:fontRef idx="minor">
-            <a:schemeClr val="tx1"/>
-          </a:fontRef>
-        </p:style>
-      </p:cxnSp>
-      <p:sp>
-        <p:nvSpPr>
-          <p:cNvPr id="299" name="Pentagon 298"/>
-          <p:cNvSpPr/>
-          <p:nvPr/>
-        </p:nvSpPr>
-        <p:spPr>
-          <a:xfrm>
-            <a:off x="12192000" y="6095999"/>
-            <a:ext cx="228600" cy="152400"/>
-          </a:xfrm>
-          <a:prstGeom prst="homePlate">
-            <a:avLst/>
-          </a:prstGeom>
-          <a:noFill/>
-          <a:ln w="12700">
-            <a:solidFill>
-              <a:schemeClr val="tx1"/>
-            </a:solidFill>
-          </a:ln>
-        </p:spPr>
-        <p:style>
-          <a:lnRef idx="2">
-            <a:schemeClr val="accent1">
-              <a:shade val="50000"/>
-            </a:schemeClr>
-          </a:lnRef>
-          <a:fillRef idx="1">
-            <a:schemeClr val="accent1"/>
-          </a:fillRef>
-          <a:effectRef idx="0">
-            <a:schemeClr val="accent1"/>
-          </a:effectRef>
-          <a:fontRef idx="minor">
-            <a:schemeClr val="lt1"/>
-          </a:fontRef>
-        </p:style>
-        <p:txBody>
-          <a:bodyPr rot="0" spcFirstLastPara="0" vertOverflow="overflow" horzOverflow="overflow" vert="horz" wrap="square" lIns="91440" tIns="45720" rIns="91440" bIns="45720" numCol="1" spcCol="0" rtlCol="0" fromWordArt="0" anchor="ctr" anchorCtr="0" forceAA="0" compatLnSpc="1">
-            <a:prstTxWarp prst="textNoShape">
-              <a:avLst/>
-            </a:prstTxWarp>
-            <a:noAutofit/>
-          </a:bodyPr>
-          <a:lstStyle/>
-          <a:p>
-            <a:pPr algn="ctr"/>
-            <a:endParaRPr lang="en-US" sz="3730"/>
-          </a:p>
-        </p:txBody>
-      </p:sp>
-      <p:cxnSp>
-        <p:nvCxnSpPr>
-          <p:cNvPr id="300" name="Straight Connector 299"/>
-          <p:cNvCxnSpPr>
-            <a:stCxn id="296" idx="1"/>
-            <a:endCxn id="299" idx="1"/>
-          </p:cNvCxnSpPr>
-          <p:nvPr/>
-        </p:nvCxnSpPr>
-        <p:spPr>
-          <a:xfrm>
-            <a:off x="11049000" y="6172199"/>
-            <a:ext cx="1143000" cy="0"/>
-          </a:xfrm>
-          <a:prstGeom prst="line">
-            <a:avLst/>
-          </a:prstGeom>
-          <a:ln w="12700">
-            <a:solidFill>
-              <a:srgbClr val="000000"/>
-            </a:solidFill>
-            <a:headEnd type="none" w="med" len="med"/>
-            <a:tailEnd type="none" w="med" len="med"/>
-          </a:ln>
-        </p:spPr>
-        <p:style>
-          <a:lnRef idx="1">
-            <a:schemeClr val="accent1"/>
-          </a:lnRef>
-          <a:fillRef idx="0">
-            <a:schemeClr val="accent1"/>
-          </a:fillRef>
-          <a:effectRef idx="0">
-            <a:schemeClr val="accent1"/>
-          </a:effectRef>
-          <a:fontRef idx="minor">
-            <a:schemeClr val="tx1"/>
-          </a:fontRef>
-        </p:style>
-      </p:cxnSp>
-      <p:cxnSp>
-        <p:nvCxnSpPr>
-          <p:cNvPr id="93" name="Straight Connector 92"/>
-          <p:cNvCxnSpPr/>
-          <p:nvPr/>
-        </p:nvCxnSpPr>
-        <p:spPr>
-          <a:xfrm flipV="1">
-            <a:off x="609600" y="2667000"/>
-            <a:ext cx="152400" cy="152404"/>
-          </a:xfrm>
-          <a:prstGeom prst="line">
-            <a:avLst/>
-          </a:prstGeom>
-          <a:ln w="12700">
-            <a:solidFill>
-              <a:srgbClr val="000000"/>
-            </a:solidFill>
-            <a:headEnd type="none" w="med" len="med"/>
-            <a:tailEnd type="none" w="med" len="med"/>
-          </a:ln>
-        </p:spPr>
-        <p:style>
-          <a:lnRef idx="1">
-            <a:schemeClr val="accent1"/>
-          </a:lnRef>
-          <a:fillRef idx="0">
-            <a:schemeClr val="accent1"/>
-          </a:fillRef>
-          <a:effectRef idx="0">
-            <a:schemeClr val="accent1"/>
-          </a:effectRef>
-          <a:fontRef idx="minor">
-            <a:schemeClr val="tx1"/>
-          </a:fontRef>
-        </p:style>
-      </p:cxnSp>
-      <p:sp>
-        <p:nvSpPr>
-          <p:cNvPr id="94" name="Rectangle 93"/>
-          <p:cNvSpPr/>
-          <p:nvPr/>
-        </p:nvSpPr>
-        <p:spPr>
-          <a:xfrm>
-            <a:off x="838200" y="2590800"/>
-            <a:ext cx="457200" cy="152400"/>
-          </a:xfrm>
-          <a:prstGeom prst="rect">
-            <a:avLst/>
-          </a:prstGeom>
-          <a:noFill/>
-          <a:ln>
-            <a:noFill/>
-          </a:ln>
-        </p:spPr>
-        <p:style>
-          <a:lnRef idx="2">
-            <a:schemeClr val="accent1">
-              <a:shade val="50000"/>
-            </a:schemeClr>
-          </a:lnRef>
-          <a:fillRef idx="1">
-            <a:schemeClr val="accent1"/>
-          </a:fillRef>
-          <a:effectRef idx="0">
-            <a:schemeClr val="accent1"/>
-          </a:effectRef>
-          <a:fontRef idx="minor">
-            <a:schemeClr val="lt1"/>
-          </a:fontRef>
-        </p:style>
-        <p:txBody>
-          <a:bodyPr wrap="none" lIns="45720" rIns="45720" rtlCol="0" anchor="ctr"/>
-          <a:lstStyle/>
-          <a:p>
-            <a:r>
-              <a:rPr lang="en-US" sz="900" dirty="0" smtClean="0">
-                <a:solidFill>
-                  <a:srgbClr val="000000"/>
-                </a:solidFill>
-                <a:latin typeface="Courier New" panose="02070309020205020404" pitchFamily="49" charset="0"/>
-                <a:cs typeface="Courier New" panose="02070309020205020404" pitchFamily="49" charset="0"/>
-              </a:rPr>
-              <a:t>DIN</a:t>
-            </a:r>
-            <a:endParaRPr lang="en-US" sz="900" dirty="0">
-              <a:solidFill>
-                <a:srgbClr val="000000"/>
-              </a:solidFill>
-              <a:latin typeface="Courier New" panose="02070309020205020404" pitchFamily="49" charset="0"/>
-              <a:cs typeface="Courier New" panose="02070309020205020404" pitchFamily="49" charset="0"/>
-            </a:endParaRPr>
-          </a:p>
-        </p:txBody>
-      </p:sp>
-      <p:sp>
-        <p:nvSpPr>
-          <p:cNvPr id="95" name="Rectangle 94"/>
-          <p:cNvSpPr/>
-          <p:nvPr/>
-        </p:nvSpPr>
-        <p:spPr>
-          <a:xfrm>
-            <a:off x="609601" y="2590800"/>
-            <a:ext cx="152400" cy="76200"/>
-          </a:xfrm>
-          <a:prstGeom prst="rect">
-            <a:avLst/>
-          </a:prstGeom>
-          <a:noFill/>
-          <a:ln>
-            <a:noFill/>
-          </a:ln>
-        </p:spPr>
-        <p:style>
-          <a:lnRef idx="2">
-            <a:schemeClr val="accent1">
-              <a:shade val="50000"/>
-            </a:schemeClr>
-          </a:lnRef>
-          <a:fillRef idx="1">
-            <a:schemeClr val="accent1"/>
-          </a:fillRef>
-          <a:effectRef idx="0">
-            <a:schemeClr val="accent1"/>
-          </a:effectRef>
-          <a:fontRef idx="minor">
-            <a:schemeClr val="lt1"/>
-          </a:fontRef>
-        </p:style>
-        <p:txBody>
-          <a:bodyPr wrap="none" lIns="45720" rIns="45720" rtlCol="0" anchor="ctr"/>
-          <a:lstStyle/>
-          <a:p>
-            <a:pPr algn="ctr"/>
-            <a:r>
-              <a:rPr lang="en-US" sz="900" dirty="0" smtClean="0">
-                <a:solidFill>
-                  <a:srgbClr val="000000"/>
-                </a:solidFill>
-                <a:latin typeface="Courier New" panose="02070309020205020404" pitchFamily="49" charset="0"/>
-                <a:cs typeface="Courier New" panose="02070309020205020404" pitchFamily="49" charset="0"/>
-              </a:rPr>
-              <a:t>32</a:t>
-            </a:r>
-            <a:endParaRPr lang="en-US" sz="900" dirty="0">
-              <a:solidFill>
-                <a:srgbClr val="000000"/>
-              </a:solidFill>
-              <a:latin typeface="Courier New" panose="02070309020205020404" pitchFamily="49" charset="0"/>
-              <a:cs typeface="Courier New" panose="02070309020205020404" pitchFamily="49" charset="0"/>
-            </a:endParaRPr>
-          </a:p>
-        </p:txBody>
-      </p:sp>
-      <p:cxnSp>
-        <p:nvCxnSpPr>
-          <p:cNvPr id="96" name="Straight Connector 95"/>
-          <p:cNvCxnSpPr/>
-          <p:nvPr/>
-        </p:nvCxnSpPr>
-        <p:spPr>
-          <a:xfrm flipV="1">
-            <a:off x="2057400" y="2438400"/>
-            <a:ext cx="152400" cy="152404"/>
-          </a:xfrm>
-          <a:prstGeom prst="line">
-            <a:avLst/>
-          </a:prstGeom>
-          <a:ln w="12700">
-            <a:solidFill>
-              <a:srgbClr val="000000"/>
-            </a:solidFill>
-            <a:headEnd type="none" w="med" len="med"/>
-            <a:tailEnd type="none" w="med" len="med"/>
-          </a:ln>
-        </p:spPr>
-        <p:style>
-          <a:lnRef idx="1">
-            <a:schemeClr val="accent1"/>
-          </a:lnRef>
-          <a:fillRef idx="0">
-            <a:schemeClr val="accent1"/>
-          </a:fillRef>
-          <a:effectRef idx="0">
-            <a:schemeClr val="accent1"/>
-          </a:effectRef>
-          <a:fontRef idx="minor">
-            <a:schemeClr val="tx1"/>
-          </a:fontRef>
-        </p:style>
-      </p:cxnSp>
-      <p:sp>
-        <p:nvSpPr>
-          <p:cNvPr id="97" name="Rectangle 96"/>
-          <p:cNvSpPr/>
-          <p:nvPr/>
-        </p:nvSpPr>
-        <p:spPr>
-          <a:xfrm>
-            <a:off x="2286000" y="2514600"/>
-            <a:ext cx="457200" cy="152400"/>
-          </a:xfrm>
-          <a:prstGeom prst="rect">
-            <a:avLst/>
-          </a:prstGeom>
-          <a:noFill/>
-          <a:ln>
-            <a:noFill/>
-          </a:ln>
-        </p:spPr>
-        <p:style>
-          <a:lnRef idx="2">
-            <a:schemeClr val="accent1">
-              <a:shade val="50000"/>
-            </a:schemeClr>
-          </a:lnRef>
-          <a:fillRef idx="1">
-            <a:schemeClr val="accent1"/>
-          </a:fillRef>
-          <a:effectRef idx="0">
-            <a:schemeClr val="accent1"/>
-          </a:effectRef>
-          <a:fontRef idx="minor">
-            <a:schemeClr val="lt1"/>
-          </a:fontRef>
-        </p:style>
-        <p:txBody>
-          <a:bodyPr wrap="none" lIns="45720" rIns="45720" rtlCol="0" anchor="ctr"/>
-          <a:lstStyle/>
-          <a:p>
-            <a:r>
-              <a:rPr lang="en-US" sz="900" dirty="0" err="1" smtClean="0">
-                <a:solidFill>
-                  <a:srgbClr val="000000"/>
-                </a:solidFill>
-                <a:latin typeface="Courier New" panose="02070309020205020404" pitchFamily="49" charset="0"/>
-                <a:cs typeface="Courier New" panose="02070309020205020404" pitchFamily="49" charset="0"/>
-              </a:rPr>
-              <a:t>din_shift</a:t>
-            </a:r>
-            <a:endParaRPr lang="en-US" sz="900" dirty="0">
-              <a:solidFill>
-                <a:srgbClr val="000000"/>
-              </a:solidFill>
-              <a:latin typeface="Courier New" panose="02070309020205020404" pitchFamily="49" charset="0"/>
-              <a:cs typeface="Courier New" panose="02070309020205020404" pitchFamily="49" charset="0"/>
-            </a:endParaRPr>
-          </a:p>
-        </p:txBody>
-      </p:sp>
-      <p:sp>
-        <p:nvSpPr>
-          <p:cNvPr id="98" name="Rectangle 97"/>
-          <p:cNvSpPr/>
-          <p:nvPr/>
-        </p:nvSpPr>
-        <p:spPr>
-          <a:xfrm>
-            <a:off x="2057401" y="2362200"/>
-            <a:ext cx="152400" cy="76200"/>
-          </a:xfrm>
-          <a:prstGeom prst="rect">
-            <a:avLst/>
-          </a:prstGeom>
-          <a:noFill/>
-          <a:ln>
-            <a:noFill/>
-          </a:ln>
-        </p:spPr>
-        <p:style>
-          <a:lnRef idx="2">
-            <a:schemeClr val="accent1">
-              <a:shade val="50000"/>
-            </a:schemeClr>
-          </a:lnRef>
-          <a:fillRef idx="1">
-            <a:schemeClr val="accent1"/>
-          </a:fillRef>
-          <a:effectRef idx="0">
-            <a:schemeClr val="accent1"/>
-          </a:effectRef>
-          <a:fontRef idx="minor">
-            <a:schemeClr val="lt1"/>
-          </a:fontRef>
-        </p:style>
-        <p:txBody>
-          <a:bodyPr wrap="none" lIns="45720" rIns="45720" rtlCol="0" anchor="ctr"/>
-          <a:lstStyle/>
-          <a:p>
-            <a:pPr algn="ctr"/>
-            <a:r>
-              <a:rPr lang="en-US" sz="900" dirty="0" smtClean="0">
-                <a:solidFill>
-                  <a:srgbClr val="000000"/>
-                </a:solidFill>
-                <a:latin typeface="Courier New" panose="02070309020205020404" pitchFamily="49" charset="0"/>
-                <a:cs typeface="Courier New" panose="02070309020205020404" pitchFamily="49" charset="0"/>
-              </a:rPr>
-              <a:t>64</a:t>
-            </a:r>
-            <a:endParaRPr lang="en-US" sz="900" dirty="0">
-              <a:solidFill>
-                <a:srgbClr val="000000"/>
-              </a:solidFill>
-              <a:latin typeface="Courier New" panose="02070309020205020404" pitchFamily="49" charset="0"/>
-              <a:cs typeface="Courier New" panose="02070309020205020404" pitchFamily="49" charset="0"/>
-            </a:endParaRPr>
-          </a:p>
-        </p:txBody>
-      </p:sp>
-      <p:cxnSp>
-        <p:nvCxnSpPr>
-          <p:cNvPr id="99" name="Straight Connector 98"/>
-          <p:cNvCxnSpPr/>
-          <p:nvPr/>
-        </p:nvCxnSpPr>
-        <p:spPr>
-          <a:xfrm flipV="1">
-            <a:off x="1066799" y="1676400"/>
-            <a:ext cx="152400" cy="152404"/>
-          </a:xfrm>
-          <a:prstGeom prst="line">
-            <a:avLst/>
-          </a:prstGeom>
-          <a:ln w="12700">
-            <a:solidFill>
-              <a:srgbClr val="000000"/>
-            </a:solidFill>
-            <a:headEnd type="none" w="med" len="med"/>
-            <a:tailEnd type="none" w="med" len="med"/>
-          </a:ln>
-        </p:spPr>
-        <p:style>
-          <a:lnRef idx="1">
-            <a:schemeClr val="accent1"/>
-          </a:lnRef>
-          <a:fillRef idx="0">
-            <a:schemeClr val="accent1"/>
-          </a:fillRef>
-          <a:effectRef idx="0">
-            <a:schemeClr val="accent1"/>
-          </a:effectRef>
-          <a:fontRef idx="minor">
-            <a:schemeClr val="tx1"/>
-          </a:fontRef>
-        </p:style>
-      </p:cxnSp>
-      <p:sp>
-        <p:nvSpPr>
-          <p:cNvPr id="100" name="Rectangle 99"/>
-          <p:cNvSpPr/>
-          <p:nvPr/>
-        </p:nvSpPr>
-        <p:spPr>
-          <a:xfrm>
-            <a:off x="1066800" y="1600200"/>
-            <a:ext cx="152400" cy="76200"/>
-          </a:xfrm>
-          <a:prstGeom prst="rect">
-            <a:avLst/>
-          </a:prstGeom>
-          <a:noFill/>
-          <a:ln>
-            <a:noFill/>
-          </a:ln>
-        </p:spPr>
-        <p:style>
-          <a:lnRef idx="2">
-            <a:schemeClr val="accent1">
-              <a:shade val="50000"/>
-            </a:schemeClr>
-          </a:lnRef>
-          <a:fillRef idx="1">
-            <a:schemeClr val="accent1"/>
-          </a:fillRef>
-          <a:effectRef idx="0">
-            <a:schemeClr val="accent1"/>
-          </a:effectRef>
-          <a:fontRef idx="minor">
-            <a:schemeClr val="lt1"/>
-          </a:fontRef>
-        </p:style>
-        <p:txBody>
-          <a:bodyPr wrap="none" lIns="45720" rIns="45720" rtlCol="0" anchor="ctr"/>
-          <a:lstStyle/>
-          <a:p>
-            <a:pPr algn="ctr"/>
-            <a:r>
-              <a:rPr lang="en-US" sz="900" dirty="0" smtClean="0">
-                <a:solidFill>
-                  <a:srgbClr val="000000"/>
-                </a:solidFill>
-                <a:latin typeface="Courier New" panose="02070309020205020404" pitchFamily="49" charset="0"/>
-                <a:cs typeface="Courier New" panose="02070309020205020404" pitchFamily="49" charset="0"/>
-              </a:rPr>
-              <a:t>32</a:t>
-            </a:r>
-            <a:endParaRPr lang="en-US" sz="900" dirty="0">
-              <a:solidFill>
-                <a:srgbClr val="000000"/>
-              </a:solidFill>
-              <a:latin typeface="Courier New" panose="02070309020205020404" pitchFamily="49" charset="0"/>
-              <a:cs typeface="Courier New" panose="02070309020205020404" pitchFamily="49" charset="0"/>
-            </a:endParaRPr>
-          </a:p>
-        </p:txBody>
-      </p:sp>
-      <p:cxnSp>
-        <p:nvCxnSpPr>
-          <p:cNvPr id="106" name="Straight Connector 105"/>
-          <p:cNvCxnSpPr/>
-          <p:nvPr/>
-        </p:nvCxnSpPr>
-        <p:spPr>
-          <a:xfrm flipV="1">
-            <a:off x="1066800" y="1904996"/>
-            <a:ext cx="152400" cy="152404"/>
-          </a:xfrm>
-          <a:prstGeom prst="line">
-            <a:avLst/>
-          </a:prstGeom>
-          <a:ln w="12700">
-            <a:solidFill>
-              <a:srgbClr val="000000"/>
-            </a:solidFill>
-            <a:headEnd type="none" w="med" len="med"/>
-            <a:tailEnd type="none" w="med" len="med"/>
-          </a:ln>
-        </p:spPr>
-        <p:style>
-          <a:lnRef idx="1">
-            <a:schemeClr val="accent1"/>
-          </a:lnRef>
-          <a:fillRef idx="0">
-            <a:schemeClr val="accent1"/>
-          </a:fillRef>
-          <a:effectRef idx="0">
-            <a:schemeClr val="accent1"/>
-          </a:effectRef>
-          <a:fontRef idx="minor">
-            <a:schemeClr val="tx1"/>
-          </a:fontRef>
-        </p:style>
-      </p:cxnSp>
-      <p:sp>
-        <p:nvSpPr>
-          <p:cNvPr id="107" name="Rectangle 106"/>
-          <p:cNvSpPr/>
-          <p:nvPr/>
-        </p:nvSpPr>
-        <p:spPr>
-          <a:xfrm>
-            <a:off x="1066801" y="1828796"/>
-            <a:ext cx="152400" cy="76200"/>
-          </a:xfrm>
-          <a:prstGeom prst="rect">
-            <a:avLst/>
-          </a:prstGeom>
-          <a:noFill/>
-          <a:ln>
-            <a:noFill/>
-          </a:ln>
-        </p:spPr>
-        <p:style>
-          <a:lnRef idx="2">
-            <a:schemeClr val="accent1">
-              <a:shade val="50000"/>
-            </a:schemeClr>
-          </a:lnRef>
-          <a:fillRef idx="1">
-            <a:schemeClr val="accent1"/>
-          </a:fillRef>
-          <a:effectRef idx="0">
-            <a:schemeClr val="accent1"/>
-          </a:effectRef>
-          <a:fontRef idx="minor">
-            <a:schemeClr val="lt1"/>
-          </a:fontRef>
-        </p:style>
-        <p:txBody>
-          <a:bodyPr wrap="none" lIns="45720" rIns="45720" rtlCol="0" anchor="ctr"/>
-          <a:lstStyle/>
-          <a:p>
-            <a:pPr algn="ctr"/>
-            <a:r>
-              <a:rPr lang="en-US" sz="900" dirty="0" smtClean="0">
-                <a:solidFill>
-                  <a:srgbClr val="000000"/>
-                </a:solidFill>
-                <a:latin typeface="Courier New" panose="02070309020205020404" pitchFamily="49" charset="0"/>
-                <a:cs typeface="Courier New" panose="02070309020205020404" pitchFamily="49" charset="0"/>
-              </a:rPr>
-              <a:t>32</a:t>
-            </a:r>
-            <a:endParaRPr lang="en-US" sz="900" dirty="0">
-              <a:solidFill>
-                <a:srgbClr val="000000"/>
-              </a:solidFill>
-              <a:latin typeface="Courier New" panose="02070309020205020404" pitchFamily="49" charset="0"/>
-              <a:cs typeface="Courier New" panose="02070309020205020404" pitchFamily="49" charset="0"/>
-            </a:endParaRPr>
-          </a:p>
-        </p:txBody>
-      </p:sp>
-      <p:cxnSp>
-        <p:nvCxnSpPr>
-          <p:cNvPr id="108" name="Straight Connector 107"/>
-          <p:cNvCxnSpPr/>
-          <p:nvPr/>
-        </p:nvCxnSpPr>
-        <p:spPr>
-          <a:xfrm>
-            <a:off x="3505200" y="4038600"/>
-            <a:ext cx="76200" cy="76200"/>
-          </a:xfrm>
-          <a:prstGeom prst="line">
-            <a:avLst/>
-          </a:prstGeom>
-          <a:ln w="12700">
-            <a:solidFill>
-              <a:srgbClr val="000000"/>
-            </a:solidFill>
-            <a:headEnd type="none" w="med" len="med"/>
-            <a:tailEnd type="none" w="med" len="med"/>
-          </a:ln>
-        </p:spPr>
-        <p:style>
-          <a:lnRef idx="1">
-            <a:schemeClr val="accent1"/>
-          </a:lnRef>
-          <a:fillRef idx="0">
-            <a:schemeClr val="accent1"/>
-          </a:fillRef>
-          <a:effectRef idx="0">
-            <a:schemeClr val="accent1"/>
-          </a:effectRef>
-          <a:fontRef idx="minor">
-            <a:schemeClr val="tx1"/>
-          </a:fontRef>
-        </p:style>
-      </p:cxnSp>
-      <p:sp>
-        <p:nvSpPr>
-          <p:cNvPr id="109" name="Rectangle 108"/>
-          <p:cNvSpPr/>
-          <p:nvPr/>
-        </p:nvSpPr>
-        <p:spPr>
-          <a:xfrm>
-            <a:off x="4572000" y="4267200"/>
-            <a:ext cx="152400" cy="152400"/>
-          </a:xfrm>
-          <a:prstGeom prst="rect">
-            <a:avLst/>
-          </a:prstGeom>
-          <a:noFill/>
-          <a:ln>
-            <a:solidFill>
-              <a:schemeClr val="tx1"/>
-            </a:solidFill>
-          </a:ln>
-        </p:spPr>
-        <p:style>
-          <a:lnRef idx="2">
-            <a:schemeClr val="accent1">
-              <a:shade val="50000"/>
-            </a:schemeClr>
-          </a:lnRef>
-          <a:fillRef idx="1">
-            <a:schemeClr val="accent1"/>
-          </a:fillRef>
-          <a:effectRef idx="0">
-            <a:schemeClr val="accent1"/>
-          </a:effectRef>
-          <a:fontRef idx="minor">
-            <a:schemeClr val="lt1"/>
-          </a:fontRef>
-        </p:style>
-        <p:txBody>
-          <a:bodyPr wrap="square" lIns="45720" rIns="45720" rtlCol="0" anchor="ctr"/>
-          <a:lstStyle/>
-          <a:p>
-            <a:pPr algn="ctr"/>
-            <a:r>
-              <a:rPr lang="en-US" sz="900" dirty="0">
-                <a:solidFill>
-                  <a:srgbClr val="000000"/>
-                </a:solidFill>
-                <a:latin typeface="Courier New" panose="02070309020205020404" pitchFamily="49" charset="0"/>
-                <a:cs typeface="Courier New" panose="02070309020205020404" pitchFamily="49" charset="0"/>
-              </a:rPr>
-              <a:t>=</a:t>
-            </a:r>
-          </a:p>
-        </p:txBody>
-      </p:sp>
-      <p:cxnSp>
-        <p:nvCxnSpPr>
-          <p:cNvPr id="111" name="Straight Connector 110"/>
-          <p:cNvCxnSpPr/>
-          <p:nvPr/>
-        </p:nvCxnSpPr>
-        <p:spPr>
-          <a:xfrm>
-            <a:off x="4724400" y="4343400"/>
-            <a:ext cx="762000" cy="0"/>
-          </a:xfrm>
-          <a:prstGeom prst="line">
-            <a:avLst/>
-          </a:prstGeom>
-          <a:ln w="12700">
-            <a:solidFill>
-              <a:srgbClr val="000000"/>
-            </a:solidFill>
-            <a:headEnd type="none" w="med" len="med"/>
-            <a:tailEnd type="none" w="med" len="med"/>
-          </a:ln>
-        </p:spPr>
-        <p:style>
-          <a:lnRef idx="1">
-            <a:schemeClr val="accent1"/>
-          </a:lnRef>
-          <a:fillRef idx="0">
-            <a:schemeClr val="accent1"/>
-          </a:fillRef>
-          <a:effectRef idx="0">
-            <a:schemeClr val="accent1"/>
-          </a:effectRef>
-          <a:fontRef idx="minor">
-            <a:schemeClr val="tx1"/>
-          </a:fontRef>
-        </p:style>
-      </p:cxnSp>
-      <p:cxnSp>
-        <p:nvCxnSpPr>
-          <p:cNvPr id="112" name="Straight Connector 111"/>
-          <p:cNvCxnSpPr/>
-          <p:nvPr/>
-        </p:nvCxnSpPr>
-        <p:spPr>
-          <a:xfrm>
-            <a:off x="5486400" y="4343400"/>
-            <a:ext cx="76200" cy="76200"/>
-          </a:xfrm>
-          <a:prstGeom prst="line">
-            <a:avLst/>
-          </a:prstGeom>
-          <a:ln w="12700">
-            <a:solidFill>
-              <a:srgbClr val="000000"/>
-            </a:solidFill>
-            <a:headEnd type="none" w="med" len="med"/>
-            <a:tailEnd type="none" w="med" len="med"/>
-          </a:ln>
-        </p:spPr>
-        <p:style>
-          <a:lnRef idx="1">
-            <a:schemeClr val="accent1"/>
-          </a:lnRef>
-          <a:fillRef idx="0">
-            <a:schemeClr val="accent1"/>
-          </a:fillRef>
-          <a:effectRef idx="0">
-            <a:schemeClr val="accent1"/>
-          </a:effectRef>
-          <a:fontRef idx="minor">
-            <a:schemeClr val="tx1"/>
-          </a:fontRef>
-        </p:style>
-      </p:cxnSp>
-      <p:cxnSp>
-        <p:nvCxnSpPr>
-          <p:cNvPr id="114" name="Straight Connector 113"/>
-          <p:cNvCxnSpPr/>
-          <p:nvPr/>
-        </p:nvCxnSpPr>
-        <p:spPr>
-          <a:xfrm>
-            <a:off x="4419600" y="4343400"/>
-            <a:ext cx="152400" cy="0"/>
-          </a:xfrm>
-          <a:prstGeom prst="line">
-            <a:avLst/>
-          </a:prstGeom>
-          <a:ln w="12700">
-            <a:solidFill>
-              <a:srgbClr val="000000"/>
-            </a:solidFill>
-            <a:headEnd type="oval" w="med" len="med"/>
-            <a:tailEnd type="triangle" w="med" len="med"/>
-          </a:ln>
-        </p:spPr>
-        <p:style>
-          <a:lnRef idx="1">
-            <a:schemeClr val="accent1"/>
-          </a:lnRef>
-          <a:fillRef idx="0">
-            <a:schemeClr val="accent1"/>
-          </a:fillRef>
-          <a:effectRef idx="0">
-            <a:schemeClr val="accent1"/>
-          </a:effectRef>
-          <a:fontRef idx="minor">
-            <a:schemeClr val="tx1"/>
-          </a:fontRef>
-        </p:style>
-      </p:cxnSp>
-      <p:cxnSp>
-        <p:nvCxnSpPr>
-          <p:cNvPr id="115" name="Straight Connector 114"/>
-          <p:cNvCxnSpPr/>
-          <p:nvPr/>
-        </p:nvCxnSpPr>
-        <p:spPr>
-          <a:xfrm>
-            <a:off x="4648200" y="4114800"/>
-            <a:ext cx="0" cy="152400"/>
-          </a:xfrm>
-          <a:prstGeom prst="line">
-            <a:avLst/>
-          </a:prstGeom>
-          <a:ln w="12700">
-            <a:solidFill>
-              <a:srgbClr val="000000"/>
-            </a:solidFill>
-            <a:headEnd type="oval" w="med" len="med"/>
-            <a:tailEnd type="triangle" w="med" len="med"/>
-          </a:ln>
-        </p:spPr>
-        <p:style>
-          <a:lnRef idx="1">
-            <a:schemeClr val="accent1"/>
-          </a:lnRef>
-          <a:fillRef idx="0">
-            <a:schemeClr val="accent1"/>
-          </a:fillRef>
-          <a:effectRef idx="0">
-            <a:schemeClr val="accent1"/>
-          </a:effectRef>
-          <a:fontRef idx="minor">
-            <a:schemeClr val="tx1"/>
-          </a:fontRef>
-        </p:style>
-      </p:cxnSp>
-      <p:cxnSp>
-        <p:nvCxnSpPr>
-          <p:cNvPr id="116" name="Straight Connector 115"/>
-          <p:cNvCxnSpPr/>
-          <p:nvPr/>
-        </p:nvCxnSpPr>
-        <p:spPr>
-          <a:xfrm>
-            <a:off x="3581400" y="4114800"/>
-            <a:ext cx="6248400" cy="0"/>
-          </a:xfrm>
-          <a:prstGeom prst="line">
-            <a:avLst/>
-          </a:prstGeom>
-          <a:ln w="12700">
-            <a:solidFill>
-              <a:srgbClr val="000000"/>
-            </a:solidFill>
-            <a:headEnd type="none" w="med" len="med"/>
-            <a:tailEnd type="none" w="med" len="med"/>
-          </a:ln>
-        </p:spPr>
-        <p:style>
-          <a:lnRef idx="1">
-            <a:schemeClr val="accent1"/>
-          </a:lnRef>
-          <a:fillRef idx="0">
-            <a:schemeClr val="accent1"/>
-          </a:fillRef>
-          <a:effectRef idx="0">
-            <a:schemeClr val="accent1"/>
-          </a:effectRef>
-          <a:fontRef idx="minor">
-            <a:schemeClr val="tx1"/>
-          </a:fontRef>
-        </p:style>
-      </p:cxnSp>
-      <p:sp>
-        <p:nvSpPr>
-          <p:cNvPr id="117" name="Rectangle 116"/>
-          <p:cNvSpPr/>
-          <p:nvPr/>
-        </p:nvSpPr>
-        <p:spPr>
-          <a:xfrm>
-            <a:off x="9829800" y="4038600"/>
-            <a:ext cx="457200" cy="152400"/>
-          </a:xfrm>
-          <a:prstGeom prst="rect">
-            <a:avLst/>
-          </a:prstGeom>
-          <a:noFill/>
-          <a:ln>
-            <a:noFill/>
-          </a:ln>
-        </p:spPr>
-        <p:style>
-          <a:lnRef idx="2">
-            <a:schemeClr val="accent1">
-              <a:shade val="50000"/>
-            </a:schemeClr>
-          </a:lnRef>
-          <a:fillRef idx="1">
-            <a:schemeClr val="accent1"/>
-          </a:fillRef>
-          <a:effectRef idx="0">
-            <a:schemeClr val="accent1"/>
-          </a:effectRef>
-          <a:fontRef idx="minor">
-            <a:schemeClr val="lt1"/>
-          </a:fontRef>
-        </p:style>
-        <p:txBody>
-          <a:bodyPr wrap="none" lIns="45720" rIns="45720" rtlCol="0" anchor="ctr"/>
-          <a:lstStyle/>
-          <a:p>
-            <a:r>
-              <a:rPr lang="en-US" sz="900" dirty="0" smtClean="0">
-                <a:solidFill>
-                  <a:srgbClr val="000000"/>
-                </a:solidFill>
-                <a:latin typeface="Courier New" panose="02070309020205020404" pitchFamily="49" charset="0"/>
-                <a:cs typeface="Courier New" panose="02070309020205020404" pitchFamily="49" charset="0"/>
-              </a:rPr>
-              <a:t>32</a:t>
-            </a:r>
-            <a:r>
-              <a:rPr lang="en-US" sz="900" dirty="0" smtClean="0">
-                <a:solidFill>
-                  <a:srgbClr val="000000"/>
-                </a:solidFill>
-                <a:latin typeface="Courier New" panose="02070309020205020404" pitchFamily="49" charset="0"/>
-                <a:cs typeface="Courier New" panose="02070309020205020404" pitchFamily="49" charset="0"/>
-              </a:rPr>
-              <a:t>’b??..10</a:t>
-            </a:r>
-            <a:endParaRPr lang="en-US" sz="900" dirty="0">
-              <a:solidFill>
-                <a:srgbClr val="000000"/>
-              </a:solidFill>
-              <a:latin typeface="Courier New" panose="02070309020205020404" pitchFamily="49" charset="0"/>
-              <a:cs typeface="Courier New" panose="02070309020205020404" pitchFamily="49" charset="0"/>
-            </a:endParaRPr>
-          </a:p>
-        </p:txBody>
-      </p:sp>
-      <p:cxnSp>
-        <p:nvCxnSpPr>
-          <p:cNvPr id="119" name="Straight Connector 118"/>
-          <p:cNvCxnSpPr/>
-          <p:nvPr/>
-        </p:nvCxnSpPr>
-        <p:spPr>
-          <a:xfrm>
-            <a:off x="3505200" y="3886200"/>
-            <a:ext cx="0" cy="609600"/>
-          </a:xfrm>
-          <a:prstGeom prst="line">
-            <a:avLst/>
-          </a:prstGeom>
-          <a:ln w="12700">
-            <a:solidFill>
-              <a:srgbClr val="000000"/>
-            </a:solidFill>
-            <a:headEnd type="none" w="med" len="med"/>
-            <a:tailEnd type="none" w="med" len="med"/>
-          </a:ln>
-        </p:spPr>
-        <p:style>
-          <a:lnRef idx="1">
-            <a:schemeClr val="accent1"/>
-          </a:lnRef>
-          <a:fillRef idx="0">
-            <a:schemeClr val="accent1"/>
-          </a:fillRef>
-          <a:effectRef idx="0">
-            <a:schemeClr val="accent1"/>
-          </a:effectRef>
-          <a:fontRef idx="minor">
-            <a:schemeClr val="tx1"/>
-          </a:fontRef>
-        </p:style>
-      </p:cxnSp>
-      <p:cxnSp>
-        <p:nvCxnSpPr>
-          <p:cNvPr id="121" name="Straight Connector 120"/>
-          <p:cNvCxnSpPr/>
-          <p:nvPr/>
-        </p:nvCxnSpPr>
-        <p:spPr>
-          <a:xfrm>
-            <a:off x="4419600" y="3886200"/>
-            <a:ext cx="0" cy="914400"/>
-          </a:xfrm>
-          <a:prstGeom prst="line">
-            <a:avLst/>
-          </a:prstGeom>
-          <a:ln w="12700">
-            <a:solidFill>
-              <a:srgbClr val="000000"/>
-            </a:solidFill>
-            <a:headEnd type="none" w="med" len="med"/>
-            <a:tailEnd type="none" w="med" len="med"/>
-          </a:ln>
-        </p:spPr>
-        <p:style>
-          <a:lnRef idx="1">
-            <a:schemeClr val="accent1"/>
-          </a:lnRef>
-          <a:fillRef idx="0">
-            <a:schemeClr val="accent1"/>
-          </a:fillRef>
-          <a:effectRef idx="0">
-            <a:schemeClr val="accent1"/>
-          </a:effectRef>
-          <a:fontRef idx="minor">
-            <a:schemeClr val="tx1"/>
-          </a:fontRef>
-        </p:style>
-      </p:cxnSp>
-      <p:cxnSp>
-        <p:nvCxnSpPr>
-          <p:cNvPr id="123" name="Straight Connector 122"/>
-          <p:cNvCxnSpPr/>
-          <p:nvPr/>
-        </p:nvCxnSpPr>
-        <p:spPr>
-          <a:xfrm>
-            <a:off x="5562600" y="3886200"/>
-            <a:ext cx="0" cy="2133600"/>
-          </a:xfrm>
-          <a:prstGeom prst="line">
-            <a:avLst/>
-          </a:prstGeom>
-          <a:ln w="12700">
-            <a:solidFill>
-              <a:srgbClr val="000000"/>
-            </a:solidFill>
-            <a:headEnd type="none" w="med" len="med"/>
-            <a:tailEnd type="none" w="med" len="med"/>
-          </a:ln>
-        </p:spPr>
-        <p:style>
-          <a:lnRef idx="1">
-            <a:schemeClr val="accent1"/>
-          </a:lnRef>
-          <a:fillRef idx="0">
-            <a:schemeClr val="accent1"/>
-          </a:fillRef>
-          <a:effectRef idx="0">
-            <a:schemeClr val="accent1"/>
-          </a:effectRef>
-          <a:fontRef idx="minor">
-            <a:schemeClr val="tx1"/>
-          </a:fontRef>
-        </p:style>
-      </p:cxnSp>
-      <p:cxnSp>
-        <p:nvCxnSpPr>
-          <p:cNvPr id="125" name="Straight Connector 124"/>
-          <p:cNvCxnSpPr/>
-          <p:nvPr/>
-        </p:nvCxnSpPr>
-        <p:spPr>
-          <a:xfrm>
-            <a:off x="3505200" y="3581400"/>
-            <a:ext cx="0" cy="304800"/>
-          </a:xfrm>
-          <a:prstGeom prst="line">
-            <a:avLst/>
-          </a:prstGeom>
-          <a:ln w="12700">
-            <a:solidFill>
-              <a:srgbClr val="000000"/>
-            </a:solidFill>
-            <a:prstDash val="dash"/>
-            <a:headEnd type="none" w="med" len="med"/>
-            <a:tailEnd type="none" w="med" len="med"/>
-          </a:ln>
-        </p:spPr>
-        <p:style>
-          <a:lnRef idx="1">
-            <a:schemeClr val="accent1"/>
-          </a:lnRef>
-          <a:fillRef idx="0">
-            <a:schemeClr val="accent1"/>
-          </a:fillRef>
-          <a:effectRef idx="0">
-            <a:schemeClr val="accent1"/>
-          </a:effectRef>
-          <a:fontRef idx="minor">
-            <a:schemeClr val="tx1"/>
-          </a:fontRef>
-        </p:style>
-      </p:cxnSp>
-      <p:cxnSp>
-        <p:nvCxnSpPr>
-          <p:cNvPr id="128" name="Straight Connector 127"/>
-          <p:cNvCxnSpPr/>
-          <p:nvPr/>
-        </p:nvCxnSpPr>
-        <p:spPr>
-          <a:xfrm>
-            <a:off x="4419600" y="3581400"/>
-            <a:ext cx="0" cy="304800"/>
-          </a:xfrm>
-          <a:prstGeom prst="line">
-            <a:avLst/>
-          </a:prstGeom>
-          <a:ln w="12700">
-            <a:solidFill>
-              <a:srgbClr val="000000"/>
-            </a:solidFill>
-            <a:prstDash val="dash"/>
-            <a:headEnd type="none" w="med" len="med"/>
-            <a:tailEnd type="none" w="med" len="med"/>
-          </a:ln>
-        </p:spPr>
-        <p:style>
-          <a:lnRef idx="1">
-            <a:schemeClr val="accent1"/>
-          </a:lnRef>
-          <a:fillRef idx="0">
-            <a:schemeClr val="accent1"/>
-          </a:fillRef>
-          <a:effectRef idx="0">
-            <a:schemeClr val="accent1"/>
-          </a:effectRef>
-          <a:fontRef idx="minor">
-            <a:schemeClr val="tx1"/>
-          </a:fontRef>
-        </p:style>
-      </p:cxnSp>
-      <p:cxnSp>
-        <p:nvCxnSpPr>
-          <p:cNvPr id="130" name="Straight Connector 129"/>
-          <p:cNvCxnSpPr/>
-          <p:nvPr/>
-        </p:nvCxnSpPr>
-        <p:spPr>
-          <a:xfrm>
-            <a:off x="5562600" y="3581400"/>
-            <a:ext cx="0" cy="304800"/>
-          </a:xfrm>
-          <a:prstGeom prst="line">
-            <a:avLst/>
-          </a:prstGeom>
-          <a:ln w="12700">
-            <a:solidFill>
-              <a:srgbClr val="000000"/>
-            </a:solidFill>
-            <a:prstDash val="dash"/>
-            <a:headEnd type="none" w="med" len="med"/>
-            <a:tailEnd type="none" w="med" len="med"/>
-          </a:ln>
-        </p:spPr>
-        <p:style>
-          <a:lnRef idx="1">
-            <a:schemeClr val="accent1"/>
-          </a:lnRef>
-          <a:fillRef idx="0">
-            <a:schemeClr val="accent1"/>
-          </a:fillRef>
-          <a:effectRef idx="0">
-            <a:schemeClr val="accent1"/>
-          </a:effectRef>
-          <a:fontRef idx="minor">
-            <a:schemeClr val="tx1"/>
-          </a:fontRef>
-        </p:style>
-      </p:cxnSp>
-      <p:cxnSp>
-        <p:nvCxnSpPr>
-          <p:cNvPr id="132" name="Straight Connector 131"/>
-          <p:cNvCxnSpPr/>
-          <p:nvPr/>
-        </p:nvCxnSpPr>
-        <p:spPr>
-          <a:xfrm>
-            <a:off x="10210800" y="3581400"/>
-            <a:ext cx="0" cy="304800"/>
-          </a:xfrm>
-          <a:prstGeom prst="line">
-            <a:avLst/>
-          </a:prstGeom>
-          <a:ln w="12700">
-            <a:solidFill>
-              <a:srgbClr val="000000"/>
-            </a:solidFill>
-            <a:prstDash val="dash"/>
-            <a:headEnd type="none" w="med" len="med"/>
-            <a:tailEnd type="none" w="med" len="med"/>
-          </a:ln>
-        </p:spPr>
-        <p:style>
-          <a:lnRef idx="1">
-            <a:schemeClr val="accent1"/>
-          </a:lnRef>
-          <a:fillRef idx="0">
-            <a:schemeClr val="accent1"/>
-          </a:fillRef>
-          <a:effectRef idx="0">
-            <a:schemeClr val="accent1"/>
-          </a:effectRef>
-          <a:fontRef idx="minor">
-            <a:schemeClr val="tx1"/>
-          </a:fontRef>
-        </p:style>
-      </p:cxnSp>
-      <p:cxnSp>
-        <p:nvCxnSpPr>
-          <p:cNvPr id="135" name="Straight Connector 134"/>
-          <p:cNvCxnSpPr/>
-          <p:nvPr/>
-        </p:nvCxnSpPr>
-        <p:spPr>
-          <a:xfrm flipV="1">
-            <a:off x="11963400" y="3733796"/>
-            <a:ext cx="152400" cy="152404"/>
-          </a:xfrm>
-          <a:prstGeom prst="line">
-            <a:avLst/>
-          </a:prstGeom>
-          <a:ln w="12700">
-            <a:solidFill>
-              <a:srgbClr val="000000"/>
-            </a:solidFill>
-            <a:headEnd type="none" w="med" len="med"/>
-            <a:tailEnd type="none" w="med" len="med"/>
-          </a:ln>
-        </p:spPr>
-        <p:style>
-          <a:lnRef idx="1">
-            <a:schemeClr val="accent1"/>
-          </a:lnRef>
-          <a:fillRef idx="0">
-            <a:schemeClr val="accent1"/>
-          </a:fillRef>
-          <a:effectRef idx="0">
-            <a:schemeClr val="accent1"/>
-          </a:effectRef>
-          <a:fontRef idx="minor">
-            <a:schemeClr val="tx1"/>
-          </a:fontRef>
-        </p:style>
-      </p:cxnSp>
-      <p:sp>
-        <p:nvSpPr>
-          <p:cNvPr id="136" name="Rectangle 135"/>
-          <p:cNvSpPr/>
-          <p:nvPr/>
-        </p:nvSpPr>
-        <p:spPr>
-          <a:xfrm>
-            <a:off x="11201400" y="3657596"/>
-            <a:ext cx="457200" cy="152400"/>
-          </a:xfrm>
-          <a:prstGeom prst="rect">
-            <a:avLst/>
-          </a:prstGeom>
-          <a:noFill/>
-          <a:ln>
-            <a:noFill/>
-          </a:ln>
-        </p:spPr>
-        <p:style>
-          <a:lnRef idx="2">
-            <a:schemeClr val="accent1">
-              <a:shade val="50000"/>
-            </a:schemeClr>
-          </a:lnRef>
-          <a:fillRef idx="1">
-            <a:schemeClr val="accent1"/>
-          </a:fillRef>
-          <a:effectRef idx="0">
-            <a:schemeClr val="accent1"/>
-          </a:effectRef>
-          <a:fontRef idx="minor">
-            <a:schemeClr val="lt1"/>
-          </a:fontRef>
-        </p:style>
-        <p:txBody>
-          <a:bodyPr wrap="none" lIns="45720" rIns="45720" rtlCol="0" anchor="ctr"/>
-          <a:lstStyle/>
-          <a:p>
-            <a:r>
-              <a:rPr lang="en-US" sz="900" dirty="0" smtClean="0">
-                <a:solidFill>
-                  <a:srgbClr val="000000"/>
-                </a:solidFill>
-                <a:latin typeface="Courier New" panose="02070309020205020404" pitchFamily="49" charset="0"/>
-                <a:cs typeface="Courier New" panose="02070309020205020404" pitchFamily="49" charset="0"/>
-              </a:rPr>
-              <a:t>DOUT</a:t>
-            </a:r>
-            <a:endParaRPr lang="en-US" sz="900" dirty="0">
-              <a:solidFill>
-                <a:srgbClr val="000000"/>
-              </a:solidFill>
-              <a:latin typeface="Courier New" panose="02070309020205020404" pitchFamily="49" charset="0"/>
-              <a:cs typeface="Courier New" panose="02070309020205020404" pitchFamily="49" charset="0"/>
-            </a:endParaRPr>
-          </a:p>
-        </p:txBody>
-      </p:sp>
-      <p:sp>
-        <p:nvSpPr>
-          <p:cNvPr id="138" name="Rectangle 137"/>
-          <p:cNvSpPr/>
-          <p:nvPr/>
-        </p:nvSpPr>
-        <p:spPr>
-          <a:xfrm>
-            <a:off x="11963401" y="3657596"/>
-            <a:ext cx="152400" cy="76200"/>
-          </a:xfrm>
-          <a:prstGeom prst="rect">
-            <a:avLst/>
-          </a:prstGeom>
-          <a:noFill/>
-          <a:ln>
-            <a:noFill/>
-          </a:ln>
-        </p:spPr>
-        <p:style>
-          <a:lnRef idx="2">
-            <a:schemeClr val="accent1">
-              <a:shade val="50000"/>
-            </a:schemeClr>
-          </a:lnRef>
-          <a:fillRef idx="1">
-            <a:schemeClr val="accent1"/>
-          </a:fillRef>
-          <a:effectRef idx="0">
-            <a:schemeClr val="accent1"/>
-          </a:effectRef>
-          <a:fontRef idx="minor">
-            <a:schemeClr val="lt1"/>
-          </a:fontRef>
-        </p:style>
-        <p:txBody>
-          <a:bodyPr wrap="none" lIns="45720" rIns="45720" rtlCol="0" anchor="ctr"/>
-          <a:lstStyle/>
-          <a:p>
-            <a:pPr algn="ctr"/>
-            <a:r>
-              <a:rPr lang="en-US" sz="900" dirty="0" smtClean="0">
-                <a:solidFill>
-                  <a:srgbClr val="000000"/>
-                </a:solidFill>
-                <a:latin typeface="Courier New" panose="02070309020205020404" pitchFamily="49" charset="0"/>
-                <a:cs typeface="Courier New" panose="02070309020205020404" pitchFamily="49" charset="0"/>
-              </a:rPr>
-              <a:t>32</a:t>
-            </a:r>
-            <a:endParaRPr lang="en-US" sz="900" dirty="0">
-              <a:solidFill>
-                <a:srgbClr val="000000"/>
-              </a:solidFill>
-              <a:latin typeface="Courier New" panose="02070309020205020404" pitchFamily="49" charset="0"/>
-              <a:cs typeface="Courier New" panose="02070309020205020404" pitchFamily="49" charset="0"/>
-            </a:endParaRPr>
-          </a:p>
-        </p:txBody>
-      </p:sp>
-      <p:sp>
-        <p:nvSpPr>
-          <p:cNvPr id="139" name="Rectangle 138"/>
-          <p:cNvSpPr/>
-          <p:nvPr/>
-        </p:nvSpPr>
-        <p:spPr>
-          <a:xfrm>
-            <a:off x="3733800" y="2590800"/>
-            <a:ext cx="457200" cy="152400"/>
-          </a:xfrm>
-          <a:prstGeom prst="rect">
-            <a:avLst/>
-          </a:prstGeom>
-          <a:noFill/>
-          <a:ln>
-            <a:noFill/>
-          </a:ln>
-        </p:spPr>
-        <p:style>
-          <a:lnRef idx="2">
-            <a:schemeClr val="accent1">
-              <a:shade val="50000"/>
-            </a:schemeClr>
-          </a:lnRef>
-          <a:fillRef idx="1">
-            <a:schemeClr val="accent1"/>
-          </a:fillRef>
-          <a:effectRef idx="0">
-            <a:schemeClr val="accent1"/>
-          </a:effectRef>
-          <a:fontRef idx="minor">
-            <a:schemeClr val="lt1"/>
-          </a:fontRef>
-        </p:style>
-        <p:txBody>
-          <a:bodyPr wrap="none" lIns="45720" rIns="45720" rtlCol="0" anchor="ctr"/>
-          <a:lstStyle/>
-          <a:p>
-            <a:pPr algn="r"/>
-            <a:r>
-              <a:rPr lang="en-US" sz="900" dirty="0" smtClean="0">
-                <a:solidFill>
-                  <a:srgbClr val="000000"/>
-                </a:solidFill>
-                <a:latin typeface="Courier New" panose="02070309020205020404" pitchFamily="49" charset="0"/>
-                <a:cs typeface="Courier New" panose="02070309020205020404" pitchFamily="49" charset="0"/>
-              </a:rPr>
-              <a:t>[63:32]</a:t>
-            </a:r>
-            <a:endParaRPr lang="en-US" sz="900" dirty="0">
-              <a:solidFill>
-                <a:srgbClr val="000000"/>
-              </a:solidFill>
-              <a:latin typeface="Courier New" panose="02070309020205020404" pitchFamily="49" charset="0"/>
-              <a:cs typeface="Courier New" panose="02070309020205020404" pitchFamily="49" charset="0"/>
-            </a:endParaRPr>
-          </a:p>
-        </p:txBody>
-      </p:sp>
-      <p:sp>
-        <p:nvSpPr>
-          <p:cNvPr id="140" name="Rectangle 139"/>
-          <p:cNvSpPr/>
-          <p:nvPr/>
-        </p:nvSpPr>
-        <p:spPr>
-          <a:xfrm>
-            <a:off x="3733800" y="3048000"/>
-            <a:ext cx="457200" cy="152400"/>
-          </a:xfrm>
-          <a:prstGeom prst="rect">
-            <a:avLst/>
-          </a:prstGeom>
-          <a:noFill/>
-          <a:ln>
-            <a:noFill/>
-          </a:ln>
-        </p:spPr>
-        <p:style>
-          <a:lnRef idx="2">
-            <a:schemeClr val="accent1">
-              <a:shade val="50000"/>
-            </a:schemeClr>
-          </a:lnRef>
-          <a:fillRef idx="1">
-            <a:schemeClr val="accent1"/>
-          </a:fillRef>
-          <a:effectRef idx="0">
-            <a:schemeClr val="accent1"/>
-          </a:effectRef>
-          <a:fontRef idx="minor">
-            <a:schemeClr val="lt1"/>
-          </a:fontRef>
-        </p:style>
-        <p:txBody>
-          <a:bodyPr wrap="none" lIns="45720" rIns="45720" rtlCol="0" anchor="ctr"/>
-          <a:lstStyle/>
-          <a:p>
-            <a:pPr algn="r"/>
-            <a:r>
-              <a:rPr lang="en-US" sz="900" dirty="0" smtClean="0">
-                <a:solidFill>
-                  <a:srgbClr val="000000"/>
-                </a:solidFill>
-                <a:latin typeface="Courier New" panose="02070309020205020404" pitchFamily="49" charset="0"/>
-                <a:cs typeface="Courier New" panose="02070309020205020404" pitchFamily="49" charset="0"/>
-              </a:rPr>
-              <a:t>[62:31]</a:t>
-            </a:r>
-            <a:endParaRPr lang="en-US" sz="900" dirty="0">
-              <a:solidFill>
-                <a:srgbClr val="000000"/>
-              </a:solidFill>
-              <a:latin typeface="Courier New" panose="02070309020205020404" pitchFamily="49" charset="0"/>
-              <a:cs typeface="Courier New" panose="02070309020205020404" pitchFamily="49" charset="0"/>
-            </a:endParaRPr>
-          </a:p>
-        </p:txBody>
-      </p:sp>
-      <p:sp>
-        <p:nvSpPr>
-          <p:cNvPr id="141" name="Rectangle 140"/>
-          <p:cNvSpPr/>
-          <p:nvPr/>
-        </p:nvSpPr>
-        <p:spPr>
-          <a:xfrm>
-            <a:off x="3733800" y="3962400"/>
-            <a:ext cx="457200" cy="152400"/>
-          </a:xfrm>
-          <a:prstGeom prst="rect">
-            <a:avLst/>
-          </a:prstGeom>
-          <a:noFill/>
-          <a:ln>
-            <a:noFill/>
-          </a:ln>
-        </p:spPr>
-        <p:style>
-          <a:lnRef idx="2">
-            <a:schemeClr val="accent1">
-              <a:shade val="50000"/>
-            </a:schemeClr>
-          </a:lnRef>
-          <a:fillRef idx="1">
-            <a:schemeClr val="accent1"/>
-          </a:fillRef>
-          <a:effectRef idx="0">
-            <a:schemeClr val="accent1"/>
-          </a:effectRef>
-          <a:fontRef idx="minor">
-            <a:schemeClr val="lt1"/>
-          </a:fontRef>
-        </p:style>
-        <p:txBody>
-          <a:bodyPr wrap="none" lIns="45720" rIns="45720" rtlCol="0" anchor="ctr"/>
-          <a:lstStyle/>
-          <a:p>
-            <a:pPr algn="r"/>
-            <a:r>
-              <a:rPr lang="en-US" sz="900" dirty="0" smtClean="0">
-                <a:solidFill>
-                  <a:srgbClr val="000000"/>
-                </a:solidFill>
-                <a:latin typeface="Courier New" panose="02070309020205020404" pitchFamily="49" charset="0"/>
-                <a:cs typeface="Courier New" panose="02070309020205020404" pitchFamily="49" charset="0"/>
-              </a:rPr>
-              <a:t>[32:1]</a:t>
-            </a:r>
-            <a:endParaRPr lang="en-US" sz="900" dirty="0">
-              <a:solidFill>
-                <a:srgbClr val="000000"/>
-              </a:solidFill>
-              <a:latin typeface="Courier New" panose="02070309020205020404" pitchFamily="49" charset="0"/>
-              <a:cs typeface="Courier New" panose="02070309020205020404" pitchFamily="49" charset="0"/>
-            </a:endParaRPr>
-          </a:p>
-        </p:txBody>
-      </p:sp>
-      <p:sp>
-        <p:nvSpPr>
-          <p:cNvPr id="142" name="Rectangle 141"/>
-          <p:cNvSpPr/>
-          <p:nvPr/>
-        </p:nvSpPr>
-        <p:spPr>
-          <a:xfrm>
-            <a:off x="3733800" y="4419600"/>
-            <a:ext cx="457200" cy="152400"/>
-          </a:xfrm>
-          <a:prstGeom prst="rect">
-            <a:avLst/>
-          </a:prstGeom>
-          <a:noFill/>
-          <a:ln>
-            <a:noFill/>
-          </a:ln>
-        </p:spPr>
-        <p:style>
-          <a:lnRef idx="2">
-            <a:schemeClr val="accent1">
-              <a:shade val="50000"/>
-            </a:schemeClr>
-          </a:lnRef>
-          <a:fillRef idx="1">
-            <a:schemeClr val="accent1"/>
-          </a:fillRef>
-          <a:effectRef idx="0">
-            <a:schemeClr val="accent1"/>
-          </a:effectRef>
-          <a:fontRef idx="minor">
-            <a:schemeClr val="lt1"/>
-          </a:fontRef>
-        </p:style>
-        <p:txBody>
-          <a:bodyPr wrap="none" lIns="45720" rIns="45720" rtlCol="0" anchor="ctr"/>
-          <a:lstStyle/>
-          <a:p>
-            <a:pPr algn="r"/>
-            <a:r>
-              <a:rPr lang="en-US" sz="900" dirty="0" smtClean="0">
-                <a:solidFill>
-                  <a:srgbClr val="000000"/>
-                </a:solidFill>
-                <a:latin typeface="Courier New" panose="02070309020205020404" pitchFamily="49" charset="0"/>
-                <a:cs typeface="Courier New" panose="02070309020205020404" pitchFamily="49" charset="0"/>
-              </a:rPr>
-              <a:t>[31:0]</a:t>
-            </a:r>
-            <a:endParaRPr lang="en-US" sz="900" dirty="0">
-              <a:solidFill>
-                <a:srgbClr val="000000"/>
-              </a:solidFill>
-              <a:latin typeface="Courier New" panose="02070309020205020404" pitchFamily="49" charset="0"/>
-              <a:cs typeface="Courier New" panose="02070309020205020404" pitchFamily="49" charset="0"/>
-            </a:endParaRPr>
-          </a:p>
-        </p:txBody>
-      </p:sp>
-      <p:cxnSp>
-        <p:nvCxnSpPr>
-          <p:cNvPr id="143" name="Straight Connector 142"/>
-          <p:cNvCxnSpPr/>
-          <p:nvPr/>
-        </p:nvCxnSpPr>
-        <p:spPr>
-          <a:xfrm flipV="1">
-            <a:off x="5867400" y="5943600"/>
-            <a:ext cx="152400" cy="152404"/>
-          </a:xfrm>
-          <a:prstGeom prst="line">
-            <a:avLst/>
-          </a:prstGeom>
-          <a:ln w="12700">
-            <a:solidFill>
-              <a:srgbClr val="000000"/>
-            </a:solidFill>
-            <a:headEnd type="none" w="med" len="med"/>
-            <a:tailEnd type="none" w="med" len="med"/>
-          </a:ln>
-        </p:spPr>
-        <p:style>
-          <a:lnRef idx="1">
-            <a:schemeClr val="accent1"/>
-          </a:lnRef>
-          <a:fillRef idx="0">
-            <a:schemeClr val="accent1"/>
-          </a:fillRef>
-          <a:effectRef idx="0">
-            <a:schemeClr val="accent1"/>
-          </a:effectRef>
-          <a:fontRef idx="minor">
-            <a:schemeClr val="tx1"/>
-          </a:fontRef>
-        </p:style>
-      </p:cxnSp>
-      <p:sp>
-        <p:nvSpPr>
-          <p:cNvPr id="144" name="Rectangle 143"/>
-          <p:cNvSpPr/>
-          <p:nvPr/>
-        </p:nvSpPr>
-        <p:spPr>
-          <a:xfrm>
-            <a:off x="5867401" y="5867400"/>
-            <a:ext cx="152400" cy="76200"/>
-          </a:xfrm>
-          <a:prstGeom prst="rect">
-            <a:avLst/>
-          </a:prstGeom>
-          <a:noFill/>
-          <a:ln>
-            <a:noFill/>
-          </a:ln>
-        </p:spPr>
-        <p:style>
-          <a:lnRef idx="2">
-            <a:schemeClr val="accent1">
-              <a:shade val="50000"/>
-            </a:schemeClr>
-          </a:lnRef>
-          <a:fillRef idx="1">
-            <a:schemeClr val="accent1"/>
-          </a:fillRef>
-          <a:effectRef idx="0">
-            <a:schemeClr val="accent1"/>
-          </a:effectRef>
-          <a:fontRef idx="minor">
-            <a:schemeClr val="lt1"/>
-          </a:fontRef>
-        </p:style>
-        <p:txBody>
-          <a:bodyPr wrap="none" lIns="45720" rIns="45720" rtlCol="0" anchor="ctr"/>
-          <a:lstStyle/>
-          <a:p>
-            <a:pPr algn="ctr"/>
-            <a:r>
-              <a:rPr lang="en-US" sz="900" dirty="0" smtClean="0">
-                <a:solidFill>
-                  <a:srgbClr val="000000"/>
-                </a:solidFill>
-                <a:latin typeface="Courier New" panose="02070309020205020404" pitchFamily="49" charset="0"/>
-                <a:cs typeface="Courier New" panose="02070309020205020404" pitchFamily="49" charset="0"/>
-              </a:rPr>
-              <a:t>32</a:t>
-            </a:r>
-            <a:endParaRPr lang="en-US" sz="900" dirty="0">
-              <a:solidFill>
-                <a:srgbClr val="000000"/>
-              </a:solidFill>
-              <a:latin typeface="Courier New" panose="02070309020205020404" pitchFamily="49" charset="0"/>
-              <a:cs typeface="Courier New" panose="02070309020205020404" pitchFamily="49" charset="0"/>
-            </a:endParaRPr>
-          </a:p>
-        </p:txBody>
-      </p:sp>
-      <p:sp>
-        <p:nvSpPr>
-          <p:cNvPr id="145" name="Rectangle 144"/>
-          <p:cNvSpPr/>
-          <p:nvPr/>
-        </p:nvSpPr>
-        <p:spPr>
-          <a:xfrm>
-            <a:off x="6019800" y="5867400"/>
-            <a:ext cx="457200" cy="152400"/>
-          </a:xfrm>
-          <a:prstGeom prst="rect">
-            <a:avLst/>
-          </a:prstGeom>
-          <a:noFill/>
-          <a:ln>
-            <a:noFill/>
-          </a:ln>
-        </p:spPr>
-        <p:style>
-          <a:lnRef idx="2">
-            <a:schemeClr val="accent1">
-              <a:shade val="50000"/>
-            </a:schemeClr>
-          </a:lnRef>
-          <a:fillRef idx="1">
-            <a:schemeClr val="accent1"/>
-          </a:fillRef>
-          <a:effectRef idx="0">
-            <a:schemeClr val="accent1"/>
-          </a:effectRef>
-          <a:fontRef idx="minor">
-            <a:schemeClr val="lt1"/>
-          </a:fontRef>
-        </p:style>
-        <p:txBody>
-          <a:bodyPr wrap="none" lIns="45720" rIns="45720" rtlCol="0" anchor="ctr"/>
-          <a:lstStyle/>
-          <a:p>
-            <a:r>
-              <a:rPr lang="en-US" sz="900" dirty="0" err="1" smtClean="0">
-                <a:solidFill>
-                  <a:srgbClr val="000000"/>
-                </a:solidFill>
-                <a:latin typeface="Courier New" panose="02070309020205020404" pitchFamily="49" charset="0"/>
-                <a:cs typeface="Courier New" panose="02070309020205020404" pitchFamily="49" charset="0"/>
-              </a:rPr>
-              <a:t>sync_comp</a:t>
-            </a:r>
-            <a:endParaRPr lang="en-US" sz="900" dirty="0">
-              <a:solidFill>
-                <a:srgbClr val="000000"/>
-              </a:solidFill>
-              <a:latin typeface="Courier New" panose="02070309020205020404" pitchFamily="49" charset="0"/>
-              <a:cs typeface="Courier New" panose="02070309020205020404" pitchFamily="49" charset="0"/>
-            </a:endParaRPr>
-          </a:p>
-        </p:txBody>
-      </p:sp>
-      <p:cxnSp>
-        <p:nvCxnSpPr>
-          <p:cNvPr id="146" name="Straight Connector 145"/>
-          <p:cNvCxnSpPr/>
-          <p:nvPr/>
-        </p:nvCxnSpPr>
-        <p:spPr>
-          <a:xfrm flipV="1">
-            <a:off x="11963399" y="6095999"/>
-            <a:ext cx="152400" cy="152404"/>
-          </a:xfrm>
-          <a:prstGeom prst="line">
-            <a:avLst/>
-          </a:prstGeom>
-          <a:ln w="12700">
-            <a:solidFill>
-              <a:srgbClr val="000000"/>
-            </a:solidFill>
-            <a:headEnd type="none" w="med" len="med"/>
-            <a:tailEnd type="none" w="med" len="med"/>
-          </a:ln>
-        </p:spPr>
-        <p:style>
-          <a:lnRef idx="1">
-            <a:schemeClr val="accent1"/>
-          </a:lnRef>
-          <a:fillRef idx="0">
-            <a:schemeClr val="accent1"/>
-          </a:fillRef>
-          <a:effectRef idx="0">
-            <a:schemeClr val="accent1"/>
-          </a:effectRef>
-          <a:fontRef idx="minor">
-            <a:schemeClr val="tx1"/>
-          </a:fontRef>
-        </p:style>
-      </p:cxnSp>
-      <p:sp>
-        <p:nvSpPr>
-          <p:cNvPr id="147" name="Rectangle 146"/>
-          <p:cNvSpPr/>
-          <p:nvPr/>
-        </p:nvSpPr>
-        <p:spPr>
-          <a:xfrm>
-            <a:off x="11201400" y="6019799"/>
-            <a:ext cx="457200" cy="152400"/>
-          </a:xfrm>
-          <a:prstGeom prst="rect">
-            <a:avLst/>
-          </a:prstGeom>
-          <a:noFill/>
-          <a:ln>
-            <a:noFill/>
-          </a:ln>
-        </p:spPr>
-        <p:style>
-          <a:lnRef idx="2">
-            <a:schemeClr val="accent1">
-              <a:shade val="50000"/>
-            </a:schemeClr>
-          </a:lnRef>
-          <a:fillRef idx="1">
-            <a:schemeClr val="accent1"/>
-          </a:fillRef>
-          <a:effectRef idx="0">
-            <a:schemeClr val="accent1"/>
-          </a:effectRef>
-          <a:fontRef idx="minor">
-            <a:schemeClr val="lt1"/>
-          </a:fontRef>
-        </p:style>
-        <p:txBody>
-          <a:bodyPr wrap="none" lIns="45720" rIns="45720" rtlCol="0" anchor="ctr"/>
-          <a:lstStyle/>
-          <a:p>
-            <a:r>
-              <a:rPr lang="en-US" sz="900" dirty="0" smtClean="0">
-                <a:solidFill>
-                  <a:srgbClr val="000000"/>
-                </a:solidFill>
-                <a:latin typeface="Courier New" panose="02070309020205020404" pitchFamily="49" charset="0"/>
-                <a:cs typeface="Courier New" panose="02070309020205020404" pitchFamily="49" charset="0"/>
-              </a:rPr>
-              <a:t>ALIGNED</a:t>
-            </a:r>
-            <a:endParaRPr lang="en-US" sz="900" dirty="0">
-              <a:solidFill>
-                <a:srgbClr val="000000"/>
-              </a:solidFill>
-              <a:latin typeface="Courier New" panose="02070309020205020404" pitchFamily="49" charset="0"/>
-              <a:cs typeface="Courier New" panose="02070309020205020404" pitchFamily="49" charset="0"/>
-            </a:endParaRPr>
-          </a:p>
-        </p:txBody>
-      </p:sp>
-      <p:sp>
-        <p:nvSpPr>
-          <p:cNvPr id="148" name="Rectangle 147"/>
-          <p:cNvSpPr/>
-          <p:nvPr/>
-        </p:nvSpPr>
-        <p:spPr>
-          <a:xfrm>
-            <a:off x="11963400" y="6019799"/>
+          <a:xfrm>
+            <a:off x="609601" y="7086578"/>
             <a:ext cx="152400" cy="76200"/>
           </a:xfrm>
           <a:prstGeom prst="rect">
@@ -9110,14 +9711,16 @@
       </p:sp>
       <p:cxnSp>
         <p:nvCxnSpPr>
-          <p:cNvPr id="149" name="Straight Connector 148"/>
-          <p:cNvCxnSpPr/>
+          <p:cNvPr id="181" name="Straight Connector 180"/>
+          <p:cNvCxnSpPr>
+            <a:stCxn id="176" idx="3"/>
+          </p:cNvCxnSpPr>
           <p:nvPr/>
         </p:nvCxnSpPr>
         <p:spPr>
-          <a:xfrm flipV="1">
-            <a:off x="9296400" y="6095999"/>
-            <a:ext cx="152400" cy="152404"/>
+          <a:xfrm>
+            <a:off x="533400" y="7238978"/>
+            <a:ext cx="8001000" cy="0"/>
           </a:xfrm>
           <a:prstGeom prst="line">
             <a:avLst/>
@@ -9145,16 +9748,53 @@
           </a:fontRef>
         </p:style>
       </p:cxnSp>
-      <p:sp>
-        <p:nvSpPr>
-          <p:cNvPr id="150" name="Rectangle 149"/>
+      <p:cxnSp>
+        <p:nvCxnSpPr>
+          <p:cNvPr id="184" name="Straight Connector 183"/>
+          <p:cNvCxnSpPr/>
+          <p:nvPr/>
+        </p:nvCxnSpPr>
+        <p:spPr>
+          <a:xfrm>
+            <a:off x="8153400" y="6629378"/>
+            <a:ext cx="304800" cy="0"/>
+          </a:xfrm>
+          <a:prstGeom prst="line">
+            <a:avLst/>
+          </a:prstGeom>
+          <a:ln w="12700">
+            <a:solidFill>
+              <a:srgbClr val="000000"/>
+            </a:solidFill>
+            <a:headEnd type="none" w="med" len="med"/>
+            <a:tailEnd type="none" w="med" len="med"/>
+          </a:ln>
+        </p:spPr>
+        <p:style>
+          <a:lnRef idx="1">
+            <a:schemeClr val="accent1"/>
+          </a:lnRef>
+          <a:fillRef idx="0">
+            <a:schemeClr val="accent1"/>
+          </a:fillRef>
+          <a:effectRef idx="0">
+            <a:schemeClr val="accent1"/>
+          </a:effectRef>
+          <a:fontRef idx="minor">
+            <a:schemeClr val="tx1"/>
+          </a:fontRef>
+        </p:style>
+      </p:cxnSp>
+      <p:sp>
+        <p:nvSpPr>
+          <p:cNvPr id="185" name="Rectangle 184"/>
           <p:cNvSpPr/>
           <p:nvPr/>
         </p:nvSpPr>
         <p:spPr>
           <a:xfrm>
-            <a:off x="9296401" y="6019799"/>
-            <a:ext cx="152400" cy="76200"/>
+            <a:off x="8001000" y="6476978"/>
+            <a:ext cx="457200" cy="152400"/>
           </a:xfrm>
           <a:prstGeom prst="rect">
             <a:avLst/>
@@ -9184,7 +9824,6 @@
           <a:bodyPr wrap="none" lIns="45720" rIns="45720" rtlCol="0" anchor="ctr"/>
           <a:lstStyle/>
           <a:p>
-            <a:pPr algn="ctr"/>
             <a:r>
               <a:rPr lang="en-US" sz="900" dirty="0" smtClean="0">
                 <a:solidFill>
@@ -9193,7 +9832,7 @@
                 <a:latin typeface="Courier New" panose="02070309020205020404" pitchFamily="49" charset="0"/>
                 <a:cs typeface="Courier New" panose="02070309020205020404" pitchFamily="49" charset="0"/>
               </a:rPr>
-              <a:t>32</a:t>
+              <a:t>31’d0</a:t>
             </a:r>
             <a:endParaRPr lang="en-US" sz="900" dirty="0">
               <a:solidFill>
@@ -9207,21 +9846,23 @@
       </p:sp>
       <p:sp>
         <p:nvSpPr>
-          <p:cNvPr id="151" name="Rectangle 150"/>
+          <p:cNvPr id="190" name="Pentagon 189"/>
           <p:cNvSpPr/>
           <p:nvPr/>
         </p:nvSpPr>
         <p:spPr>
           <a:xfrm>
-            <a:off x="9448800" y="6172199"/>
-            <a:ext cx="457200" cy="152400"/>
-          </a:xfrm>
-          <a:prstGeom prst="rect">
+            <a:off x="304800" y="7619978"/>
+            <a:ext cx="228600" cy="152400"/>
+          </a:xfrm>
+          <a:prstGeom prst="homePlate">
             <a:avLst/>
           </a:prstGeom>
           <a:noFill/>
-          <a:ln>
-            <a:noFill/>
+          <a:ln w="12700">
+            <a:solidFill>
+              <a:schemeClr val="tx1"/>
+            </a:solidFill>
           </a:ln>
         </p:spPr>
         <p:style>
@@ -9241,50 +9882,73 @@
           </a:fontRef>
         </p:style>
         <p:txBody>
-          <a:bodyPr wrap="none" lIns="45720" rIns="45720" rtlCol="0" anchor="ctr"/>
-          <a:lstStyle/>
-          <a:p>
-            <a:r>
-              <a:rPr lang="en-US" sz="900" dirty="0" err="1" smtClean="0">
-                <a:solidFill>
-                  <a:srgbClr val="000000"/>
-                </a:solidFill>
-                <a:latin typeface="Courier New" panose="02070309020205020404" pitchFamily="49" charset="0"/>
-                <a:cs typeface="Courier New" panose="02070309020205020404" pitchFamily="49" charset="0"/>
-              </a:rPr>
-              <a:t>sync_found</a:t>
-            </a:r>
-            <a:endParaRPr lang="en-US" sz="900" dirty="0">
-              <a:solidFill>
-                <a:srgbClr val="000000"/>
-              </a:solidFill>
-              <a:latin typeface="Courier New" panose="02070309020205020404" pitchFamily="49" charset="0"/>
-              <a:cs typeface="Courier New" panose="02070309020205020404" pitchFamily="49" charset="0"/>
-            </a:endParaRPr>
-          </a:p>
-        </p:txBody>
-      </p:sp>
-      <p:sp>
-        <p:nvSpPr>
-          <p:cNvPr id="168" name="Trapezoid 167"/>
+          <a:bodyPr rot="0" spcFirstLastPara="0" vertOverflow="overflow" horzOverflow="overflow" vert="horz" wrap="square" lIns="91440" tIns="45720" rIns="91440" bIns="45720" numCol="1" spcCol="0" rtlCol="0" fromWordArt="0" anchor="ctr" anchorCtr="0" forceAA="0" compatLnSpc="1">
+            <a:prstTxWarp prst="textNoShape">
+              <a:avLst/>
+            </a:prstTxWarp>
+            <a:noAutofit/>
+          </a:bodyPr>
+          <a:lstStyle/>
+          <a:p>
+            <a:pPr algn="ctr"/>
+            <a:endParaRPr lang="en-US" sz="3730"/>
+          </a:p>
+        </p:txBody>
+      </p:sp>
+      <p:cxnSp>
+        <p:nvCxnSpPr>
+          <p:cNvPr id="193" name="Straight Connector 192"/>
+          <p:cNvCxnSpPr/>
+          <p:nvPr/>
+        </p:nvCxnSpPr>
+        <p:spPr>
+          <a:xfrm flipV="1">
+            <a:off x="609600" y="7619978"/>
+            <a:ext cx="152400" cy="152400"/>
+          </a:xfrm>
+          <a:prstGeom prst="line">
+            <a:avLst/>
+          </a:prstGeom>
+          <a:ln w="12700">
+            <a:solidFill>
+              <a:srgbClr val="000000"/>
+            </a:solidFill>
+            <a:headEnd type="none" w="med" len="med"/>
+            <a:tailEnd type="none" w="med" len="med"/>
+          </a:ln>
+        </p:spPr>
+        <p:style>
+          <a:lnRef idx="1">
+            <a:schemeClr val="accent1"/>
+          </a:lnRef>
+          <a:fillRef idx="0">
+            <a:schemeClr val="accent1"/>
+          </a:fillRef>
+          <a:effectRef idx="0">
+            <a:schemeClr val="accent1"/>
+          </a:effectRef>
+          <a:fontRef idx="minor">
+            <a:schemeClr val="tx1"/>
+          </a:fontRef>
+        </p:style>
+      </p:cxnSp>
+      <p:sp>
+        <p:nvSpPr>
+          <p:cNvPr id="195" name="Rectangle 194"/>
           <p:cNvSpPr/>
           <p:nvPr/>
         </p:nvSpPr>
         <p:spPr>
-          <a:xfrm rot="5400000">
-            <a:off x="8305800" y="6096000"/>
-            <a:ext cx="457200" cy="152400"/>
-          </a:xfrm>
-          <a:prstGeom prst="trapezoid">
-            <a:avLst>
-              <a:gd name="adj" fmla="val 110715"/>
-            </a:avLst>
+          <a:xfrm>
+            <a:off x="609600" y="7543778"/>
+            <a:ext cx="152400" cy="76200"/>
+          </a:xfrm>
+          <a:prstGeom prst="rect">
+            <a:avLst/>
           </a:prstGeom>
           <a:noFill/>
-          <a:ln w="12700">
-            <a:solidFill>
-              <a:srgbClr val="000000"/>
-            </a:solidFill>
+          <a:ln>
+            <a:noFill/>
           </a:ln>
         </p:spPr>
         <p:style>
@@ -9304,105 +9968,10 @@
           </a:fontRef>
         </p:style>
         <p:txBody>
-          <a:bodyPr rtlCol="0" anchor="ctr"/>
+          <a:bodyPr wrap="none" lIns="45720" rIns="45720" rtlCol="0" anchor="ctr"/>
           <a:lstStyle/>
           <a:p>
             <a:pPr algn="ctr"/>
-            <a:endParaRPr lang="en-US" sz="3730"/>
-          </a:p>
-        </p:txBody>
-      </p:sp>
-      <p:sp>
-        <p:nvSpPr>
-          <p:cNvPr id="169" name="Rectangle 168"/>
-          <p:cNvSpPr/>
-          <p:nvPr/>
-        </p:nvSpPr>
-        <p:spPr>
-          <a:xfrm>
-            <a:off x="8458200" y="6019800"/>
-            <a:ext cx="152400" cy="152400"/>
-          </a:xfrm>
-          <a:prstGeom prst="rect">
-            <a:avLst/>
-          </a:prstGeom>
-          <a:noFill/>
-          <a:ln>
-            <a:noFill/>
-          </a:ln>
-        </p:spPr>
-        <p:style>
-          <a:lnRef idx="2">
-            <a:schemeClr val="accent1">
-              <a:shade val="50000"/>
-            </a:schemeClr>
-          </a:lnRef>
-          <a:fillRef idx="1">
-            <a:schemeClr val="accent1"/>
-          </a:fillRef>
-          <a:effectRef idx="0">
-            <a:schemeClr val="accent1"/>
-          </a:effectRef>
-          <a:fontRef idx="minor">
-            <a:schemeClr val="lt1"/>
-          </a:fontRef>
-        </p:style>
-        <p:txBody>
-          <a:bodyPr wrap="none" lIns="45720" rIns="45720" rtlCol="0" anchor="ctr"/>
-          <a:lstStyle/>
-          <a:p>
-            <a:r>
-              <a:rPr lang="en-US" sz="900" dirty="0">
-                <a:solidFill>
-                  <a:srgbClr val="000000"/>
-                </a:solidFill>
-                <a:latin typeface="Courier New" panose="02070309020205020404" pitchFamily="49" charset="0"/>
-                <a:cs typeface="Courier New" panose="02070309020205020404" pitchFamily="49" charset="0"/>
-              </a:rPr>
-              <a:t>0</a:t>
-            </a:r>
-          </a:p>
-        </p:txBody>
-      </p:sp>
-      <p:sp>
-        <p:nvSpPr>
-          <p:cNvPr id="171" name="Rectangle 170"/>
-          <p:cNvSpPr/>
-          <p:nvPr/>
-        </p:nvSpPr>
-        <p:spPr>
-          <a:xfrm>
-            <a:off x="8458200" y="6172200"/>
-            <a:ext cx="152400" cy="152400"/>
-          </a:xfrm>
-          <a:prstGeom prst="rect">
-            <a:avLst/>
-          </a:prstGeom>
-          <a:noFill/>
-          <a:ln>
-            <a:noFill/>
-          </a:ln>
-        </p:spPr>
-        <p:style>
-          <a:lnRef idx="2">
-            <a:schemeClr val="accent1">
-              <a:shade val="50000"/>
-            </a:schemeClr>
-          </a:lnRef>
-          <a:fillRef idx="1">
-            <a:schemeClr val="accent1"/>
-          </a:fillRef>
-          <a:effectRef idx="0">
-            <a:schemeClr val="accent1"/>
-          </a:effectRef>
-          <a:fontRef idx="minor">
-            <a:schemeClr val="lt1"/>
-          </a:fontRef>
-        </p:style>
-        <p:txBody>
-          <a:bodyPr wrap="none" lIns="45720" rIns="45720" rtlCol="0" anchor="ctr"/>
-          <a:lstStyle/>
-          <a:p>
             <a:r>
               <a:rPr lang="en-US" sz="900" dirty="0">
                 <a:solidFill>
@@ -9416,18 +9985,70 @@
           </a:p>
         </p:txBody>
       </p:sp>
+      <p:sp>
+        <p:nvSpPr>
+          <p:cNvPr id="196" name="Rectangle 195"/>
+          <p:cNvSpPr/>
+          <p:nvPr/>
+        </p:nvSpPr>
+        <p:spPr>
+          <a:xfrm>
+            <a:off x="838200" y="7543778"/>
+            <a:ext cx="457200" cy="152400"/>
+          </a:xfrm>
+          <a:prstGeom prst="rect">
+            <a:avLst/>
+          </a:prstGeom>
+          <a:noFill/>
+          <a:ln>
+            <a:noFill/>
+          </a:ln>
+        </p:spPr>
+        <p:style>
+          <a:lnRef idx="2">
+            <a:schemeClr val="accent1">
+              <a:shade val="50000"/>
+            </a:schemeClr>
+          </a:lnRef>
+          <a:fillRef idx="1">
+            <a:schemeClr val="accent1"/>
+          </a:fillRef>
+          <a:effectRef idx="0">
+            <a:schemeClr val="accent1"/>
+          </a:effectRef>
+          <a:fontRef idx="minor">
+            <a:schemeClr val="lt1"/>
+          </a:fontRef>
+        </p:style>
+        <p:txBody>
+          <a:bodyPr wrap="none" lIns="45720" rIns="45720" rtlCol="0" anchor="ctr"/>
+          <a:lstStyle/>
+          <a:p>
+            <a:r>
+              <a:rPr lang="en-US" sz="900" dirty="0">
+                <a:solidFill>
+                  <a:srgbClr val="000000"/>
+                </a:solidFill>
+                <a:latin typeface="Courier New" panose="02070309020205020404" pitchFamily="49" charset="0"/>
+                <a:cs typeface="Courier New" panose="02070309020205020404" pitchFamily="49" charset="0"/>
+              </a:rPr>
+              <a:t>CLK</a:t>
+            </a:r>
+          </a:p>
+        </p:txBody>
+      </p:sp>
       <p:cxnSp>
         <p:nvCxnSpPr>
-          <p:cNvPr id="172" name="Straight Connector 171"/>
+          <p:cNvPr id="197" name="Straight Connector 196"/>
           <p:cNvCxnSpPr>
-            <a:stCxn id="324" idx="0"/>
+            <a:stCxn id="190" idx="3"/>
           </p:cNvCxnSpPr>
           <p:nvPr/>
         </p:nvCxnSpPr>
         <p:spPr>
           <a:xfrm>
-            <a:off x="8001000" y="6019800"/>
-            <a:ext cx="457200" cy="0"/>
+            <a:off x="533400" y="7696178"/>
+            <a:ext cx="914400" cy="0"/>
           </a:xfrm>
           <a:prstGeom prst="line">
             <a:avLst/>
@@ -9437,7 +10058,88 @@
               <a:srgbClr val="000000"/>
             </a:solidFill>
             <a:headEnd type="none" w="med" len="med"/>
-            <a:tailEnd type="none" w="med" len="med"/>
+            <a:tailEnd type="triangle" w="med" len="med"/>
+          </a:ln>
+        </p:spPr>
+        <p:style>
+          <a:lnRef idx="1">
+            <a:schemeClr val="accent1"/>
+          </a:lnRef>
+          <a:fillRef idx="0">
+            <a:schemeClr val="accent1"/>
+          </a:fillRef>
+          <a:effectRef idx="0">
+            <a:schemeClr val="accent1"/>
+          </a:effectRef>
+          <a:fontRef idx="minor">
+            <a:schemeClr val="tx1"/>
+          </a:fontRef>
+        </p:style>
+      </p:cxnSp>
+      <p:sp>
+        <p:nvSpPr>
+          <p:cNvPr id="198" name="Rectangle 197"/>
+          <p:cNvSpPr/>
+          <p:nvPr/>
+        </p:nvSpPr>
+        <p:spPr>
+          <a:xfrm>
+            <a:off x="1905000" y="7620000"/>
+            <a:ext cx="304800" cy="304793"/>
+          </a:xfrm>
+          <a:prstGeom prst="rect">
+            <a:avLst/>
+          </a:prstGeom>
+          <a:noFill/>
+          <a:ln w="12700">
+            <a:solidFill>
+              <a:srgbClr val="000000"/>
+            </a:solidFill>
+          </a:ln>
+        </p:spPr>
+        <p:style>
+          <a:lnRef idx="2">
+            <a:schemeClr val="accent1">
+              <a:shade val="50000"/>
+            </a:schemeClr>
+          </a:lnRef>
+          <a:fillRef idx="1">
+            <a:schemeClr val="accent1"/>
+          </a:fillRef>
+          <a:effectRef idx="0">
+            <a:schemeClr val="accent1"/>
+          </a:effectRef>
+          <a:fontRef idx="minor">
+            <a:schemeClr val="lt1"/>
+          </a:fontRef>
+        </p:style>
+        <p:txBody>
+          <a:bodyPr rtlCol="0" anchor="ctr"/>
+          <a:lstStyle/>
+          <a:p>
+            <a:pPr algn="ctr"/>
+            <a:endParaRPr lang="en-US" sz="3730"/>
+          </a:p>
+        </p:txBody>
+      </p:sp>
+      <p:cxnSp>
+        <p:nvCxnSpPr>
+          <p:cNvPr id="207" name="Straight Connector 206"/>
+          <p:cNvCxnSpPr/>
+          <p:nvPr/>
+        </p:nvCxnSpPr>
+        <p:spPr>
+          <a:xfrm flipV="1">
+            <a:off x="1981201" y="7848551"/>
+            <a:ext cx="76200" cy="76200"/>
+          </a:xfrm>
+          <a:prstGeom prst="line">
+            <a:avLst/>
+          </a:prstGeom>
+          <a:ln w="12700">
+            <a:solidFill>
+              <a:srgbClr val="000000"/>
+            </a:solidFill>
           </a:ln>
         </p:spPr>
         <p:style>
@@ -9457,14 +10159,14 @@
       </p:cxnSp>
       <p:cxnSp>
         <p:nvCxnSpPr>
-          <p:cNvPr id="174" name="Straight Connector 173"/>
+          <p:cNvPr id="208" name="Straight Connector 207"/>
           <p:cNvCxnSpPr/>
           <p:nvPr/>
         </p:nvCxnSpPr>
         <p:spPr>
-          <a:xfrm flipV="1">
-            <a:off x="8534400" y="6324600"/>
-            <a:ext cx="0" cy="609600"/>
+          <a:xfrm flipH="1" flipV="1">
+            <a:off x="2057401" y="7848551"/>
+            <a:ext cx="76200" cy="76200"/>
           </a:xfrm>
           <a:prstGeom prst="line">
             <a:avLst/>
@@ -9473,8 +10175,6 @@
             <a:solidFill>
               <a:srgbClr val="000000"/>
             </a:solidFill>
-            <a:headEnd type="none" w="med" len="med"/>
-            <a:tailEnd type="none" w="med" len="med"/>
           </a:ln>
         </p:spPr>
         <p:style>
@@ -9494,13 +10194,170 @@
       </p:cxnSp>
       <p:sp>
         <p:nvSpPr>
-          <p:cNvPr id="176" name="Pentagon 175"/>
+          <p:cNvPr id="209" name="Rectangle 208"/>
           <p:cNvSpPr/>
           <p:nvPr/>
         </p:nvSpPr>
         <p:spPr>
           <a:xfrm>
-            <a:off x="304800" y="6858000"/>
+            <a:off x="1981200" y="7619958"/>
+            <a:ext cx="152400" cy="152400"/>
+          </a:xfrm>
+          <a:prstGeom prst="rect">
+            <a:avLst/>
+          </a:prstGeom>
+          <a:noFill/>
+          <a:ln>
+            <a:noFill/>
+          </a:ln>
+        </p:spPr>
+        <p:style>
+          <a:lnRef idx="2">
+            <a:schemeClr val="accent1">
+              <a:shade val="50000"/>
+            </a:schemeClr>
+          </a:lnRef>
+          <a:fillRef idx="1">
+            <a:schemeClr val="accent1"/>
+          </a:fillRef>
+          <a:effectRef idx="0">
+            <a:schemeClr val="accent1"/>
+          </a:effectRef>
+          <a:fontRef idx="minor">
+            <a:schemeClr val="lt1"/>
+          </a:fontRef>
+        </p:style>
+        <p:txBody>
+          <a:bodyPr wrap="none" lIns="45720" rIns="45720" rtlCol="0" anchor="ctr"/>
+          <a:lstStyle/>
+          <a:p>
+            <a:pPr algn="ctr"/>
+            <a:r>
+              <a:rPr lang="en-US" sz="900" dirty="0">
+                <a:solidFill>
+                  <a:srgbClr val="000000"/>
+                </a:solidFill>
+                <a:latin typeface="Courier New" panose="02070309020205020404" pitchFamily="49" charset="0"/>
+                <a:cs typeface="Courier New" panose="02070309020205020404" pitchFamily="49" charset="0"/>
+              </a:rPr>
+              <a:t>R</a:t>
+            </a:r>
+          </a:p>
+        </p:txBody>
+      </p:sp>
+      <p:sp>
+        <p:nvSpPr>
+          <p:cNvPr id="215" name="Rectangle 214"/>
+          <p:cNvSpPr/>
+          <p:nvPr/>
+        </p:nvSpPr>
+        <p:spPr>
+          <a:xfrm>
+            <a:off x="1524000" y="7619978"/>
+            <a:ext cx="457200" cy="152400"/>
+          </a:xfrm>
+          <a:prstGeom prst="rect">
+            <a:avLst/>
+          </a:prstGeom>
+          <a:noFill/>
+          <a:ln>
+            <a:noFill/>
+          </a:ln>
+        </p:spPr>
+        <p:style>
+          <a:lnRef idx="2">
+            <a:schemeClr val="accent1">
+              <a:shade val="50000"/>
+            </a:schemeClr>
+          </a:lnRef>
+          <a:fillRef idx="1">
+            <a:schemeClr val="accent1"/>
+          </a:fillRef>
+          <a:effectRef idx="0">
+            <a:schemeClr val="accent1"/>
+          </a:effectRef>
+          <a:fontRef idx="minor">
+            <a:schemeClr val="lt1"/>
+          </a:fontRef>
+        </p:style>
+        <p:txBody>
+          <a:bodyPr wrap="none" lIns="45720" rIns="45720" rtlCol="0" anchor="ctr"/>
+          <a:lstStyle/>
+          <a:p>
+            <a:r>
+              <a:rPr lang="en-US" sz="900" dirty="0">
+                <a:solidFill>
+                  <a:srgbClr val="000000"/>
+                </a:solidFill>
+                <a:latin typeface="Courier New" panose="02070309020205020404" pitchFamily="49" charset="0"/>
+                <a:cs typeface="Courier New" panose="02070309020205020404" pitchFamily="49" charset="0"/>
+              </a:rPr>
+              <a:t>to</a:t>
+            </a:r>
+          </a:p>
+        </p:txBody>
+      </p:sp>
+      <p:sp>
+        <p:nvSpPr>
+          <p:cNvPr id="218" name="Rectangle 217"/>
+          <p:cNvSpPr/>
+          <p:nvPr/>
+        </p:nvSpPr>
+        <p:spPr>
+          <a:xfrm>
+            <a:off x="2362200" y="7619978"/>
+            <a:ext cx="457200" cy="152400"/>
+          </a:xfrm>
+          <a:prstGeom prst="rect">
+            <a:avLst/>
+          </a:prstGeom>
+          <a:noFill/>
+          <a:ln>
+            <a:noFill/>
+          </a:ln>
+        </p:spPr>
+        <p:style>
+          <a:lnRef idx="2">
+            <a:schemeClr val="accent1">
+              <a:shade val="50000"/>
+            </a:schemeClr>
+          </a:lnRef>
+          <a:fillRef idx="1">
+            <a:schemeClr val="accent1"/>
+          </a:fillRef>
+          <a:effectRef idx="0">
+            <a:schemeClr val="accent1"/>
+          </a:effectRef>
+          <a:fontRef idx="minor">
+            <a:schemeClr val="lt1"/>
+          </a:fontRef>
+        </p:style>
+        <p:txBody>
+          <a:bodyPr wrap="none" lIns="45720" rIns="45720" rtlCol="0" anchor="ctr"/>
+          <a:lstStyle/>
+          <a:p>
+            <a:r>
+              <a:rPr lang="en-US" sz="900" dirty="0">
+                <a:solidFill>
+                  <a:srgbClr val="000000"/>
+                </a:solidFill>
+                <a:latin typeface="Courier New" panose="02070309020205020404" pitchFamily="49" charset="0"/>
+                <a:cs typeface="Courier New" panose="02070309020205020404" pitchFamily="49" charset="0"/>
+              </a:rPr>
+              <a:t>as high active clock</a:t>
+            </a:r>
+          </a:p>
+        </p:txBody>
+      </p:sp>
+      <p:sp>
+        <p:nvSpPr>
+          <p:cNvPr id="221" name="Pentagon 220"/>
+          <p:cNvSpPr/>
+          <p:nvPr/>
+        </p:nvSpPr>
+        <p:spPr>
+          <a:xfrm>
+            <a:off x="304800" y="8077185"/>
             <a:ext cx="228600" cy="152400"/>
           </a:xfrm>
           <a:prstGeom prst="homePlate">
@@ -9545,14 +10402,14 @@
       </p:sp>
       <p:cxnSp>
         <p:nvCxnSpPr>
-          <p:cNvPr id="177" name="Straight Connector 176"/>
+          <p:cNvPr id="222" name="Straight Connector 221"/>
           <p:cNvCxnSpPr/>
           <p:nvPr/>
         </p:nvCxnSpPr>
         <p:spPr>
           <a:xfrm flipV="1">
-            <a:off x="609600" y="6858000"/>
-            <a:ext cx="152400" cy="152404"/>
+            <a:off x="609600" y="8077185"/>
+            <a:ext cx="152400" cy="152400"/>
           </a:xfrm>
           <a:prstGeom prst="line">
             <a:avLst/>
@@ -9582,14 +10439,431 @@
       </p:cxnSp>
       <p:sp>
         <p:nvSpPr>
-          <p:cNvPr id="178" name="Rectangle 177"/>
+          <p:cNvPr id="223" name="Rectangle 222"/>
           <p:cNvSpPr/>
           <p:nvPr/>
         </p:nvSpPr>
         <p:spPr>
           <a:xfrm>
-            <a:off x="838200" y="6781800"/>
+            <a:off x="609600" y="8000985"/>
+            <a:ext cx="152400" cy="76200"/>
+          </a:xfrm>
+          <a:prstGeom prst="rect">
+            <a:avLst/>
+          </a:prstGeom>
+          <a:noFill/>
+          <a:ln>
+            <a:noFill/>
+          </a:ln>
+        </p:spPr>
+        <p:style>
+          <a:lnRef idx="2">
+            <a:schemeClr val="accent1">
+              <a:shade val="50000"/>
+            </a:schemeClr>
+          </a:lnRef>
+          <a:fillRef idx="1">
+            <a:schemeClr val="accent1"/>
+          </a:fillRef>
+          <a:effectRef idx="0">
+            <a:schemeClr val="accent1"/>
+          </a:effectRef>
+          <a:fontRef idx="minor">
+            <a:schemeClr val="lt1"/>
+          </a:fontRef>
+        </p:style>
+        <p:txBody>
+          <a:bodyPr wrap="none" lIns="45720" rIns="45720" rtlCol="0" anchor="ctr"/>
+          <a:lstStyle/>
+          <a:p>
+            <a:pPr algn="ctr"/>
+            <a:r>
+              <a:rPr lang="en-US" sz="900" dirty="0">
+                <a:solidFill>
+                  <a:srgbClr val="000000"/>
+                </a:solidFill>
+                <a:latin typeface="Courier New" panose="02070309020205020404" pitchFamily="49" charset="0"/>
+                <a:cs typeface="Courier New" panose="02070309020205020404" pitchFamily="49" charset="0"/>
+              </a:rPr>
+              <a:t>1</a:t>
+            </a:r>
+          </a:p>
+        </p:txBody>
+      </p:sp>
+      <p:sp>
+        <p:nvSpPr>
+          <p:cNvPr id="247" name="Rectangle 246"/>
+          <p:cNvSpPr/>
+          <p:nvPr/>
+        </p:nvSpPr>
+        <p:spPr>
+          <a:xfrm>
+            <a:off x="838200" y="8000985"/>
             <a:ext cx="457200" cy="152400"/>
+          </a:xfrm>
+          <a:prstGeom prst="rect">
+            <a:avLst/>
+          </a:prstGeom>
+          <a:noFill/>
+          <a:ln>
+            <a:noFill/>
+          </a:ln>
+        </p:spPr>
+        <p:style>
+          <a:lnRef idx="2">
+            <a:schemeClr val="accent1">
+              <a:shade val="50000"/>
+            </a:schemeClr>
+          </a:lnRef>
+          <a:fillRef idx="1">
+            <a:schemeClr val="accent1"/>
+          </a:fillRef>
+          <a:effectRef idx="0">
+            <a:schemeClr val="accent1"/>
+          </a:effectRef>
+          <a:fontRef idx="minor">
+            <a:schemeClr val="lt1"/>
+          </a:fontRef>
+        </p:style>
+        <p:txBody>
+          <a:bodyPr wrap="none" lIns="45720" rIns="45720" rtlCol="0" anchor="ctr"/>
+          <a:lstStyle/>
+          <a:p>
+            <a:r>
+              <a:rPr lang="en-US" sz="900" dirty="0">
+                <a:solidFill>
+                  <a:srgbClr val="000000"/>
+                </a:solidFill>
+                <a:latin typeface="Courier New" panose="02070309020205020404" pitchFamily="49" charset="0"/>
+                <a:cs typeface="Courier New" panose="02070309020205020404" pitchFamily="49" charset="0"/>
+              </a:rPr>
+              <a:t>RSTX</a:t>
+            </a:r>
+          </a:p>
+        </p:txBody>
+      </p:sp>
+      <p:cxnSp>
+        <p:nvCxnSpPr>
+          <p:cNvPr id="251" name="Straight Connector 250"/>
+          <p:cNvCxnSpPr>
+            <a:stCxn id="221" idx="3"/>
+          </p:cNvCxnSpPr>
+          <p:nvPr/>
+        </p:nvCxnSpPr>
+        <p:spPr>
+          <a:xfrm>
+            <a:off x="533400" y="8153385"/>
+            <a:ext cx="914400" cy="0"/>
+          </a:xfrm>
+          <a:prstGeom prst="line">
+            <a:avLst/>
+          </a:prstGeom>
+          <a:ln w="12700">
+            <a:solidFill>
+              <a:srgbClr val="000000"/>
+            </a:solidFill>
+            <a:headEnd type="none" w="med" len="med"/>
+            <a:tailEnd type="triangle" w="med" len="med"/>
+          </a:ln>
+        </p:spPr>
+        <p:style>
+          <a:lnRef idx="1">
+            <a:schemeClr val="accent1"/>
+          </a:lnRef>
+          <a:fillRef idx="0">
+            <a:schemeClr val="accent1"/>
+          </a:fillRef>
+          <a:effectRef idx="0">
+            <a:schemeClr val="accent1"/>
+          </a:effectRef>
+          <a:fontRef idx="minor">
+            <a:schemeClr val="tx1"/>
+          </a:fontRef>
+        </p:style>
+      </p:cxnSp>
+      <p:sp>
+        <p:nvSpPr>
+          <p:cNvPr id="252" name="Rectangle 251"/>
+          <p:cNvSpPr/>
+          <p:nvPr/>
+        </p:nvSpPr>
+        <p:spPr>
+          <a:xfrm>
+            <a:off x="1905000" y="8077207"/>
+            <a:ext cx="304800" cy="304793"/>
+          </a:xfrm>
+          <a:prstGeom prst="rect">
+            <a:avLst/>
+          </a:prstGeom>
+          <a:noFill/>
+          <a:ln w="12700">
+            <a:solidFill>
+              <a:srgbClr val="000000"/>
+            </a:solidFill>
+          </a:ln>
+        </p:spPr>
+        <p:style>
+          <a:lnRef idx="2">
+            <a:schemeClr val="accent1">
+              <a:shade val="50000"/>
+            </a:schemeClr>
+          </a:lnRef>
+          <a:fillRef idx="1">
+            <a:schemeClr val="accent1"/>
+          </a:fillRef>
+          <a:effectRef idx="0">
+            <a:schemeClr val="accent1"/>
+          </a:effectRef>
+          <a:fontRef idx="minor">
+            <a:schemeClr val="lt1"/>
+          </a:fontRef>
+        </p:style>
+        <p:txBody>
+          <a:bodyPr rtlCol="0" anchor="ctr"/>
+          <a:lstStyle/>
+          <a:p>
+            <a:pPr algn="ctr"/>
+            <a:endParaRPr lang="en-US" sz="3730"/>
+          </a:p>
+        </p:txBody>
+      </p:sp>
+      <p:cxnSp>
+        <p:nvCxnSpPr>
+          <p:cNvPr id="253" name="Straight Connector 252"/>
+          <p:cNvCxnSpPr/>
+          <p:nvPr/>
+        </p:nvCxnSpPr>
+        <p:spPr>
+          <a:xfrm flipV="1">
+            <a:off x="1981201" y="8305758"/>
+            <a:ext cx="76200" cy="76200"/>
+          </a:xfrm>
+          <a:prstGeom prst="line">
+            <a:avLst/>
+          </a:prstGeom>
+          <a:ln w="12700">
+            <a:solidFill>
+              <a:srgbClr val="000000"/>
+            </a:solidFill>
+          </a:ln>
+        </p:spPr>
+        <p:style>
+          <a:lnRef idx="1">
+            <a:schemeClr val="accent1"/>
+          </a:lnRef>
+          <a:fillRef idx="0">
+            <a:schemeClr val="accent1"/>
+          </a:fillRef>
+          <a:effectRef idx="0">
+            <a:schemeClr val="accent1"/>
+          </a:effectRef>
+          <a:fontRef idx="minor">
+            <a:schemeClr val="tx1"/>
+          </a:fontRef>
+        </p:style>
+      </p:cxnSp>
+      <p:cxnSp>
+        <p:nvCxnSpPr>
+          <p:cNvPr id="254" name="Straight Connector 253"/>
+          <p:cNvCxnSpPr/>
+          <p:nvPr/>
+        </p:nvCxnSpPr>
+        <p:spPr>
+          <a:xfrm flipH="1" flipV="1">
+            <a:off x="2057401" y="8305758"/>
+            <a:ext cx="76200" cy="76200"/>
+          </a:xfrm>
+          <a:prstGeom prst="line">
+            <a:avLst/>
+          </a:prstGeom>
+          <a:ln w="12700">
+            <a:solidFill>
+              <a:srgbClr val="000000"/>
+            </a:solidFill>
+          </a:ln>
+        </p:spPr>
+        <p:style>
+          <a:lnRef idx="1">
+            <a:schemeClr val="accent1"/>
+          </a:lnRef>
+          <a:fillRef idx="0">
+            <a:schemeClr val="accent1"/>
+          </a:fillRef>
+          <a:effectRef idx="0">
+            <a:schemeClr val="accent1"/>
+          </a:effectRef>
+          <a:fontRef idx="minor">
+            <a:schemeClr val="tx1"/>
+          </a:fontRef>
+        </p:style>
+      </p:cxnSp>
+      <p:sp>
+        <p:nvSpPr>
+          <p:cNvPr id="255" name="Rectangle 254"/>
+          <p:cNvSpPr/>
+          <p:nvPr/>
+        </p:nvSpPr>
+        <p:spPr>
+          <a:xfrm>
+            <a:off x="1981200" y="8077165"/>
+            <a:ext cx="152400" cy="152400"/>
+          </a:xfrm>
+          <a:prstGeom prst="rect">
+            <a:avLst/>
+          </a:prstGeom>
+          <a:noFill/>
+          <a:ln>
+            <a:noFill/>
+          </a:ln>
+        </p:spPr>
+        <p:style>
+          <a:lnRef idx="2">
+            <a:schemeClr val="accent1">
+              <a:shade val="50000"/>
+            </a:schemeClr>
+          </a:lnRef>
+          <a:fillRef idx="1">
+            <a:schemeClr val="accent1"/>
+          </a:fillRef>
+          <a:effectRef idx="0">
+            <a:schemeClr val="accent1"/>
+          </a:effectRef>
+          <a:fontRef idx="minor">
+            <a:schemeClr val="lt1"/>
+          </a:fontRef>
+        </p:style>
+        <p:txBody>
+          <a:bodyPr wrap="none" lIns="45720" rIns="45720" rtlCol="0" anchor="ctr"/>
+          <a:lstStyle/>
+          <a:p>
+            <a:pPr algn="ctr"/>
+            <a:r>
+              <a:rPr lang="en-US" sz="900" dirty="0">
+                <a:solidFill>
+                  <a:srgbClr val="000000"/>
+                </a:solidFill>
+                <a:latin typeface="Courier New" panose="02070309020205020404" pitchFamily="49" charset="0"/>
+                <a:cs typeface="Courier New" panose="02070309020205020404" pitchFamily="49" charset="0"/>
+              </a:rPr>
+              <a:t>R</a:t>
+            </a:r>
+          </a:p>
+        </p:txBody>
+      </p:sp>
+      <p:sp>
+        <p:nvSpPr>
+          <p:cNvPr id="256" name="Rectangle 255"/>
+          <p:cNvSpPr/>
+          <p:nvPr/>
+        </p:nvSpPr>
+        <p:spPr>
+          <a:xfrm>
+            <a:off x="1524000" y="8077185"/>
+            <a:ext cx="457200" cy="152400"/>
+          </a:xfrm>
+          <a:prstGeom prst="rect">
+            <a:avLst/>
+          </a:prstGeom>
+          <a:noFill/>
+          <a:ln>
+            <a:noFill/>
+          </a:ln>
+        </p:spPr>
+        <p:style>
+          <a:lnRef idx="2">
+            <a:schemeClr val="accent1">
+              <a:shade val="50000"/>
+            </a:schemeClr>
+          </a:lnRef>
+          <a:fillRef idx="1">
+            <a:schemeClr val="accent1"/>
+          </a:fillRef>
+          <a:effectRef idx="0">
+            <a:schemeClr val="accent1"/>
+          </a:effectRef>
+          <a:fontRef idx="minor">
+            <a:schemeClr val="lt1"/>
+          </a:fontRef>
+        </p:style>
+        <p:txBody>
+          <a:bodyPr wrap="none" lIns="45720" rIns="45720" rtlCol="0" anchor="ctr"/>
+          <a:lstStyle/>
+          <a:p>
+            <a:r>
+              <a:rPr lang="en-US" sz="900" dirty="0">
+                <a:solidFill>
+                  <a:srgbClr val="000000"/>
+                </a:solidFill>
+                <a:latin typeface="Courier New" panose="02070309020205020404" pitchFamily="49" charset="0"/>
+                <a:cs typeface="Courier New" panose="02070309020205020404" pitchFamily="49" charset="0"/>
+              </a:rPr>
+              <a:t>to</a:t>
+            </a:r>
+          </a:p>
+        </p:txBody>
+      </p:sp>
+      <p:sp>
+        <p:nvSpPr>
+          <p:cNvPr id="257" name="Rectangle 256"/>
+          <p:cNvSpPr/>
+          <p:nvPr/>
+        </p:nvSpPr>
+        <p:spPr>
+          <a:xfrm>
+            <a:off x="2362200" y="8077185"/>
+            <a:ext cx="457200" cy="152400"/>
+          </a:xfrm>
+          <a:prstGeom prst="rect">
+            <a:avLst/>
+          </a:prstGeom>
+          <a:noFill/>
+          <a:ln>
+            <a:noFill/>
+          </a:ln>
+        </p:spPr>
+        <p:style>
+          <a:lnRef idx="2">
+            <a:schemeClr val="accent1">
+              <a:shade val="50000"/>
+            </a:schemeClr>
+          </a:lnRef>
+          <a:fillRef idx="1">
+            <a:schemeClr val="accent1"/>
+          </a:fillRef>
+          <a:effectRef idx="0">
+            <a:schemeClr val="accent1"/>
+          </a:effectRef>
+          <a:fontRef idx="minor">
+            <a:schemeClr val="lt1"/>
+          </a:fontRef>
+        </p:style>
+        <p:txBody>
+          <a:bodyPr wrap="none" lIns="45720" rIns="45720" rtlCol="0" anchor="ctr"/>
+          <a:lstStyle/>
+          <a:p>
+            <a:r>
+              <a:rPr lang="en-US" sz="900" dirty="0">
+                <a:solidFill>
+                  <a:srgbClr val="000000"/>
+                </a:solidFill>
+                <a:latin typeface="Courier New" panose="02070309020205020404" pitchFamily="49" charset="0"/>
+                <a:cs typeface="Courier New" panose="02070309020205020404" pitchFamily="49" charset="0"/>
+              </a:rPr>
+              <a:t>as low active asynchronous reset</a:t>
+            </a:r>
+          </a:p>
+        </p:txBody>
+      </p:sp>
+      <p:sp>
+        <p:nvSpPr>
+          <p:cNvPr id="175" name="Rectangle 174"/>
+          <p:cNvSpPr/>
+          <p:nvPr/>
+        </p:nvSpPr>
+        <p:spPr>
+          <a:xfrm>
+            <a:off x="2133600" y="2971800"/>
+            <a:ext cx="304800" cy="152400"/>
           </a:xfrm>
           <a:prstGeom prst="rect">
             <a:avLst/>
@@ -9627,7 +10901,7 @@
                 <a:latin typeface="Courier New" panose="02070309020205020404" pitchFamily="49" charset="0"/>
                 <a:cs typeface="Courier New" panose="02070309020205020404" pitchFamily="49" charset="0"/>
               </a:rPr>
-              <a:t>PHY_INIT</a:t>
+              <a:t>EN</a:t>
             </a:r>
             <a:endParaRPr lang="en-US" sz="900" dirty="0">
               <a:solidFill>
@@ -9639,15 +10913,199 @@
           </a:p>
         </p:txBody>
       </p:sp>
-      <p:sp>
-        <p:nvSpPr>
-          <p:cNvPr id="180" name="Rectangle 179"/>
+      <p:cxnSp>
+        <p:nvCxnSpPr>
+          <p:cNvPr id="182" name="Straight Connector 181"/>
+          <p:cNvCxnSpPr/>
+          <p:nvPr/>
+        </p:nvCxnSpPr>
+        <p:spPr>
+          <a:xfrm flipH="1">
+            <a:off x="1828800" y="3048000"/>
+            <a:ext cx="304800" cy="0"/>
+          </a:xfrm>
+          <a:prstGeom prst="line">
+            <a:avLst/>
+          </a:prstGeom>
+          <a:ln w="12700">
+            <a:solidFill>
+              <a:srgbClr val="000000"/>
+            </a:solidFill>
+            <a:headEnd type="none" w="med" len="med"/>
+            <a:tailEnd type="none" w="med" len="med"/>
+          </a:ln>
+        </p:spPr>
+        <p:style>
+          <a:lnRef idx="1">
+            <a:schemeClr val="accent1"/>
+          </a:lnRef>
+          <a:fillRef idx="0">
+            <a:schemeClr val="accent1"/>
+          </a:fillRef>
+          <a:effectRef idx="0">
+            <a:schemeClr val="accent1"/>
+          </a:effectRef>
+          <a:fontRef idx="minor">
+            <a:schemeClr val="tx1"/>
+          </a:fontRef>
+        </p:style>
+      </p:cxnSp>
+      <p:sp>
+        <p:nvSpPr>
+          <p:cNvPr id="183" name="Pentagon 182"/>
           <p:cNvSpPr/>
           <p:nvPr/>
         </p:nvSpPr>
         <p:spPr>
           <a:xfrm>
-            <a:off x="609601" y="6781800"/>
+            <a:off x="304800" y="1447800"/>
+            <a:ext cx="228600" cy="152400"/>
+          </a:xfrm>
+          <a:prstGeom prst="homePlate">
+            <a:avLst/>
+          </a:prstGeom>
+          <a:noFill/>
+          <a:ln w="12700">
+            <a:solidFill>
+              <a:schemeClr val="tx1"/>
+            </a:solidFill>
+          </a:ln>
+        </p:spPr>
+        <p:style>
+          <a:lnRef idx="2">
+            <a:schemeClr val="accent1">
+              <a:shade val="50000"/>
+            </a:schemeClr>
+          </a:lnRef>
+          <a:fillRef idx="1">
+            <a:schemeClr val="accent1"/>
+          </a:fillRef>
+          <a:effectRef idx="0">
+            <a:schemeClr val="accent1"/>
+          </a:effectRef>
+          <a:fontRef idx="minor">
+            <a:schemeClr val="lt1"/>
+          </a:fontRef>
+        </p:style>
+        <p:txBody>
+          <a:bodyPr rot="0" spcFirstLastPara="0" vertOverflow="overflow" horzOverflow="overflow" vert="horz" wrap="square" lIns="91440" tIns="45720" rIns="91440" bIns="45720" numCol="1" spcCol="0" rtlCol="0" fromWordArt="0" anchor="ctr" anchorCtr="0" forceAA="0" compatLnSpc="1">
+            <a:prstTxWarp prst="textNoShape">
+              <a:avLst/>
+            </a:prstTxWarp>
+            <a:noAutofit/>
+          </a:bodyPr>
+          <a:lstStyle/>
+          <a:p>
+            <a:pPr algn="ctr"/>
+            <a:endParaRPr lang="en-US" sz="3730"/>
+          </a:p>
+        </p:txBody>
+      </p:sp>
+      <p:cxnSp>
+        <p:nvCxnSpPr>
+          <p:cNvPr id="186" name="Straight Connector 185"/>
+          <p:cNvCxnSpPr/>
+          <p:nvPr/>
+        </p:nvCxnSpPr>
+        <p:spPr>
+          <a:xfrm flipV="1">
+            <a:off x="609600" y="1447800"/>
+            <a:ext cx="152400" cy="152404"/>
+          </a:xfrm>
+          <a:prstGeom prst="line">
+            <a:avLst/>
+          </a:prstGeom>
+          <a:ln w="12700">
+            <a:solidFill>
+              <a:srgbClr val="000000"/>
+            </a:solidFill>
+            <a:headEnd type="none" w="med" len="med"/>
+            <a:tailEnd type="none" w="med" len="med"/>
+          </a:ln>
+        </p:spPr>
+        <p:style>
+          <a:lnRef idx="1">
+            <a:schemeClr val="accent1"/>
+          </a:lnRef>
+          <a:fillRef idx="0">
+            <a:schemeClr val="accent1"/>
+          </a:fillRef>
+          <a:effectRef idx="0">
+            <a:schemeClr val="accent1"/>
+          </a:effectRef>
+          <a:fontRef idx="minor">
+            <a:schemeClr val="tx1"/>
+          </a:fontRef>
+        </p:style>
+      </p:cxnSp>
+      <p:sp>
+        <p:nvSpPr>
+          <p:cNvPr id="187" name="Rectangle 186"/>
+          <p:cNvSpPr/>
+          <p:nvPr/>
+        </p:nvSpPr>
+        <p:spPr>
+          <a:xfrm>
+            <a:off x="838200" y="1371600"/>
+            <a:ext cx="457200" cy="152400"/>
+          </a:xfrm>
+          <a:prstGeom prst="rect">
+            <a:avLst/>
+          </a:prstGeom>
+          <a:noFill/>
+          <a:ln>
+            <a:noFill/>
+          </a:ln>
+        </p:spPr>
+        <p:style>
+          <a:lnRef idx="2">
+            <a:schemeClr val="accent1">
+              <a:shade val="50000"/>
+            </a:schemeClr>
+          </a:lnRef>
+          <a:fillRef idx="1">
+            <a:schemeClr val="accent1"/>
+          </a:fillRef>
+          <a:effectRef idx="0">
+            <a:schemeClr val="accent1"/>
+          </a:effectRef>
+          <a:fontRef idx="minor">
+            <a:schemeClr val="lt1"/>
+          </a:fontRef>
+        </p:style>
+        <p:txBody>
+          <a:bodyPr wrap="none" lIns="45720" rIns="45720" rtlCol="0" anchor="ctr"/>
+          <a:lstStyle/>
+          <a:p>
+            <a:r>
+              <a:rPr lang="en-US" sz="900" dirty="0" smtClean="0">
+                <a:solidFill>
+                  <a:srgbClr val="000000"/>
+                </a:solidFill>
+                <a:latin typeface="Courier New" panose="02070309020205020404" pitchFamily="49" charset="0"/>
+                <a:cs typeface="Courier New" panose="02070309020205020404" pitchFamily="49" charset="0"/>
+              </a:rPr>
+              <a:t>DIPUSH</a:t>
+            </a:r>
+            <a:endParaRPr lang="en-US" sz="900" dirty="0">
+              <a:solidFill>
+                <a:srgbClr val="000000"/>
+              </a:solidFill>
+              <a:latin typeface="Courier New" panose="02070309020205020404" pitchFamily="49" charset="0"/>
+              <a:cs typeface="Courier New" panose="02070309020205020404" pitchFamily="49" charset="0"/>
+            </a:endParaRPr>
+          </a:p>
+        </p:txBody>
+      </p:sp>
+      <p:sp>
+        <p:nvSpPr>
+          <p:cNvPr id="188" name="Rectangle 187"/>
+          <p:cNvSpPr/>
+          <p:nvPr/>
+        </p:nvSpPr>
+        <p:spPr>
+          <a:xfrm>
+            <a:off x="609601" y="1371600"/>
             <a:ext cx="152400" cy="76200"/>
           </a:xfrm>
           <a:prstGeom prst="rect">
@@ -9701,16 +11159,102 @@
       </p:sp>
       <p:cxnSp>
         <p:nvCxnSpPr>
-          <p:cNvPr id="181" name="Straight Connector 180"/>
-          <p:cNvCxnSpPr>
-            <a:stCxn id="176" idx="3"/>
-          </p:cNvCxnSpPr>
+          <p:cNvPr id="189" name="Straight Connector 188"/>
+          <p:cNvCxnSpPr/>
           <p:nvPr/>
         </p:nvCxnSpPr>
         <p:spPr>
           <a:xfrm>
-            <a:off x="533400" y="6934200"/>
-            <a:ext cx="8001000" cy="0"/>
+            <a:off x="1828800" y="1524000"/>
+            <a:ext cx="0" cy="1524000"/>
+          </a:xfrm>
+          <a:prstGeom prst="line">
+            <a:avLst/>
+          </a:prstGeom>
+          <a:ln w="12700">
+            <a:solidFill>
+              <a:srgbClr val="000000"/>
+            </a:solidFill>
+            <a:headEnd type="oval" w="med" len="med"/>
+            <a:tailEnd type="none" w="med" len="med"/>
+          </a:ln>
+        </p:spPr>
+        <p:style>
+          <a:lnRef idx="1">
+            <a:schemeClr val="accent1"/>
+          </a:lnRef>
+          <a:fillRef idx="0">
+            <a:schemeClr val="accent1"/>
+          </a:fillRef>
+          <a:effectRef idx="0">
+            <a:schemeClr val="accent1"/>
+          </a:effectRef>
+          <a:fontRef idx="minor">
+            <a:schemeClr val="tx1"/>
+          </a:fontRef>
+        </p:style>
+      </p:cxnSp>
+      <p:sp>
+        <p:nvSpPr>
+          <p:cNvPr id="224" name="Pentagon 223"/>
+          <p:cNvSpPr/>
+          <p:nvPr/>
+        </p:nvSpPr>
+        <p:spPr>
+          <a:xfrm>
+            <a:off x="12192000" y="1447804"/>
+            <a:ext cx="228600" cy="152400"/>
+          </a:xfrm>
+          <a:prstGeom prst="homePlate">
+            <a:avLst/>
+          </a:prstGeom>
+          <a:noFill/>
+          <a:ln w="12700">
+            <a:solidFill>
+              <a:schemeClr val="tx1"/>
+            </a:solidFill>
+          </a:ln>
+        </p:spPr>
+        <p:style>
+          <a:lnRef idx="2">
+            <a:schemeClr val="accent1">
+              <a:shade val="50000"/>
+            </a:schemeClr>
+          </a:lnRef>
+          <a:fillRef idx="1">
+            <a:schemeClr val="accent1"/>
+          </a:fillRef>
+          <a:effectRef idx="0">
+            <a:schemeClr val="accent1"/>
+          </a:effectRef>
+          <a:fontRef idx="minor">
+            <a:schemeClr val="lt1"/>
+          </a:fontRef>
+        </p:style>
+        <p:txBody>
+          <a:bodyPr rot="0" spcFirstLastPara="0" vertOverflow="overflow" horzOverflow="overflow" vert="horz" wrap="square" lIns="91440" tIns="45720" rIns="91440" bIns="45720" numCol="1" spcCol="0" rtlCol="0" fromWordArt="0" anchor="ctr" anchorCtr="0" forceAA="0" compatLnSpc="1">
+            <a:prstTxWarp prst="textNoShape">
+              <a:avLst/>
+            </a:prstTxWarp>
+            <a:noAutofit/>
+          </a:bodyPr>
+          <a:lstStyle/>
+          <a:p>
+            <a:pPr algn="ctr"/>
+            <a:endParaRPr lang="en-US" sz="3730"/>
+          </a:p>
+        </p:txBody>
+      </p:sp>
+      <p:cxnSp>
+        <p:nvCxnSpPr>
+          <p:cNvPr id="225" name="Straight Connector 224"/>
+          <p:cNvCxnSpPr/>
+          <p:nvPr/>
+        </p:nvCxnSpPr>
+        <p:spPr>
+          <a:xfrm flipV="1">
+            <a:off x="11963400" y="1447800"/>
+            <a:ext cx="152400" cy="152404"/>
           </a:xfrm>
           <a:prstGeom prst="line">
             <a:avLst/>
@@ -9738,52 +11282,15 @@
           </a:fontRef>
         </p:style>
       </p:cxnSp>
-      <p:cxnSp>
-        <p:nvCxnSpPr>
-          <p:cNvPr id="184" name="Straight Connector 183"/>
-          <p:cNvCxnSpPr/>
-          <p:nvPr/>
-        </p:nvCxnSpPr>
-        <p:spPr>
-          <a:xfrm>
-            <a:off x="8153400" y="6324600"/>
-            <a:ext cx="304800" cy="0"/>
-          </a:xfrm>
-          <a:prstGeom prst="line">
-            <a:avLst/>
-          </a:prstGeom>
-          <a:ln w="12700">
-            <a:solidFill>
-              <a:srgbClr val="000000"/>
-            </a:solidFill>
-            <a:headEnd type="none" w="med" len="med"/>
-            <a:tailEnd type="none" w="med" len="med"/>
-          </a:ln>
-        </p:spPr>
-        <p:style>
-          <a:lnRef idx="1">
-            <a:schemeClr val="accent1"/>
-          </a:lnRef>
-          <a:fillRef idx="0">
-            <a:schemeClr val="accent1"/>
-          </a:fillRef>
-          <a:effectRef idx="0">
-            <a:schemeClr val="accent1"/>
-          </a:effectRef>
-          <a:fontRef idx="minor">
-            <a:schemeClr val="tx1"/>
-          </a:fontRef>
-        </p:style>
-      </p:cxnSp>
-      <p:sp>
-        <p:nvSpPr>
-          <p:cNvPr id="185" name="Rectangle 184"/>
+      <p:sp>
+        <p:nvSpPr>
+          <p:cNvPr id="226" name="Rectangle 225"/>
           <p:cNvSpPr/>
           <p:nvPr/>
         </p:nvSpPr>
         <p:spPr>
           <a:xfrm>
-            <a:off x="8001000" y="6172200"/>
+            <a:off x="11201400" y="1371600"/>
             <a:ext cx="457200" cy="152400"/>
           </a:xfrm>
           <a:prstGeom prst="rect">
@@ -9822,7 +11329,7 @@
                 <a:latin typeface="Courier New" panose="02070309020205020404" pitchFamily="49" charset="0"/>
                 <a:cs typeface="Courier New" panose="02070309020205020404" pitchFamily="49" charset="0"/>
               </a:rPr>
-              <a:t>32’d0</a:t>
+              <a:t>DOPUSH</a:t>
             </a:r>
             <a:endParaRPr lang="en-US" sz="900" dirty="0">
               <a:solidFill>
@@ -9836,23 +11343,21 @@
       </p:sp>
       <p:sp>
         <p:nvSpPr>
-          <p:cNvPr id="190" name="Pentagon 189"/>
+          <p:cNvPr id="227" name="Rectangle 226"/>
           <p:cNvSpPr/>
           <p:nvPr/>
         </p:nvSpPr>
         <p:spPr>
           <a:xfrm>
-            <a:off x="304800" y="7315200"/>
-            <a:ext cx="228600" cy="152400"/>
-          </a:xfrm>
-          <a:prstGeom prst="homePlate">
+            <a:off x="11963401" y="1371600"/>
+            <a:ext cx="152400" cy="76200"/>
+          </a:xfrm>
+          <a:prstGeom prst="rect">
             <a:avLst/>
           </a:prstGeom>
           <a:noFill/>
-          <a:ln w="12700">
-            <a:solidFill>
-              <a:schemeClr val="tx1"/>
-            </a:solidFill>
+          <a:ln>
+            <a:noFill/>
           </a:ln>
         </p:spPr>
         <p:style>
@@ -9872,98 +11377,12 @@
           </a:fontRef>
         </p:style>
         <p:txBody>
-          <a:bodyPr rot="0" spcFirstLastPara="0" vertOverflow="overflow" horzOverflow="overflow" vert="horz" wrap="square" lIns="91440" tIns="45720" rIns="91440" bIns="45720" numCol="1" spcCol="0" rtlCol="0" fromWordArt="0" anchor="ctr" anchorCtr="0" forceAA="0" compatLnSpc="1">
-            <a:prstTxWarp prst="textNoShape">
-              <a:avLst/>
-            </a:prstTxWarp>
-            <a:noAutofit/>
-          </a:bodyPr>
+          <a:bodyPr wrap="none" lIns="45720" rIns="45720" rtlCol="0" anchor="ctr"/>
           <a:lstStyle/>
           <a:p>
             <a:pPr algn="ctr"/>
-            <a:endParaRPr lang="en-US" sz="3730"/>
-          </a:p>
-        </p:txBody>
-      </p:sp>
-      <p:cxnSp>
-        <p:nvCxnSpPr>
-          <p:cNvPr id="193" name="Straight Connector 192"/>
-          <p:cNvCxnSpPr/>
-          <p:nvPr/>
-        </p:nvCxnSpPr>
-        <p:spPr>
-          <a:xfrm flipV="1">
-            <a:off x="609600" y="7315200"/>
-            <a:ext cx="152400" cy="152400"/>
-          </a:xfrm>
-          <a:prstGeom prst="line">
-            <a:avLst/>
-          </a:prstGeom>
-          <a:ln w="12700">
-            <a:solidFill>
-              <a:srgbClr val="000000"/>
-            </a:solidFill>
-            <a:headEnd type="none" w="med" len="med"/>
-            <a:tailEnd type="none" w="med" len="med"/>
-          </a:ln>
-        </p:spPr>
-        <p:style>
-          <a:lnRef idx="1">
-            <a:schemeClr val="accent1"/>
-          </a:lnRef>
-          <a:fillRef idx="0">
-            <a:schemeClr val="accent1"/>
-          </a:fillRef>
-          <a:effectRef idx="0">
-            <a:schemeClr val="accent1"/>
-          </a:effectRef>
-          <a:fontRef idx="minor">
-            <a:schemeClr val="tx1"/>
-          </a:fontRef>
-        </p:style>
-      </p:cxnSp>
-      <p:sp>
-        <p:nvSpPr>
-          <p:cNvPr id="195" name="Rectangle 194"/>
-          <p:cNvSpPr/>
-          <p:nvPr/>
-        </p:nvSpPr>
-        <p:spPr>
-          <a:xfrm>
-            <a:off x="609600" y="7239000"/>
-            <a:ext cx="152400" cy="76200"/>
-          </a:xfrm>
-          <a:prstGeom prst="rect">
-            <a:avLst/>
-          </a:prstGeom>
-          <a:noFill/>
-          <a:ln>
-            <a:noFill/>
-          </a:ln>
-        </p:spPr>
-        <p:style>
-          <a:lnRef idx="2">
-            <a:schemeClr val="accent1">
-              <a:shade val="50000"/>
-            </a:schemeClr>
-          </a:lnRef>
-          <a:fillRef idx="1">
-            <a:schemeClr val="accent1"/>
-          </a:fillRef>
-          <a:effectRef idx="0">
-            <a:schemeClr val="accent1"/>
-          </a:effectRef>
-          <a:fontRef idx="minor">
-            <a:schemeClr val="lt1"/>
-          </a:fontRef>
-        </p:style>
-        <p:txBody>
-          <a:bodyPr wrap="none" lIns="45720" rIns="45720" rtlCol="0" anchor="ctr"/>
-          <a:lstStyle/>
-          <a:p>
-            <a:pPr algn="ctr"/>
-            <a:r>
-              <a:rPr lang="en-US" sz="900" dirty="0">
+            <a:r>
+              <a:rPr lang="en-US" sz="900" dirty="0" smtClean="0">
                 <a:solidFill>
                   <a:srgbClr val="000000"/>
                 </a:solidFill>
@@ -9972,26 +11391,35 @@
               </a:rPr>
               <a:t>1</a:t>
             </a:r>
-          </a:p>
-        </p:txBody>
-      </p:sp>
-      <p:sp>
-        <p:nvSpPr>
-          <p:cNvPr id="196" name="Rectangle 195"/>
+            <a:endParaRPr lang="en-US" sz="900" dirty="0">
+              <a:solidFill>
+                <a:srgbClr val="000000"/>
+              </a:solidFill>
+              <a:latin typeface="Courier New" panose="02070309020205020404" pitchFamily="49" charset="0"/>
+              <a:cs typeface="Courier New" panose="02070309020205020404" pitchFamily="49" charset="0"/>
+            </a:endParaRPr>
+          </a:p>
+        </p:txBody>
+      </p:sp>
+      <p:sp>
+        <p:nvSpPr>
+          <p:cNvPr id="228" name="Rectangle 227"/>
           <p:cNvSpPr/>
           <p:nvPr/>
         </p:nvSpPr>
         <p:spPr>
           <a:xfrm>
-            <a:off x="838200" y="7239000"/>
-            <a:ext cx="457200" cy="152400"/>
+            <a:off x="2133600" y="1447808"/>
+            <a:ext cx="304800" cy="304793"/>
           </a:xfrm>
           <a:prstGeom prst="rect">
             <a:avLst/>
           </a:prstGeom>
           <a:noFill/>
-          <a:ln>
-            <a:noFill/>
+          <a:ln w="12700">
+            <a:solidFill>
+              <a:srgbClr val="000000"/>
+            </a:solidFill>
           </a:ln>
         </p:spPr>
         <p:style>
@@ -10011,116 +11439,23 @@
           </a:fontRef>
         </p:style>
         <p:txBody>
-          <a:bodyPr wrap="none" lIns="45720" rIns="45720" rtlCol="0" anchor="ctr"/>
-          <a:lstStyle/>
-          <a:p>
-            <a:r>
-              <a:rPr lang="en-US" sz="900" dirty="0">
-                <a:solidFill>
-                  <a:srgbClr val="000000"/>
-                </a:solidFill>
-                <a:latin typeface="Courier New" panose="02070309020205020404" pitchFamily="49" charset="0"/>
-                <a:cs typeface="Courier New" panose="02070309020205020404" pitchFamily="49" charset="0"/>
-              </a:rPr>
-              <a:t>CLK</a:t>
-            </a:r>
+          <a:bodyPr rtlCol="0" anchor="ctr"/>
+          <a:lstStyle/>
+          <a:p>
+            <a:pPr algn="ctr"/>
+            <a:endParaRPr lang="en-US" sz="3730"/>
           </a:p>
         </p:txBody>
       </p:sp>
       <p:cxnSp>
         <p:nvCxnSpPr>
-          <p:cNvPr id="197" name="Straight Connector 196"/>
-          <p:cNvCxnSpPr>
-            <a:stCxn id="190" idx="3"/>
-          </p:cNvCxnSpPr>
+          <p:cNvPr id="229" name="Straight Connector 228"/>
+          <p:cNvCxnSpPr/>
           <p:nvPr/>
         </p:nvCxnSpPr>
         <p:spPr>
-          <a:xfrm>
-            <a:off x="533400" y="7391400"/>
-            <a:ext cx="914400" cy="0"/>
-          </a:xfrm>
-          <a:prstGeom prst="line">
-            <a:avLst/>
-          </a:prstGeom>
-          <a:ln w="12700">
-            <a:solidFill>
-              <a:srgbClr val="000000"/>
-            </a:solidFill>
-            <a:headEnd type="none" w="med" len="med"/>
-            <a:tailEnd type="triangle" w="med" len="med"/>
-          </a:ln>
-        </p:spPr>
-        <p:style>
-          <a:lnRef idx="1">
-            <a:schemeClr val="accent1"/>
-          </a:lnRef>
-          <a:fillRef idx="0">
-            <a:schemeClr val="accent1"/>
-          </a:fillRef>
-          <a:effectRef idx="0">
-            <a:schemeClr val="accent1"/>
-          </a:effectRef>
-          <a:fontRef idx="minor">
-            <a:schemeClr val="tx1"/>
-          </a:fontRef>
-        </p:style>
-      </p:cxnSp>
-      <p:sp>
-        <p:nvSpPr>
-          <p:cNvPr id="198" name="Rectangle 197"/>
-          <p:cNvSpPr/>
-          <p:nvPr/>
-        </p:nvSpPr>
-        <p:spPr>
-          <a:xfrm>
-            <a:off x="1905000" y="7315222"/>
-            <a:ext cx="304800" cy="304793"/>
-          </a:xfrm>
-          <a:prstGeom prst="rect">
-            <a:avLst/>
-          </a:prstGeom>
-          <a:noFill/>
-          <a:ln w="12700">
-            <a:solidFill>
-              <a:srgbClr val="000000"/>
-            </a:solidFill>
-          </a:ln>
-        </p:spPr>
-        <p:style>
-          <a:lnRef idx="2">
-            <a:schemeClr val="accent1">
-              <a:shade val="50000"/>
-            </a:schemeClr>
-          </a:lnRef>
-          <a:fillRef idx="1">
-            <a:schemeClr val="accent1"/>
-          </a:fillRef>
-          <a:effectRef idx="0">
-            <a:schemeClr val="accent1"/>
-          </a:effectRef>
-          <a:fontRef idx="minor">
-            <a:schemeClr val="lt1"/>
-          </a:fontRef>
-        </p:style>
-        <p:txBody>
-          <a:bodyPr rtlCol="0" anchor="ctr"/>
-          <a:lstStyle/>
-          <a:p>
-            <a:pPr algn="ctr"/>
-            <a:endParaRPr lang="en-US" sz="3730"/>
-          </a:p>
-        </p:txBody>
-      </p:sp>
-      <p:cxnSp>
-        <p:nvCxnSpPr>
-          <p:cNvPr id="207" name="Straight Connector 206"/>
-          <p:cNvCxnSpPr/>
-          <p:nvPr/>
-        </p:nvCxnSpPr>
-        <p:spPr>
           <a:xfrm flipV="1">
-            <a:off x="1981201" y="7543773"/>
+            <a:off x="2209801" y="1676363"/>
             <a:ext cx="76200" cy="76200"/>
           </a:xfrm>
           <a:prstGeom prst="line">
@@ -10149,13 +11484,13 @@
       </p:cxnSp>
       <p:cxnSp>
         <p:nvCxnSpPr>
-          <p:cNvPr id="208" name="Straight Connector 207"/>
+          <p:cNvPr id="230" name="Straight Connector 229"/>
           <p:cNvCxnSpPr/>
           <p:nvPr/>
         </p:nvCxnSpPr>
         <p:spPr>
           <a:xfrm flipH="1" flipV="1">
-            <a:off x="2057401" y="7543773"/>
+            <a:off x="2286001" y="1676363"/>
             <a:ext cx="76200" cy="76200"/>
           </a:xfrm>
           <a:prstGeom prst="line">
@@ -10184,13 +11519,13 @@
       </p:cxnSp>
       <p:sp>
         <p:nvSpPr>
-          <p:cNvPr id="209" name="Rectangle 208"/>
+          <p:cNvPr id="231" name="Rectangle 230"/>
           <p:cNvSpPr/>
           <p:nvPr/>
         </p:nvSpPr>
         <p:spPr>
           <a:xfrm>
-            <a:off x="1981200" y="7315180"/>
+            <a:off x="2209800" y="1447772"/>
             <a:ext cx="152400" cy="152400"/>
           </a:xfrm>
           <a:prstGeom prst="rect">
@@ -10235,16 +11570,53 @@
           </a:p>
         </p:txBody>
       </p:sp>
-      <p:sp>
-        <p:nvSpPr>
-          <p:cNvPr id="215" name="Rectangle 214"/>
+      <p:cxnSp>
+        <p:nvCxnSpPr>
+          <p:cNvPr id="232" name="Straight Connector 231"/>
+          <p:cNvCxnSpPr/>
+          <p:nvPr/>
+        </p:nvCxnSpPr>
+        <p:spPr>
+          <a:xfrm flipV="1">
+            <a:off x="2514600" y="1447800"/>
+            <a:ext cx="152400" cy="152404"/>
+          </a:xfrm>
+          <a:prstGeom prst="line">
+            <a:avLst/>
+          </a:prstGeom>
+          <a:ln w="12700">
+            <a:solidFill>
+              <a:srgbClr val="000000"/>
+            </a:solidFill>
+            <a:headEnd type="none" w="med" len="med"/>
+            <a:tailEnd type="none" w="med" len="med"/>
+          </a:ln>
+        </p:spPr>
+        <p:style>
+          <a:lnRef idx="1">
+            <a:schemeClr val="accent1"/>
+          </a:lnRef>
+          <a:fillRef idx="0">
+            <a:schemeClr val="accent1"/>
+          </a:fillRef>
+          <a:effectRef idx="0">
+            <a:schemeClr val="accent1"/>
+          </a:effectRef>
+          <a:fontRef idx="minor">
+            <a:schemeClr val="tx1"/>
+          </a:fontRef>
+        </p:style>
+      </p:cxnSp>
+      <p:sp>
+        <p:nvSpPr>
+          <p:cNvPr id="233" name="Rectangle 232"/>
           <p:cNvSpPr/>
           <p:nvPr/>
         </p:nvSpPr>
         <p:spPr>
           <a:xfrm>
-            <a:off x="1524000" y="7315200"/>
-            <a:ext cx="457200" cy="152400"/>
+            <a:off x="2514601" y="1371600"/>
+            <a:ext cx="152400" cy="76200"/>
           </a:xfrm>
           <a:prstGeom prst="rect">
             <a:avLst/>
@@ -10274,201 +11646,9 @@
           <a:bodyPr wrap="none" lIns="45720" rIns="45720" rtlCol="0" anchor="ctr"/>
           <a:lstStyle/>
           <a:p>
-            <a:r>
-              <a:rPr lang="en-US" sz="900" dirty="0">
-                <a:solidFill>
-                  <a:srgbClr val="000000"/>
-                </a:solidFill>
-                <a:latin typeface="Courier New" panose="02070309020205020404" pitchFamily="49" charset="0"/>
-                <a:cs typeface="Courier New" panose="02070309020205020404" pitchFamily="49" charset="0"/>
-              </a:rPr>
-              <a:t>to</a:t>
-            </a:r>
-          </a:p>
-        </p:txBody>
-      </p:sp>
-      <p:sp>
-        <p:nvSpPr>
-          <p:cNvPr id="218" name="Rectangle 217"/>
-          <p:cNvSpPr/>
-          <p:nvPr/>
-        </p:nvSpPr>
-        <p:spPr>
-          <a:xfrm>
-            <a:off x="2362200" y="7315200"/>
-            <a:ext cx="457200" cy="152400"/>
-          </a:xfrm>
-          <a:prstGeom prst="rect">
-            <a:avLst/>
-          </a:prstGeom>
-          <a:noFill/>
-          <a:ln>
-            <a:noFill/>
-          </a:ln>
-        </p:spPr>
-        <p:style>
-          <a:lnRef idx="2">
-            <a:schemeClr val="accent1">
-              <a:shade val="50000"/>
-            </a:schemeClr>
-          </a:lnRef>
-          <a:fillRef idx="1">
-            <a:schemeClr val="accent1"/>
-          </a:fillRef>
-          <a:effectRef idx="0">
-            <a:schemeClr val="accent1"/>
-          </a:effectRef>
-          <a:fontRef idx="minor">
-            <a:schemeClr val="lt1"/>
-          </a:fontRef>
-        </p:style>
-        <p:txBody>
-          <a:bodyPr wrap="none" lIns="45720" rIns="45720" rtlCol="0" anchor="ctr"/>
-          <a:lstStyle/>
-          <a:p>
-            <a:r>
-              <a:rPr lang="en-US" sz="900" dirty="0">
-                <a:solidFill>
-                  <a:srgbClr val="000000"/>
-                </a:solidFill>
-                <a:latin typeface="Courier New" panose="02070309020205020404" pitchFamily="49" charset="0"/>
-                <a:cs typeface="Courier New" panose="02070309020205020404" pitchFamily="49" charset="0"/>
-              </a:rPr>
-              <a:t>as high active clock</a:t>
-            </a:r>
-          </a:p>
-        </p:txBody>
-      </p:sp>
-      <p:sp>
-        <p:nvSpPr>
-          <p:cNvPr id="221" name="Pentagon 220"/>
-          <p:cNvSpPr/>
-          <p:nvPr/>
-        </p:nvSpPr>
-        <p:spPr>
-          <a:xfrm>
-            <a:off x="304800" y="7772407"/>
-            <a:ext cx="228600" cy="152400"/>
-          </a:xfrm>
-          <a:prstGeom prst="homePlate">
-            <a:avLst/>
-          </a:prstGeom>
-          <a:noFill/>
-          <a:ln w="12700">
-            <a:solidFill>
-              <a:schemeClr val="tx1"/>
-            </a:solidFill>
-          </a:ln>
-        </p:spPr>
-        <p:style>
-          <a:lnRef idx="2">
-            <a:schemeClr val="accent1">
-              <a:shade val="50000"/>
-            </a:schemeClr>
-          </a:lnRef>
-          <a:fillRef idx="1">
-            <a:schemeClr val="accent1"/>
-          </a:fillRef>
-          <a:effectRef idx="0">
-            <a:schemeClr val="accent1"/>
-          </a:effectRef>
-          <a:fontRef idx="minor">
-            <a:schemeClr val="lt1"/>
-          </a:fontRef>
-        </p:style>
-        <p:txBody>
-          <a:bodyPr rot="0" spcFirstLastPara="0" vertOverflow="overflow" horzOverflow="overflow" vert="horz" wrap="square" lIns="91440" tIns="45720" rIns="91440" bIns="45720" numCol="1" spcCol="0" rtlCol="0" fromWordArt="0" anchor="ctr" anchorCtr="0" forceAA="0" compatLnSpc="1">
-            <a:prstTxWarp prst="textNoShape">
-              <a:avLst/>
-            </a:prstTxWarp>
-            <a:noAutofit/>
-          </a:bodyPr>
-          <a:lstStyle/>
-          <a:p>
             <a:pPr algn="ctr"/>
-            <a:endParaRPr lang="en-US" sz="3730"/>
-          </a:p>
-        </p:txBody>
-      </p:sp>
-      <p:cxnSp>
-        <p:nvCxnSpPr>
-          <p:cNvPr id="222" name="Straight Connector 221"/>
-          <p:cNvCxnSpPr/>
-          <p:nvPr/>
-        </p:nvCxnSpPr>
-        <p:spPr>
-          <a:xfrm flipV="1">
-            <a:off x="609600" y="7772407"/>
-            <a:ext cx="152400" cy="152400"/>
-          </a:xfrm>
-          <a:prstGeom prst="line">
-            <a:avLst/>
-          </a:prstGeom>
-          <a:ln w="12700">
-            <a:solidFill>
-              <a:srgbClr val="000000"/>
-            </a:solidFill>
-            <a:headEnd type="none" w="med" len="med"/>
-            <a:tailEnd type="none" w="med" len="med"/>
-          </a:ln>
-        </p:spPr>
-        <p:style>
-          <a:lnRef idx="1">
-            <a:schemeClr val="accent1"/>
-          </a:lnRef>
-          <a:fillRef idx="0">
-            <a:schemeClr val="accent1"/>
-          </a:fillRef>
-          <a:effectRef idx="0">
-            <a:schemeClr val="accent1"/>
-          </a:effectRef>
-          <a:fontRef idx="minor">
-            <a:schemeClr val="tx1"/>
-          </a:fontRef>
-        </p:style>
-      </p:cxnSp>
-      <p:sp>
-        <p:nvSpPr>
-          <p:cNvPr id="223" name="Rectangle 222"/>
-          <p:cNvSpPr/>
-          <p:nvPr/>
-        </p:nvSpPr>
-        <p:spPr>
-          <a:xfrm>
-            <a:off x="609600" y="7696207"/>
-            <a:ext cx="152400" cy="76200"/>
-          </a:xfrm>
-          <a:prstGeom prst="rect">
-            <a:avLst/>
-          </a:prstGeom>
-          <a:noFill/>
-          <a:ln>
-            <a:noFill/>
-          </a:ln>
-        </p:spPr>
-        <p:style>
-          <a:lnRef idx="2">
-            <a:schemeClr val="accent1">
-              <a:shade val="50000"/>
-            </a:schemeClr>
-          </a:lnRef>
-          <a:fillRef idx="1">
-            <a:schemeClr val="accent1"/>
-          </a:fillRef>
-          <a:effectRef idx="0">
-            <a:schemeClr val="accent1"/>
-          </a:effectRef>
-          <a:fontRef idx="minor">
-            <a:schemeClr val="lt1"/>
-          </a:fontRef>
-        </p:style>
-        <p:txBody>
-          <a:bodyPr wrap="none" lIns="45720" rIns="45720" rtlCol="0" anchor="ctr"/>
-          <a:lstStyle/>
-          <a:p>
-            <a:pPr algn="ctr"/>
-            <a:r>
-              <a:rPr lang="en-US" sz="900" dirty="0">
+            <a:r>
+              <a:rPr lang="en-US" sz="900" dirty="0" smtClean="0">
                 <a:solidFill>
                   <a:srgbClr val="000000"/>
                 </a:solidFill>
@@ -10477,73 +11657,28 @@
               </a:rPr>
               <a:t>1</a:t>
             </a:r>
-          </a:p>
-        </p:txBody>
-      </p:sp>
-      <p:sp>
-        <p:nvSpPr>
-          <p:cNvPr id="247" name="Rectangle 246"/>
-          <p:cNvSpPr/>
-          <p:nvPr/>
-        </p:nvSpPr>
-        <p:spPr>
-          <a:xfrm>
-            <a:off x="838200" y="7696207"/>
-            <a:ext cx="457200" cy="152400"/>
-          </a:xfrm>
-          <a:prstGeom prst="rect">
-            <a:avLst/>
-          </a:prstGeom>
-          <a:noFill/>
-          <a:ln>
-            <a:noFill/>
-          </a:ln>
-        </p:spPr>
-        <p:style>
-          <a:lnRef idx="2">
-            <a:schemeClr val="accent1">
-              <a:shade val="50000"/>
-            </a:schemeClr>
-          </a:lnRef>
-          <a:fillRef idx="1">
-            <a:schemeClr val="accent1"/>
-          </a:fillRef>
-          <a:effectRef idx="0">
-            <a:schemeClr val="accent1"/>
-          </a:effectRef>
-          <a:fontRef idx="minor">
-            <a:schemeClr val="lt1"/>
-          </a:fontRef>
-        </p:style>
-        <p:txBody>
-          <a:bodyPr wrap="none" lIns="45720" rIns="45720" rtlCol="0" anchor="ctr"/>
-          <a:lstStyle/>
-          <a:p>
-            <a:r>
-              <a:rPr lang="en-US" sz="900" dirty="0">
-                <a:solidFill>
-                  <a:srgbClr val="000000"/>
-                </a:solidFill>
-                <a:latin typeface="Courier New" panose="02070309020205020404" pitchFamily="49" charset="0"/>
-                <a:cs typeface="Courier New" panose="02070309020205020404" pitchFamily="49" charset="0"/>
-              </a:rPr>
-              <a:t>RSTX</a:t>
-            </a:r>
+            <a:endParaRPr lang="en-US" sz="900" dirty="0">
+              <a:solidFill>
+                <a:srgbClr val="000000"/>
+              </a:solidFill>
+              <a:latin typeface="Courier New" panose="02070309020205020404" pitchFamily="49" charset="0"/>
+              <a:cs typeface="Courier New" panose="02070309020205020404" pitchFamily="49" charset="0"/>
+            </a:endParaRPr>
           </a:p>
         </p:txBody>
       </p:sp>
       <p:cxnSp>
         <p:nvCxnSpPr>
-          <p:cNvPr id="251" name="Straight Connector 250"/>
+          <p:cNvPr id="237" name="Straight Connector 236"/>
           <p:cNvCxnSpPr>
-            <a:stCxn id="221" idx="3"/>
+            <a:stCxn id="183" idx="3"/>
           </p:cNvCxnSpPr>
           <p:nvPr/>
         </p:nvCxnSpPr>
         <p:spPr>
           <a:xfrm>
-            <a:off x="533400" y="7848607"/>
-            <a:ext cx="914400" cy="0"/>
+            <a:off x="533400" y="1524000"/>
+            <a:ext cx="1600200" cy="0"/>
           </a:xfrm>
           <a:prstGeom prst="line">
             <a:avLst/>
@@ -10554,87 +11689,6 @@
             </a:solidFill>
             <a:headEnd type="none" w="med" len="med"/>
             <a:tailEnd type="triangle" w="med" len="med"/>
-          </a:ln>
-        </p:spPr>
-        <p:style>
-          <a:lnRef idx="1">
-            <a:schemeClr val="accent1"/>
-          </a:lnRef>
-          <a:fillRef idx="0">
-            <a:schemeClr val="accent1"/>
-          </a:fillRef>
-          <a:effectRef idx="0">
-            <a:schemeClr val="accent1"/>
-          </a:effectRef>
-          <a:fontRef idx="minor">
-            <a:schemeClr val="tx1"/>
-          </a:fontRef>
-        </p:style>
-      </p:cxnSp>
-      <p:sp>
-        <p:nvSpPr>
-          <p:cNvPr id="252" name="Rectangle 251"/>
-          <p:cNvSpPr/>
-          <p:nvPr/>
-        </p:nvSpPr>
-        <p:spPr>
-          <a:xfrm>
-            <a:off x="1905000" y="7772429"/>
-            <a:ext cx="304800" cy="304793"/>
-          </a:xfrm>
-          <a:prstGeom prst="rect">
-            <a:avLst/>
-          </a:prstGeom>
-          <a:noFill/>
-          <a:ln w="12700">
-            <a:solidFill>
-              <a:srgbClr val="000000"/>
-            </a:solidFill>
-          </a:ln>
-        </p:spPr>
-        <p:style>
-          <a:lnRef idx="2">
-            <a:schemeClr val="accent1">
-              <a:shade val="50000"/>
-            </a:schemeClr>
-          </a:lnRef>
-          <a:fillRef idx="1">
-            <a:schemeClr val="accent1"/>
-          </a:fillRef>
-          <a:effectRef idx="0">
-            <a:schemeClr val="accent1"/>
-          </a:effectRef>
-          <a:fontRef idx="minor">
-            <a:schemeClr val="lt1"/>
-          </a:fontRef>
-        </p:style>
-        <p:txBody>
-          <a:bodyPr rtlCol="0" anchor="ctr"/>
-          <a:lstStyle/>
-          <a:p>
-            <a:pPr algn="ctr"/>
-            <a:endParaRPr lang="en-US" sz="3730"/>
-          </a:p>
-        </p:txBody>
-      </p:sp>
-      <p:cxnSp>
-        <p:nvCxnSpPr>
-          <p:cNvPr id="253" name="Straight Connector 252"/>
-          <p:cNvCxnSpPr/>
-          <p:nvPr/>
-        </p:nvCxnSpPr>
-        <p:spPr>
-          <a:xfrm flipV="1">
-            <a:off x="1981201" y="8000980"/>
-            <a:ext cx="76200" cy="76200"/>
-          </a:xfrm>
-          <a:prstGeom prst="line">
-            <a:avLst/>
-          </a:prstGeom>
-          <a:ln w="12700">
-            <a:solidFill>
-              <a:srgbClr val="000000"/>
-            </a:solidFill>
           </a:ln>
         </p:spPr>
         <p:style>
@@ -10654,14 +11708,16 @@
       </p:cxnSp>
       <p:cxnSp>
         <p:nvCxnSpPr>
-          <p:cNvPr id="254" name="Straight Connector 253"/>
-          <p:cNvCxnSpPr/>
+          <p:cNvPr id="240" name="Straight Connector 239"/>
+          <p:cNvCxnSpPr>
+            <a:endCxn id="224" idx="1"/>
+          </p:cNvCxnSpPr>
           <p:nvPr/>
         </p:nvCxnSpPr>
         <p:spPr>
-          <a:xfrm flipH="1" flipV="1">
-            <a:off x="2057401" y="8000980"/>
-            <a:ext cx="76200" cy="76200"/>
+          <a:xfrm>
+            <a:off x="2438400" y="1524000"/>
+            <a:ext cx="9753600" cy="4"/>
           </a:xfrm>
           <a:prstGeom prst="line">
             <a:avLst/>
@@ -10670,6 +11726,8 @@
             <a:solidFill>
               <a:srgbClr val="000000"/>
             </a:solidFill>
+            <a:headEnd type="none" w="med" len="med"/>
+            <a:tailEnd type="none" w="med" len="med"/>
           </a:ln>
         </p:spPr>
         <p:style>
@@ -10687,163 +11745,6 @@
           </a:fontRef>
         </p:style>
       </p:cxnSp>
-      <p:sp>
-        <p:nvSpPr>
-          <p:cNvPr id="255" name="Rectangle 254"/>
-          <p:cNvSpPr/>
-          <p:nvPr/>
-        </p:nvSpPr>
-        <p:spPr>
-          <a:xfrm>
-            <a:off x="1981200" y="7772387"/>
-            <a:ext cx="152400" cy="152400"/>
-          </a:xfrm>
-          <a:prstGeom prst="rect">
-            <a:avLst/>
-          </a:prstGeom>
-          <a:noFill/>
-          <a:ln>
-            <a:noFill/>
-          </a:ln>
-        </p:spPr>
-        <p:style>
-          <a:lnRef idx="2">
-            <a:schemeClr val="accent1">
-              <a:shade val="50000"/>
-            </a:schemeClr>
-          </a:lnRef>
-          <a:fillRef idx="1">
-            <a:schemeClr val="accent1"/>
-          </a:fillRef>
-          <a:effectRef idx="0">
-            <a:schemeClr val="accent1"/>
-          </a:effectRef>
-          <a:fontRef idx="minor">
-            <a:schemeClr val="lt1"/>
-          </a:fontRef>
-        </p:style>
-        <p:txBody>
-          <a:bodyPr wrap="none" lIns="45720" rIns="45720" rtlCol="0" anchor="ctr"/>
-          <a:lstStyle/>
-          <a:p>
-            <a:pPr algn="ctr"/>
-            <a:r>
-              <a:rPr lang="en-US" sz="900" dirty="0">
-                <a:solidFill>
-                  <a:srgbClr val="000000"/>
-                </a:solidFill>
-                <a:latin typeface="Courier New" panose="02070309020205020404" pitchFamily="49" charset="0"/>
-                <a:cs typeface="Courier New" panose="02070309020205020404" pitchFamily="49" charset="0"/>
-              </a:rPr>
-              <a:t>R</a:t>
-            </a:r>
-          </a:p>
-        </p:txBody>
-      </p:sp>
-      <p:sp>
-        <p:nvSpPr>
-          <p:cNvPr id="256" name="Rectangle 255"/>
-          <p:cNvSpPr/>
-          <p:nvPr/>
-        </p:nvSpPr>
-        <p:spPr>
-          <a:xfrm>
-            <a:off x="1524000" y="7772407"/>
-            <a:ext cx="457200" cy="152400"/>
-          </a:xfrm>
-          <a:prstGeom prst="rect">
-            <a:avLst/>
-          </a:prstGeom>
-          <a:noFill/>
-          <a:ln>
-            <a:noFill/>
-          </a:ln>
-        </p:spPr>
-        <p:style>
-          <a:lnRef idx="2">
-            <a:schemeClr val="accent1">
-              <a:shade val="50000"/>
-            </a:schemeClr>
-          </a:lnRef>
-          <a:fillRef idx="1">
-            <a:schemeClr val="accent1"/>
-          </a:fillRef>
-          <a:effectRef idx="0">
-            <a:schemeClr val="accent1"/>
-          </a:effectRef>
-          <a:fontRef idx="minor">
-            <a:schemeClr val="lt1"/>
-          </a:fontRef>
-        </p:style>
-        <p:txBody>
-          <a:bodyPr wrap="none" lIns="45720" rIns="45720" rtlCol="0" anchor="ctr"/>
-          <a:lstStyle/>
-          <a:p>
-            <a:r>
-              <a:rPr lang="en-US" sz="900" dirty="0">
-                <a:solidFill>
-                  <a:srgbClr val="000000"/>
-                </a:solidFill>
-                <a:latin typeface="Courier New" panose="02070309020205020404" pitchFamily="49" charset="0"/>
-                <a:cs typeface="Courier New" panose="02070309020205020404" pitchFamily="49" charset="0"/>
-              </a:rPr>
-              <a:t>to</a:t>
-            </a:r>
-          </a:p>
-        </p:txBody>
-      </p:sp>
-      <p:sp>
-        <p:nvSpPr>
-          <p:cNvPr id="257" name="Rectangle 256"/>
-          <p:cNvSpPr/>
-          <p:nvPr/>
-        </p:nvSpPr>
-        <p:spPr>
-          <a:xfrm>
-            <a:off x="2362200" y="7772407"/>
-            <a:ext cx="457200" cy="152400"/>
-          </a:xfrm>
-          <a:prstGeom prst="rect">
-            <a:avLst/>
-          </a:prstGeom>
-          <a:noFill/>
-          <a:ln>
-            <a:noFill/>
-          </a:ln>
-        </p:spPr>
-        <p:style>
-          <a:lnRef idx="2">
-            <a:schemeClr val="accent1">
-              <a:shade val="50000"/>
-            </a:schemeClr>
-          </a:lnRef>
-          <a:fillRef idx="1">
-            <a:schemeClr val="accent1"/>
-          </a:fillRef>
-          <a:effectRef idx="0">
-            <a:schemeClr val="accent1"/>
-          </a:effectRef>
-          <a:fontRef idx="minor">
-            <a:schemeClr val="lt1"/>
-          </a:fontRef>
-        </p:style>
-        <p:txBody>
-          <a:bodyPr wrap="none" lIns="45720" rIns="45720" rtlCol="0" anchor="ctr"/>
-          <a:lstStyle/>
-          <a:p>
-            <a:r>
-              <a:rPr lang="en-US" sz="900" dirty="0">
-                <a:solidFill>
-                  <a:srgbClr val="000000"/>
-                </a:solidFill>
-                <a:latin typeface="Courier New" panose="02070309020205020404" pitchFamily="49" charset="0"/>
-                <a:cs typeface="Courier New" panose="02070309020205020404" pitchFamily="49" charset="0"/>
-              </a:rPr>
-              <a:t>as low active asynchronous reset</a:t>
-            </a:r>
-          </a:p>
-        </p:txBody>
-      </p:sp>
     </p:spTree>
     <p:extLst>
       <p:ext uri="{BB962C8B-B14F-4D97-AF65-F5344CB8AC3E}">
